--- a/Presentation3.pptx
+++ b/Presentation3.pptx
@@ -9623,7 +9623,7 @@
         </p:spPr>
         <p:txBody>
           <a:bodyPr vert="horz" lIns="91440" tIns="45720" rIns="91440" bIns="45720" rtlCol="0" anchor="t">
-            <a:normAutofit/>
+            <a:normAutofit fontScale="92500" lnSpcReduction="20000"/>
           </a:bodyPr>
           <a:lstStyle/>
           <a:p>
@@ -9633,7 +9633,7 @@
             </a:pPr>
             <a:r>
               <a:rPr lang="en-US" dirty="0"/>
-              <a:t>Essential to have a platform that provides opportunities for self-testing</a:t>
+              <a:t>I always believed the best way of studying was to perform self assessments rather than studying the notes constantly.</a:t>
             </a:r>
           </a:p>
           <a:p>
@@ -9650,8 +9650,11 @@
             </a:pPr>
             <a:r>
               <a:rPr lang="en-US" dirty="0"/>
-              <a:t>My goal was t create a simple project that covers a range of material I learned this semester.</a:t>
-            </a:r>
+              <a:t>My goal was to create a simple project that covers a range of material I learned this semester.</a:t>
+            </a:r>
+          </a:p>
+          <a:p>
+            <a:endParaRPr lang="en-US" dirty="0"/>
           </a:p>
           <a:p>
             <a:pPr marL="285750" indent="-285750">
@@ -9660,76 +9663,8 @@
             </a:pPr>
             <a:r>
               <a:rPr lang="en-US" dirty="0"/>
-              <a:t>In addition to create a quiz application that tests the users knowledge and provides feedback as well.</a:t>
-            </a:r>
-          </a:p>
-        </p:txBody>
-      </p:sp>
-      <p:sp>
-        <p:nvSpPr>
-          <p:cNvPr id="4" name="Footer Placeholder 3">
-            <a:extLst>
-              <a:ext uri="{FF2B5EF4-FFF2-40B4-BE49-F238E27FC236}">
-                <a16:creationId xmlns:a16="http://schemas.microsoft.com/office/drawing/2014/main" id="{36C19884-873C-4D13-BE6D-318CF07B0D12}"/>
-              </a:ext>
-            </a:extLst>
-          </p:cNvPr>
-          <p:cNvSpPr>
-            <a:spLocks noGrp="1"/>
-          </p:cNvSpPr>
-          <p:nvPr>
-            <p:ph type="ftr" sz="quarter" idx="11"/>
-          </p:nvPr>
-        </p:nvSpPr>
-        <p:spPr>
-          <a:xfrm>
-            <a:off x="2669886" y="6356349"/>
-            <a:ext cx="2482842" cy="365125"/>
-          </a:xfrm>
-        </p:spPr>
-        <p:txBody>
-          <a:bodyPr/>
-          <a:lstStyle/>
-          <a:p>
-            <a:r>
-              <a:rPr lang="en-US"/>
-              <a:t>PRESENTATION TITLE</a:t>
-            </a:r>
-          </a:p>
-        </p:txBody>
-      </p:sp>
-      <p:sp>
-        <p:nvSpPr>
-          <p:cNvPr id="6" name="Slide Number Placeholder 5">
-            <a:extLst>
-              <a:ext uri="{FF2B5EF4-FFF2-40B4-BE49-F238E27FC236}">
-                <a16:creationId xmlns:a16="http://schemas.microsoft.com/office/drawing/2014/main" id="{7C991F00-87A7-45A6-8029-B097FA72498D}"/>
-              </a:ext>
-            </a:extLst>
-          </p:cNvPr>
-          <p:cNvSpPr>
-            <a:spLocks noGrp="1"/>
-          </p:cNvSpPr>
-          <p:nvPr>
-            <p:ph type="sldNum" sz="quarter" idx="12"/>
-          </p:nvPr>
-        </p:nvSpPr>
-        <p:spPr>
-          <a:xfrm>
-            <a:off x="5536305" y="6356350"/>
-            <a:ext cx="987552" cy="365125"/>
-          </a:xfrm>
-        </p:spPr>
-        <p:txBody>
-          <a:bodyPr/>
-          <a:lstStyle/>
-          <a:p>
-            <a:fld id="{A49DFD55-3C28-40EF-9E31-A92D2E4017FF}" type="slidenum">
-              <a:rPr lang="en-US" smtClean="0"/>
-              <a:pPr/>
-              <a:t>2</a:t>
-            </a:fld>
-            <a:endParaRPr lang="en-US"/>
+              <a:t>In addition to create a quiz application that tests the user's knowledge and learn new things while providing feedback</a:t>
+            </a:r>
           </a:p>
         </p:txBody>
       </p:sp>
@@ -9814,13 +9749,13 @@
         </p:nvSpPr>
         <p:spPr>
           <a:xfrm>
-            <a:off x="988264" y="2064887"/>
-            <a:ext cx="5111750" cy="2460116"/>
+            <a:off x="988264" y="2064886"/>
+            <a:ext cx="5111750" cy="3405472"/>
           </a:xfrm>
         </p:spPr>
         <p:txBody>
           <a:bodyPr vert="horz" lIns="91440" tIns="45720" rIns="91440" bIns="45720" rtlCol="0" anchor="t">
-            <a:normAutofit/>
+            <a:normAutofit lnSpcReduction="10000"/>
           </a:bodyPr>
           <a:lstStyle/>
           <a:p>
@@ -9833,7 +9768,7 @@
                 <a:ea typeface="+mn-lt"/>
                 <a:cs typeface="+mn-lt"/>
               </a:rPr>
-              <a:t>User authentication via the Login class</a:t>
+              <a:t> Contains User authentication via the Login class where the user can input their name.</a:t>
             </a:r>
             <a:endParaRPr lang="en-US" dirty="0"/>
           </a:p>
@@ -9861,9 +9796,28 @@
                 <a:ea typeface="+mn-lt"/>
                 <a:cs typeface="+mn-lt"/>
               </a:rPr>
-              <a:t>Interactive multiple-choice quiz with a timer, managed by the Quiz class</a:t>
-            </a:r>
-            <a:endParaRPr lang="en-US" dirty="0"/>
+              <a:t>Interactive multiple-choice quiz with a timer, managed by the Quiz class. </a:t>
+            </a:r>
+          </a:p>
+          <a:p>
+            <a:pPr marL="285750" indent="-285750">
+              <a:buFont typeface="Arial"/>
+              <a:buChar char="•"/>
+            </a:pPr>
+            <a:r>
+              <a:rPr lang="en-US" dirty="0"/>
+              <a:t>Made using a timer object in the quiz class with and if and else statements incorporates.</a:t>
+            </a:r>
+          </a:p>
+          <a:p>
+            <a:pPr marL="285750" indent="-285750">
+              <a:buFont typeface="Arial"/>
+              <a:buChar char="•"/>
+            </a:pPr>
+            <a:r>
+              <a:rPr lang="en-US" dirty="0"/>
+              <a:t>50-50 lifeline feature where it can eliminate two incorrect answers making it easier for the user to choose the correct answer</a:t>
+            </a:r>
           </a:p>
           <a:p>
             <a:pPr marL="285750" indent="-285750">
@@ -9881,74 +9835,6 @@
           </a:p>
           <a:p>
             <a:endParaRPr lang="en-US" dirty="0"/>
-          </a:p>
-        </p:txBody>
-      </p:sp>
-      <p:sp>
-        <p:nvSpPr>
-          <p:cNvPr id="5" name="Footer Placeholder 4">
-            <a:extLst>
-              <a:ext uri="{FF2B5EF4-FFF2-40B4-BE49-F238E27FC236}">
-                <a16:creationId xmlns:a16="http://schemas.microsoft.com/office/drawing/2014/main" id="{8D51ED20-04D4-4894-B0C2-9C541A61A734}"/>
-              </a:ext>
-            </a:extLst>
-          </p:cNvPr>
-          <p:cNvSpPr>
-            <a:spLocks noGrp="1"/>
-          </p:cNvSpPr>
-          <p:nvPr>
-            <p:ph type="ftr" sz="quarter" idx="11"/>
-          </p:nvPr>
-        </p:nvSpPr>
-        <p:spPr>
-          <a:xfrm>
-            <a:off x="2463800" y="6356350"/>
-            <a:ext cx="3479800" cy="365125"/>
-          </a:xfrm>
-        </p:spPr>
-        <p:txBody>
-          <a:bodyPr/>
-          <a:lstStyle/>
-          <a:p>
-            <a:r>
-              <a:rPr lang="en-US"/>
-              <a:t>PRESENTATION TITLE</a:t>
-            </a:r>
-          </a:p>
-        </p:txBody>
-      </p:sp>
-      <p:sp>
-        <p:nvSpPr>
-          <p:cNvPr id="6" name="Slide Number Placeholder 5">
-            <a:extLst>
-              <a:ext uri="{FF2B5EF4-FFF2-40B4-BE49-F238E27FC236}">
-                <a16:creationId xmlns:a16="http://schemas.microsoft.com/office/drawing/2014/main" id="{7BC1787E-7110-4989-B0B8-DD4E0ACC09DF}"/>
-              </a:ext>
-            </a:extLst>
-          </p:cNvPr>
-          <p:cNvSpPr>
-            <a:spLocks noGrp="1"/>
-          </p:cNvSpPr>
-          <p:nvPr>
-            <p:ph type="sldNum" sz="quarter" idx="12"/>
-          </p:nvPr>
-        </p:nvSpPr>
-        <p:spPr>
-          <a:xfrm>
-            <a:off x="8610600" y="6356350"/>
-            <a:ext cx="2743200" cy="365125"/>
-          </a:xfrm>
-        </p:spPr>
-        <p:txBody>
-          <a:bodyPr/>
-          <a:lstStyle/>
-          <a:p>
-            <a:fld id="{A49DFD55-3C28-40EF-9E31-A92D2E4017FF}" type="slidenum">
-              <a:rPr lang="en-US" smtClean="0"/>
-              <a:pPr/>
-              <a:t>3</a:t>
-            </a:fld>
-            <a:endParaRPr lang="en-US"/>
           </a:p>
         </p:txBody>
       </p:sp>
@@ -10029,12 +9915,12 @@
         <p:spPr>
           <a:xfrm>
             <a:off x="1333500" y="2924175"/>
-            <a:ext cx="4419600" cy="3525778"/>
+            <a:ext cx="4419600" cy="3653088"/>
           </a:xfrm>
         </p:spPr>
         <p:txBody>
           <a:bodyPr vert="horz" lIns="91440" tIns="45720" rIns="91440" bIns="45720" rtlCol="0" anchor="t">
-            <a:normAutofit/>
+            <a:normAutofit fontScale="92500" lnSpcReduction="10000"/>
           </a:bodyPr>
           <a:lstStyle/>
           <a:p>
@@ -10047,9 +9933,22 @@
                 <a:ea typeface="+mn-lt"/>
                 <a:cs typeface="+mn-lt"/>
               </a:rPr>
-              <a:t>Developed using Java and Swing for the user interface</a:t>
-            </a:r>
-            <a:endParaRPr lang="en-US" dirty="0"/>
+              <a:t>Developed using Java Swing library which provides tolls and components  for the user interface with </a:t>
+            </a:r>
+            <a:r>
+              <a:rPr lang="en-US" dirty="0" err="1">
+                <a:ea typeface="+mn-lt"/>
+                <a:cs typeface="+mn-lt"/>
+              </a:rPr>
+              <a:t>Netbeans</a:t>
+            </a:r>
+            <a:r>
+              <a:rPr lang="en-US" dirty="0">
+                <a:ea typeface="+mn-lt"/>
+                <a:cs typeface="+mn-lt"/>
+              </a:rPr>
+              <a:t> as the Ide </a:t>
+            </a:r>
           </a:p>
           <a:p>
             <a:pPr marL="285750" indent="-285750">
@@ -10061,7 +9960,7 @@
                 <a:ea typeface="+mn-lt"/>
                 <a:cs typeface="+mn-lt"/>
               </a:rPr>
-              <a:t>Leveraged Object-Oriented Programming concepts to create a modular and scalable design</a:t>
+              <a:t>Incorporating Java Abstract Window Toolkit classes such as color, font, dimension to manage appearance of the interface</a:t>
             </a:r>
             <a:endParaRPr lang="en-US" dirty="0"/>
           </a:p>
@@ -10075,7 +9974,7 @@
                 <a:ea typeface="+mn-lt"/>
                 <a:cs typeface="+mn-lt"/>
               </a:rPr>
-              <a:t>Used arrays and loops to manage questions, answers, and user interactions</a:t>
+              <a:t>Used arrays and loops to manage questions, answers, and user interactions in addition to inheritance to extend properties and methods.</a:t>
             </a:r>
             <a:endParaRPr lang="en-US" dirty="0"/>
           </a:p>
@@ -10196,10 +10095,10 @@
       </p:grpSpPr>
       <p:sp useBgFill="1">
         <p:nvSpPr>
-          <p:cNvPr id="71" name="Rectangle 48">
-            <a:extLst>
-              <a:ext uri="{FF2B5EF4-FFF2-40B4-BE49-F238E27FC236}">
-                <a16:creationId xmlns:a16="http://schemas.microsoft.com/office/drawing/2014/main" id="{BA79A7CF-01AF-4178-9369-94E0C90EB046}"/>
+          <p:cNvPr id="79" name="Rectangle 78">
+            <a:extLst>
+              <a:ext uri="{FF2B5EF4-FFF2-40B4-BE49-F238E27FC236}">
+                <a16:creationId xmlns:a16="http://schemas.microsoft.com/office/drawing/2014/main" id="{3C54F4CE-85F0-46ED-80DA-9518C9251AD1}"/>
               </a:ext>
               <a:ext uri="{C183D7F6-B498-43B3-948B-1728B52AA6E4}">
                 <adec:decorative xmlns:adec="http://schemas.microsoft.com/office/drawing/2017/decorative" val="1"/>
@@ -10220,14 +10119,30 @@
         <p:spPr>
           <a:xfrm>
             <a:off x="0" y="0"/>
-            <a:ext cx="12191999" cy="6857365"/>
+            <a:ext cx="12192000" cy="6858000"/>
           </a:xfrm>
           <a:prstGeom prst="rect">
             <a:avLst/>
           </a:prstGeom>
-          <a:ln>
+          <a:ln w="12700" cap="flat" cmpd="sng" algn="ctr">
             <a:noFill/>
+            <a:prstDash val="solid"/>
+            <a:miter lim="800000"/>
           </a:ln>
+          <a:effectLst/>
+          <a:extLst>
+            <a:ext uri="{91240B29-F687-4F45-9708-019B960494DF}">
+              <a14:hiddenLine xmlns:a14="http://schemas.microsoft.com/office/drawing/2010/main" w="12700" cap="flat" cmpd="sng" algn="ctr">
+                <a:solidFill>
+                  <a:schemeClr val="accent1">
+                    <a:shade val="50000"/>
+                  </a:schemeClr>
+                </a:solidFill>
+                <a:prstDash val="solid"/>
+                <a:miter lim="800000"/>
+              </a14:hiddenLine>
+            </a:ext>
+          </a:extLst>
         </p:spPr>
         <p:style>
           <a:lnRef idx="2">
@@ -10256,196 +10171,10 @@
       </p:sp>
       <p:sp>
         <p:nvSpPr>
-          <p:cNvPr id="2" name="Title 1">
-            <a:extLst>
-              <a:ext uri="{FF2B5EF4-FFF2-40B4-BE49-F238E27FC236}">
-                <a16:creationId xmlns:a16="http://schemas.microsoft.com/office/drawing/2014/main" id="{4518FC28-E0BD-4387-B8BE-9965D1A57FF1}"/>
-              </a:ext>
-            </a:extLst>
-          </p:cNvPr>
-          <p:cNvSpPr>
-            <a:spLocks noGrp="1"/>
-          </p:cNvSpPr>
-          <p:nvPr>
-            <p:ph type="title"/>
-          </p:nvPr>
-        </p:nvSpPr>
-        <p:spPr>
-          <a:xfrm>
-            <a:off x="9096459" y="318135"/>
-            <a:ext cx="2469624" cy="1741170"/>
-          </a:xfrm>
-        </p:spPr>
-        <p:txBody>
-          <a:bodyPr vert="horz" lIns="91440" tIns="45720" rIns="91440" bIns="45720" rtlCol="0" anchor="ctr">
-            <a:normAutofit/>
-          </a:bodyPr>
-          <a:lstStyle/>
-          <a:p>
-            <a:r>
-              <a:rPr lang="en-US" sz="3700" kern="1200">
-                <a:solidFill>
-                  <a:schemeClr val="tx1"/>
-                </a:solidFill>
-                <a:latin typeface="+mj-lt"/>
-                <a:ea typeface="+mj-ea"/>
-                <a:cs typeface="+mj-cs"/>
-              </a:rPr>
-              <a:t>UML Class Diagram</a:t>
-            </a:r>
-          </a:p>
-        </p:txBody>
-      </p:sp>
-      <p:sp>
-        <p:nvSpPr>
-          <p:cNvPr id="3" name="Text Placeholder 2">
-            <a:extLst>
-              <a:ext uri="{FF2B5EF4-FFF2-40B4-BE49-F238E27FC236}">
-                <a16:creationId xmlns:a16="http://schemas.microsoft.com/office/drawing/2014/main" id="{FED19BCA-B61F-4EA6-A1FB-CCA3BD8506FB}"/>
-              </a:ext>
-            </a:extLst>
-          </p:cNvPr>
-          <p:cNvSpPr>
-            <a:spLocks noGrp="1"/>
-          </p:cNvSpPr>
-          <p:nvPr>
-            <p:ph type="body" idx="1"/>
-          </p:nvPr>
-        </p:nvSpPr>
-        <p:spPr>
-          <a:xfrm>
-            <a:off x="9267908" y="1943100"/>
-            <a:ext cx="2465515" cy="2826303"/>
-          </a:xfrm>
-        </p:spPr>
-        <p:txBody>
-          <a:bodyPr vert="horz" lIns="91440" tIns="45720" rIns="91440" bIns="45720" rtlCol="0" anchor="t">
-            <a:normAutofit/>
-          </a:bodyPr>
-          <a:lstStyle/>
-          <a:p>
-            <a:pPr marL="285750" indent="-285750">
-              <a:buFont typeface="Arial"/>
-              <a:buChar char="•"/>
-            </a:pPr>
-            <a:r>
-              <a:rPr lang="en-US" sz="800" b="1" dirty="0">
-                <a:ea typeface="+mn-lt"/>
-                <a:cs typeface="+mn-lt"/>
-              </a:rPr>
-              <a:t>Login class</a:t>
-            </a:r>
-            <a:r>
-              <a:rPr lang="en-US" sz="800" dirty="0">
-                <a:ea typeface="+mn-lt"/>
-                <a:cs typeface="+mn-lt"/>
-              </a:rPr>
-              <a:t>: Handles user authentication.</a:t>
-            </a:r>
-            <a:endParaRPr lang="en-US" dirty="0"/>
-          </a:p>
-          <a:p>
-            <a:pPr marL="285750" indent="-285750">
-              <a:buFont typeface="Arial"/>
-              <a:buChar char="•"/>
-            </a:pPr>
-            <a:r>
-              <a:rPr lang="en-US" sz="800" b="1" dirty="0">
-                <a:ea typeface="+mn-lt"/>
-                <a:cs typeface="+mn-lt"/>
-              </a:rPr>
-              <a:t>Rules class</a:t>
-            </a:r>
-            <a:r>
-              <a:rPr lang="en-US" sz="800" dirty="0">
-                <a:ea typeface="+mn-lt"/>
-                <a:cs typeface="+mn-lt"/>
-              </a:rPr>
-              <a:t>: Presents quiz rules and guidelines.</a:t>
-            </a:r>
-            <a:endParaRPr lang="en-US" dirty="0"/>
-          </a:p>
-          <a:p>
-            <a:pPr marL="285750" indent="-285750">
-              <a:buFont typeface="Arial"/>
-              <a:buChar char="•"/>
-            </a:pPr>
-            <a:r>
-              <a:rPr lang="en-US" sz="800" b="1" dirty="0">
-                <a:ea typeface="+mn-lt"/>
-                <a:cs typeface="+mn-lt"/>
-              </a:rPr>
-              <a:t>Quiz class</a:t>
-            </a:r>
-            <a:r>
-              <a:rPr lang="en-US" sz="800" dirty="0">
-                <a:ea typeface="+mn-lt"/>
-                <a:cs typeface="+mn-lt"/>
-              </a:rPr>
-              <a:t>: Manages quiz process, questions, user answers, and score calculation.</a:t>
-            </a:r>
-            <a:endParaRPr lang="en-US" dirty="0"/>
-          </a:p>
-          <a:p>
-            <a:pPr marL="285750" indent="-285750">
-              <a:buFont typeface="Arial"/>
-              <a:buChar char="•"/>
-            </a:pPr>
-            <a:r>
-              <a:rPr lang="en-US" sz="800" b="1" dirty="0">
-                <a:ea typeface="+mn-lt"/>
-                <a:cs typeface="+mn-lt"/>
-              </a:rPr>
-              <a:t>Score class</a:t>
-            </a:r>
-            <a:r>
-              <a:rPr lang="en-US" sz="800" dirty="0">
-                <a:ea typeface="+mn-lt"/>
-                <a:cs typeface="+mn-lt"/>
-              </a:rPr>
-              <a:t>: Displays user's performance and correct answers.</a:t>
-            </a:r>
-            <a:endParaRPr lang="en-US" dirty="0"/>
-          </a:p>
-          <a:p>
-            <a:pPr marL="285750" indent="-285750">
-              <a:buFont typeface="Arial"/>
-              <a:buChar char="•"/>
-            </a:pPr>
-            <a:endParaRPr lang="en-US" sz="800" kern="1200" dirty="0">
-              <a:latin typeface="+mn-lt"/>
-            </a:endParaRPr>
-          </a:p>
-          <a:p>
-            <a:pPr marL="285750" indent="-285750">
-              <a:buFont typeface="Arial"/>
-              <a:buChar char="•"/>
-            </a:pPr>
-            <a:r>
-              <a:rPr lang="en-US" sz="800" dirty="0">
-                <a:ea typeface="+mn-lt"/>
-                <a:cs typeface="+mn-lt"/>
-              </a:rPr>
-              <a:t>The UML Class Diagram highlights their relationship and ensures a well-structured, modular design.</a:t>
-            </a:r>
-            <a:endParaRPr lang="en-US" sz="800" dirty="0"/>
-          </a:p>
-          <a:p>
-            <a:pPr>
-              <a:lnSpc>
-                <a:spcPct val="90000"/>
-              </a:lnSpc>
-            </a:pPr>
-            <a:endParaRPr lang="en-US" sz="800" dirty="0"/>
-          </a:p>
-        </p:txBody>
-      </p:sp>
-      <p:sp>
-        <p:nvSpPr>
-          <p:cNvPr id="72" name="Rectangle 50">
-            <a:extLst>
-              <a:ext uri="{FF2B5EF4-FFF2-40B4-BE49-F238E27FC236}">
-                <a16:creationId xmlns:a16="http://schemas.microsoft.com/office/drawing/2014/main" id="{99413ED5-9ED4-4772-BCE4-2BCAE6B12E35}"/>
+          <p:cNvPr id="81" name="Freeform: Shape 80">
+            <a:extLst>
+              <a:ext uri="{FF2B5EF4-FFF2-40B4-BE49-F238E27FC236}">
+                <a16:creationId xmlns:a16="http://schemas.microsoft.com/office/drawing/2014/main" id="{DADD1FCA-8ACB-4958-81DD-4CDD6D3E1921}"/>
               </a:ext>
               <a:ext uri="{C183D7F6-B498-43B3-948B-1728B52AA6E4}">
                 <adec:decorative xmlns:adec="http://schemas.microsoft.com/office/drawing/2017/decorative" val="1"/>
@@ -10464,19 +10193,2483 @@
           </p:nvPr>
         </p:nvSpPr>
         <p:spPr>
-          <a:xfrm rot="16200000">
-            <a:off x="3433973" y="-827233"/>
-            <a:ext cx="1715478" cy="8583421"/>
+          <a:xfrm flipH="1">
+            <a:off x="0" y="0"/>
+            <a:ext cx="5802086" cy="6858000"/>
           </a:xfrm>
-          <a:prstGeom prst="rect">
+          <a:custGeom>
             <a:avLst/>
-          </a:prstGeom>
+            <a:gdLst>
+              <a:gd name="connsiteX0" fmla="*/ 5734864 w 5734864"/>
+              <a:gd name="connsiteY0" fmla="*/ 0 h 6858000"/>
+              <a:gd name="connsiteX1" fmla="*/ 771611 w 5734864"/>
+              <a:gd name="connsiteY1" fmla="*/ 0 h 6858000"/>
+              <a:gd name="connsiteX2" fmla="*/ 771679 w 5734864"/>
+              <a:gd name="connsiteY2" fmla="*/ 49108 h 6858000"/>
+              <a:gd name="connsiteX3" fmla="*/ 794248 w 5734864"/>
+              <a:gd name="connsiteY3" fmla="*/ 200968 h 6858000"/>
+              <a:gd name="connsiteX4" fmla="*/ 801749 w 5734864"/>
+              <a:gd name="connsiteY4" fmla="*/ 414071 h 6858000"/>
+              <a:gd name="connsiteX5" fmla="*/ 818548 w 5734864"/>
+              <a:gd name="connsiteY5" fmla="*/ 585467 h 6858000"/>
+              <a:gd name="connsiteX6" fmla="*/ 857476 w 5734864"/>
+              <a:gd name="connsiteY6" fmla="*/ 800623 h 6858000"/>
+              <a:gd name="connsiteX7" fmla="*/ 851083 w 5734864"/>
+              <a:gd name="connsiteY7" fmla="*/ 878903 h 6858000"/>
+              <a:gd name="connsiteX8" fmla="*/ 873564 w 5734864"/>
+              <a:gd name="connsiteY8" fmla="*/ 943826 h 6858000"/>
+              <a:gd name="connsiteX9" fmla="*/ 864705 w 5734864"/>
+              <a:gd name="connsiteY9" fmla="*/ 973328 h 6858000"/>
+              <a:gd name="connsiteX10" fmla="*/ 862869 w 5734864"/>
+              <a:gd name="connsiteY10" fmla="*/ 978457 h 6858000"/>
+              <a:gd name="connsiteX11" fmla="*/ 862233 w 5734864"/>
+              <a:gd name="connsiteY11" fmla="*/ 998041 h 6858000"/>
+              <a:gd name="connsiteX12" fmla="*/ 853665 w 5734864"/>
+              <a:gd name="connsiteY12" fmla="*/ 1004750 h 6858000"/>
+              <a:gd name="connsiteX13" fmla="*/ 846695 w 5734864"/>
+              <a:gd name="connsiteY13" fmla="*/ 1035077 h 6858000"/>
+              <a:gd name="connsiteX14" fmla="*/ 847865 w 5734864"/>
+              <a:gd name="connsiteY14" fmla="*/ 1070795 h 6858000"/>
+              <a:gd name="connsiteX15" fmla="*/ 862786 w 5734864"/>
+              <a:gd name="connsiteY15" fmla="*/ 1238994 h 6858000"/>
+              <a:gd name="connsiteX16" fmla="*/ 859345 w 5734864"/>
+              <a:gd name="connsiteY16" fmla="*/ 1380427 h 6858000"/>
+              <a:gd name="connsiteX17" fmla="*/ 855172 w 5734864"/>
+              <a:gd name="connsiteY17" fmla="*/ 1435262 h 6858000"/>
+              <a:gd name="connsiteX18" fmla="*/ 860494 w 5734864"/>
+              <a:gd name="connsiteY18" fmla="*/ 1453861 h 6858000"/>
+              <a:gd name="connsiteX19" fmla="*/ 853731 w 5734864"/>
+              <a:gd name="connsiteY19" fmla="*/ 1467047 h 6858000"/>
+              <a:gd name="connsiteX20" fmla="*/ 845847 w 5734864"/>
+              <a:gd name="connsiteY20" fmla="*/ 1502307 h 6858000"/>
+              <a:gd name="connsiteX21" fmla="*/ 817613 w 5734864"/>
+              <a:gd name="connsiteY21" fmla="*/ 1565166 h 6858000"/>
+              <a:gd name="connsiteX22" fmla="*/ 804223 w 5734864"/>
+              <a:gd name="connsiteY22" fmla="*/ 1601941 h 6858000"/>
+              <a:gd name="connsiteX23" fmla="*/ 791773 w 5734864"/>
+              <a:gd name="connsiteY23" fmla="*/ 1627005 h 6858000"/>
+              <a:gd name="connsiteX24" fmla="*/ 774645 w 5734864"/>
+              <a:gd name="connsiteY24" fmla="*/ 1699922 h 6858000"/>
+              <a:gd name="connsiteX25" fmla="*/ 752343 w 5734864"/>
+              <a:gd name="connsiteY25" fmla="*/ 1824604 h 6858000"/>
+              <a:gd name="connsiteX26" fmla="*/ 746254 w 5734864"/>
+              <a:gd name="connsiteY26" fmla="*/ 1850222 h 6858000"/>
+              <a:gd name="connsiteX27" fmla="*/ 728600 w 5734864"/>
+              <a:gd name="connsiteY27" fmla="*/ 1869603 h 6858000"/>
+              <a:gd name="connsiteX28" fmla="*/ 724396 w 5734864"/>
+              <a:gd name="connsiteY28" fmla="*/ 1883104 h 6858000"/>
+              <a:gd name="connsiteX29" fmla="*/ 722165 w 5734864"/>
+              <a:gd name="connsiteY29" fmla="*/ 1885924 h 6858000"/>
+              <a:gd name="connsiteX30" fmla="*/ 721338 w 5734864"/>
+              <a:gd name="connsiteY30" fmla="*/ 1887123 h 6858000"/>
+              <a:gd name="connsiteX31" fmla="*/ 714840 w 5734864"/>
+              <a:gd name="connsiteY31" fmla="*/ 1902274 h 6858000"/>
+              <a:gd name="connsiteX32" fmla="*/ 722847 w 5734864"/>
+              <a:gd name="connsiteY32" fmla="*/ 1929891 h 6858000"/>
+              <a:gd name="connsiteX33" fmla="*/ 719647 w 5734864"/>
+              <a:gd name="connsiteY33" fmla="*/ 1936120 h 6858000"/>
+              <a:gd name="connsiteX34" fmla="*/ 714660 w 5734864"/>
+              <a:gd name="connsiteY34" fmla="*/ 1982709 h 6858000"/>
+              <a:gd name="connsiteX35" fmla="*/ 710759 w 5734864"/>
+              <a:gd name="connsiteY35" fmla="*/ 2013010 h 6858000"/>
+              <a:gd name="connsiteX36" fmla="*/ 697927 w 5734864"/>
+              <a:gd name="connsiteY36" fmla="*/ 2069833 h 6858000"/>
+              <a:gd name="connsiteX37" fmla="*/ 693594 w 5734864"/>
+              <a:gd name="connsiteY37" fmla="*/ 2103731 h 6858000"/>
+              <a:gd name="connsiteX38" fmla="*/ 691109 w 5734864"/>
+              <a:gd name="connsiteY38" fmla="*/ 2124027 h 6858000"/>
+              <a:gd name="connsiteX39" fmla="*/ 676593 w 5734864"/>
+              <a:gd name="connsiteY39" fmla="*/ 2176182 h 6858000"/>
+              <a:gd name="connsiteX40" fmla="*/ 633227 w 5734864"/>
+              <a:gd name="connsiteY40" fmla="*/ 2258036 h 6858000"/>
+              <a:gd name="connsiteX41" fmla="*/ 625564 w 5734864"/>
+              <a:gd name="connsiteY41" fmla="*/ 2284567 h 6858000"/>
+              <a:gd name="connsiteX42" fmla="*/ 627074 w 5734864"/>
+              <a:gd name="connsiteY42" fmla="*/ 2289605 h 6858000"/>
+              <a:gd name="connsiteX43" fmla="*/ 614574 w 5734864"/>
+              <a:gd name="connsiteY43" fmla="*/ 2308717 h 6858000"/>
+              <a:gd name="connsiteX44" fmla="*/ 606890 w 5734864"/>
+              <a:gd name="connsiteY44" fmla="*/ 2320662 h 6858000"/>
+              <a:gd name="connsiteX45" fmla="*/ 605558 w 5734864"/>
+              <a:gd name="connsiteY45" fmla="*/ 2327897 h 6858000"/>
+              <a:gd name="connsiteX46" fmla="*/ 602202 w 5734864"/>
+              <a:gd name="connsiteY46" fmla="*/ 2357749 h 6858000"/>
+              <a:gd name="connsiteX47" fmla="*/ 600213 w 5734864"/>
+              <a:gd name="connsiteY47" fmla="*/ 2364905 h 6858000"/>
+              <a:gd name="connsiteX48" fmla="*/ 597160 w 5734864"/>
+              <a:gd name="connsiteY48" fmla="*/ 2388351 h 6858000"/>
+              <a:gd name="connsiteX49" fmla="*/ 597982 w 5734864"/>
+              <a:gd name="connsiteY49" fmla="*/ 2402296 h 6858000"/>
+              <a:gd name="connsiteX50" fmla="*/ 593150 w 5734864"/>
+              <a:gd name="connsiteY50" fmla="*/ 2420015 h 6858000"/>
+              <a:gd name="connsiteX51" fmla="*/ 592833 w 5734864"/>
+              <a:gd name="connsiteY51" fmla="*/ 2422749 h 6858000"/>
+              <a:gd name="connsiteX52" fmla="*/ 594479 w 5734864"/>
+              <a:gd name="connsiteY52" fmla="*/ 2426002 h 6858000"/>
+              <a:gd name="connsiteX53" fmla="*/ 591963 w 5734864"/>
+              <a:gd name="connsiteY53" fmla="*/ 2431950 h 6858000"/>
+              <a:gd name="connsiteX54" fmla="*/ 591544 w 5734864"/>
+              <a:gd name="connsiteY54" fmla="*/ 2433897 h 6858000"/>
+              <a:gd name="connsiteX55" fmla="*/ 589519 w 5734864"/>
+              <a:gd name="connsiteY55" fmla="*/ 2451398 h 6858000"/>
+              <a:gd name="connsiteX56" fmla="*/ 590037 w 5734864"/>
+              <a:gd name="connsiteY56" fmla="*/ 2455536 h 6858000"/>
+              <a:gd name="connsiteX57" fmla="*/ 588179 w 5734864"/>
+              <a:gd name="connsiteY57" fmla="*/ 2462981 h 6858000"/>
+              <a:gd name="connsiteX58" fmla="*/ 583434 w 5734864"/>
+              <a:gd name="connsiteY58" fmla="*/ 2503991 h 6858000"/>
+              <a:gd name="connsiteX59" fmla="*/ 567942 w 5734864"/>
+              <a:gd name="connsiteY59" fmla="*/ 2652936 h 6858000"/>
+              <a:gd name="connsiteX60" fmla="*/ 573869 w 5734864"/>
+              <a:gd name="connsiteY60" fmla="*/ 2670188 h 6858000"/>
+              <a:gd name="connsiteX61" fmla="*/ 575243 w 5734864"/>
+              <a:gd name="connsiteY61" fmla="*/ 2688114 h 6858000"/>
+              <a:gd name="connsiteX62" fmla="*/ 573824 w 5734864"/>
+              <a:gd name="connsiteY62" fmla="*/ 2689856 h 6858000"/>
+              <a:gd name="connsiteX63" fmla="*/ 570699 w 5734864"/>
+              <a:gd name="connsiteY63" fmla="*/ 2709353 h 6858000"/>
+              <a:gd name="connsiteX64" fmla="*/ 573192 w 5734864"/>
+              <a:gd name="connsiteY64" fmla="*/ 2714527 h 6858000"/>
+              <a:gd name="connsiteX65" fmla="*/ 572044 w 5734864"/>
+              <a:gd name="connsiteY65" fmla="*/ 2728187 h 6858000"/>
+              <a:gd name="connsiteX66" fmla="*/ 572465 w 5734864"/>
+              <a:gd name="connsiteY66" fmla="*/ 2755863 h 6858000"/>
+              <a:gd name="connsiteX67" fmla="*/ 570028 w 5734864"/>
+              <a:gd name="connsiteY67" fmla="*/ 2760324 h 6858000"/>
+              <a:gd name="connsiteX68" fmla="*/ 566748 w 5734864"/>
+              <a:gd name="connsiteY68" fmla="*/ 2800948 h 6858000"/>
+              <a:gd name="connsiteX69" fmla="*/ 565509 w 5734864"/>
+              <a:gd name="connsiteY69" fmla="*/ 2801167 h 6858000"/>
+              <a:gd name="connsiteX70" fmla="*/ 559367 w 5734864"/>
+              <a:gd name="connsiteY70" fmla="*/ 2811129 h 6858000"/>
+              <a:gd name="connsiteX71" fmla="*/ 550354 w 5734864"/>
+              <a:gd name="connsiteY71" fmla="*/ 2830949 h 6858000"/>
+              <a:gd name="connsiteX72" fmla="*/ 514795 w 5734864"/>
+              <a:gd name="connsiteY72" fmla="*/ 2872433 h 6858000"/>
+              <a:gd name="connsiteX73" fmla="*/ 509875 w 5734864"/>
+              <a:gd name="connsiteY73" fmla="*/ 2923099 h 6858000"/>
+              <a:gd name="connsiteX74" fmla="*/ 509577 w 5734864"/>
+              <a:gd name="connsiteY74" fmla="*/ 2923197 h 6858000"/>
+              <a:gd name="connsiteX75" fmla="*/ 507597 w 5734864"/>
+              <a:gd name="connsiteY75" fmla="*/ 2931868 h 6858000"/>
+              <a:gd name="connsiteX76" fmla="*/ 507379 w 5734864"/>
+              <a:gd name="connsiteY76" fmla="*/ 2938322 h 6858000"/>
+              <a:gd name="connsiteX77" fmla="*/ 504725 w 5734864"/>
+              <a:gd name="connsiteY77" fmla="*/ 2954519 h 6858000"/>
+              <a:gd name="connsiteX78" fmla="*/ 502018 w 5734864"/>
+              <a:gd name="connsiteY78" fmla="*/ 2959643 h 6858000"/>
+              <a:gd name="connsiteX79" fmla="*/ 498360 w 5734864"/>
+              <a:gd name="connsiteY79" fmla="*/ 2961019 h 6858000"/>
+              <a:gd name="connsiteX80" fmla="*/ 498483 w 5734864"/>
+              <a:gd name="connsiteY80" fmla="*/ 2962590 h 6858000"/>
+              <a:gd name="connsiteX81" fmla="*/ 484403 w 5734864"/>
+              <a:gd name="connsiteY81" fmla="*/ 2990538 h 6858000"/>
+              <a:gd name="connsiteX82" fmla="*/ 463075 w 5734864"/>
+              <a:gd name="connsiteY82" fmla="*/ 3055956 h 6858000"/>
+              <a:gd name="connsiteX83" fmla="*/ 455013 w 5734864"/>
+              <a:gd name="connsiteY83" fmla="*/ 3094482 h 6858000"/>
+              <a:gd name="connsiteX84" fmla="*/ 428391 w 5734864"/>
+              <a:gd name="connsiteY84" fmla="*/ 3198850 h 6858000"/>
+              <a:gd name="connsiteX85" fmla="*/ 401440 w 5734864"/>
+              <a:gd name="connsiteY85" fmla="*/ 3307560 h 6858000"/>
+              <a:gd name="connsiteX86" fmla="*/ 386076 w 5734864"/>
+              <a:gd name="connsiteY86" fmla="*/ 3373943 h 6858000"/>
+              <a:gd name="connsiteX87" fmla="*/ 374726 w 5734864"/>
+              <a:gd name="connsiteY87" fmla="*/ 3381364 h 6858000"/>
+              <a:gd name="connsiteX88" fmla="*/ 369145 w 5734864"/>
+              <a:gd name="connsiteY88" fmla="*/ 3383729 h 6858000"/>
+              <a:gd name="connsiteX89" fmla="*/ 364294 w 5734864"/>
+              <a:gd name="connsiteY89" fmla="*/ 3414159 h 6858000"/>
+              <a:gd name="connsiteX90" fmla="*/ 366450 w 5734864"/>
+              <a:gd name="connsiteY90" fmla="*/ 3436925 h 6858000"/>
+              <a:gd name="connsiteX91" fmla="*/ 351743 w 5734864"/>
+              <a:gd name="connsiteY91" fmla="*/ 3521619 h 6858000"/>
+              <a:gd name="connsiteX92" fmla="*/ 345784 w 5734864"/>
+              <a:gd name="connsiteY92" fmla="*/ 3603757 h 6858000"/>
+              <a:gd name="connsiteX93" fmla="*/ 344198 w 5734864"/>
+              <a:gd name="connsiteY93" fmla="*/ 3652424 h 6858000"/>
+              <a:gd name="connsiteX94" fmla="*/ 352450 w 5734864"/>
+              <a:gd name="connsiteY94" fmla="*/ 3665222 h 6858000"/>
+              <a:gd name="connsiteX95" fmla="*/ 342621 w 5734864"/>
+              <a:gd name="connsiteY95" fmla="*/ 3700804 h 6858000"/>
+              <a:gd name="connsiteX96" fmla="*/ 341514 w 5734864"/>
+              <a:gd name="connsiteY96" fmla="*/ 3734774 h 6858000"/>
+              <a:gd name="connsiteX97" fmla="*/ 340607 w 5734864"/>
+              <a:gd name="connsiteY97" fmla="*/ 3785153 h 6858000"/>
+              <a:gd name="connsiteX98" fmla="*/ 340707 w 5734864"/>
+              <a:gd name="connsiteY98" fmla="*/ 3788177 h 6858000"/>
+              <a:gd name="connsiteX99" fmla="*/ 340361 w 5734864"/>
+              <a:gd name="connsiteY99" fmla="*/ 3798803 h 6858000"/>
+              <a:gd name="connsiteX100" fmla="*/ 339642 w 5734864"/>
+              <a:gd name="connsiteY100" fmla="*/ 3838750 h 6858000"/>
+              <a:gd name="connsiteX101" fmla="*/ 360295 w 5734864"/>
+              <a:gd name="connsiteY101" fmla="*/ 4015196 h 6858000"/>
+              <a:gd name="connsiteX102" fmla="*/ 339043 w 5734864"/>
+              <a:gd name="connsiteY102" fmla="*/ 4052778 h 6858000"/>
+              <a:gd name="connsiteX103" fmla="*/ 339343 w 5734864"/>
+              <a:gd name="connsiteY103" fmla="*/ 4096257 h 6858000"/>
+              <a:gd name="connsiteX104" fmla="*/ 340786 w 5734864"/>
+              <a:gd name="connsiteY104" fmla="*/ 4321136 h 6858000"/>
+              <a:gd name="connsiteX105" fmla="*/ 343158 w 5734864"/>
+              <a:gd name="connsiteY105" fmla="*/ 4429174 h 6858000"/>
+              <a:gd name="connsiteX106" fmla="*/ 334599 w 5734864"/>
+              <a:gd name="connsiteY106" fmla="*/ 4449938 h 6858000"/>
+              <a:gd name="connsiteX107" fmla="*/ 332890 w 5734864"/>
+              <a:gd name="connsiteY107" fmla="*/ 4453515 h 6858000"/>
+              <a:gd name="connsiteX108" fmla="*/ 331105 w 5734864"/>
+              <a:gd name="connsiteY108" fmla="*/ 4467941 h 6858000"/>
+              <a:gd name="connsiteX109" fmla="*/ 324289 w 5734864"/>
+              <a:gd name="connsiteY109" fmla="*/ 4471861 h 6858000"/>
+              <a:gd name="connsiteX110" fmla="*/ 317079 w 5734864"/>
+              <a:gd name="connsiteY110" fmla="*/ 4493468 h 6858000"/>
+              <a:gd name="connsiteX111" fmla="*/ 315557 w 5734864"/>
+              <a:gd name="connsiteY111" fmla="*/ 4520067 h 6858000"/>
+              <a:gd name="connsiteX112" fmla="*/ 315240 w 5734864"/>
+              <a:gd name="connsiteY112" fmla="*/ 4536872 h 6858000"/>
+              <a:gd name="connsiteX113" fmla="*/ 316200 w 5734864"/>
+              <a:gd name="connsiteY113" fmla="*/ 4538297 h 6858000"/>
+              <a:gd name="connsiteX114" fmla="*/ 317507 w 5734864"/>
+              <a:gd name="connsiteY114" fmla="*/ 4547582 h 6858000"/>
+              <a:gd name="connsiteX115" fmla="*/ 323078 w 5734864"/>
+              <a:gd name="connsiteY115" fmla="*/ 4592102 h 6858000"/>
+              <a:gd name="connsiteX116" fmla="*/ 328722 w 5734864"/>
+              <a:gd name="connsiteY116" fmla="*/ 4667914 h 6858000"/>
+              <a:gd name="connsiteX117" fmla="*/ 335597 w 5734864"/>
+              <a:gd name="connsiteY117" fmla="*/ 4695035 h 6858000"/>
+              <a:gd name="connsiteX118" fmla="*/ 339485 w 5734864"/>
+              <a:gd name="connsiteY118" fmla="*/ 4695979 h 6858000"/>
+              <a:gd name="connsiteX119" fmla="*/ 341089 w 5734864"/>
+              <a:gd name="connsiteY119" fmla="*/ 4704268 h 6858000"/>
+              <a:gd name="connsiteX120" fmla="*/ 342177 w 5734864"/>
+              <a:gd name="connsiteY120" fmla="*/ 4706060 h 6858000"/>
+              <a:gd name="connsiteX121" fmla="*/ 347751 w 5734864"/>
+              <a:gd name="connsiteY121" fmla="*/ 4716754 h 6858000"/>
+              <a:gd name="connsiteX122" fmla="*/ 344125 w 5734864"/>
+              <a:gd name="connsiteY122" fmla="*/ 4764669 h 6858000"/>
+              <a:gd name="connsiteX123" fmla="*/ 340188 w 5734864"/>
+              <a:gd name="connsiteY123" fmla="*/ 4779386 h 6858000"/>
+              <a:gd name="connsiteX124" fmla="*/ 335146 w 5734864"/>
+              <a:gd name="connsiteY124" fmla="*/ 4787491 h 6858000"/>
+              <a:gd name="connsiteX125" fmla="*/ 319124 w 5734864"/>
+              <a:gd name="connsiteY125" fmla="*/ 4843514 h 6858000"/>
+              <a:gd name="connsiteX126" fmla="*/ 305956 w 5734864"/>
+              <a:gd name="connsiteY126" fmla="*/ 4881505 h 6858000"/>
+              <a:gd name="connsiteX127" fmla="*/ 301062 w 5734864"/>
+              <a:gd name="connsiteY127" fmla="*/ 4889332 h 6858000"/>
+              <a:gd name="connsiteX128" fmla="*/ 302141 w 5734864"/>
+              <a:gd name="connsiteY128" fmla="*/ 4899400 h 6858000"/>
+              <a:gd name="connsiteX129" fmla="*/ 304424 w 5734864"/>
+              <a:gd name="connsiteY129" fmla="*/ 4902664 h 6858000"/>
+              <a:gd name="connsiteX130" fmla="*/ 293123 w 5734864"/>
+              <a:gd name="connsiteY130" fmla="*/ 4932769 h 6858000"/>
+              <a:gd name="connsiteX131" fmla="*/ 292275 w 5734864"/>
+              <a:gd name="connsiteY131" fmla="*/ 4936482 h 6858000"/>
+              <a:gd name="connsiteX132" fmla="*/ 288304 w 5734864"/>
+              <a:gd name="connsiteY132" fmla="*/ 4962325 h 6858000"/>
+              <a:gd name="connsiteX133" fmla="*/ 287420 w 5734864"/>
+              <a:gd name="connsiteY133" fmla="*/ 5042193 h 6858000"/>
+              <a:gd name="connsiteX134" fmla="*/ 287020 w 5734864"/>
+              <a:gd name="connsiteY134" fmla="*/ 5065655 h 6858000"/>
+              <a:gd name="connsiteX135" fmla="*/ 288488 w 5734864"/>
+              <a:gd name="connsiteY135" fmla="*/ 5082216 h 6858000"/>
+              <a:gd name="connsiteX136" fmla="*/ 282763 w 5734864"/>
+              <a:gd name="connsiteY136" fmla="*/ 5127114 h 6858000"/>
+              <a:gd name="connsiteX137" fmla="*/ 269316 w 5734864"/>
+              <a:gd name="connsiteY137" fmla="*/ 5202682 h 6858000"/>
+              <a:gd name="connsiteX138" fmla="*/ 269174 w 5734864"/>
+              <a:gd name="connsiteY138" fmla="*/ 5230835 h 6858000"/>
+              <a:gd name="connsiteX139" fmla="*/ 272679 w 5734864"/>
+              <a:gd name="connsiteY139" fmla="*/ 5232660 h 6858000"/>
+              <a:gd name="connsiteX140" fmla="*/ 272160 w 5734864"/>
+              <a:gd name="connsiteY140" fmla="*/ 5241150 h 6858000"/>
+              <a:gd name="connsiteX141" fmla="*/ 272760 w 5734864"/>
+              <a:gd name="connsiteY141" fmla="*/ 5243156 h 6858000"/>
+              <a:gd name="connsiteX142" fmla="*/ 275462 w 5734864"/>
+              <a:gd name="connsiteY142" fmla="*/ 5254919 h 6858000"/>
+              <a:gd name="connsiteX143" fmla="*/ 262897 w 5734864"/>
+              <a:gd name="connsiteY143" fmla="*/ 5286259 h 6858000"/>
+              <a:gd name="connsiteX144" fmla="*/ 252761 w 5734864"/>
+              <a:gd name="connsiteY144" fmla="*/ 5357801 h 6858000"/>
+              <a:gd name="connsiteX145" fmla="*/ 242360 w 5734864"/>
+              <a:gd name="connsiteY145" fmla="*/ 5460080 h 6858000"/>
+              <a:gd name="connsiteX146" fmla="*/ 229880 w 5734864"/>
+              <a:gd name="connsiteY146" fmla="*/ 5539714 h 6858000"/>
+              <a:gd name="connsiteX147" fmla="*/ 204283 w 5734864"/>
+              <a:gd name="connsiteY147" fmla="*/ 5639080 h 6858000"/>
+              <a:gd name="connsiteX148" fmla="*/ 198948 w 5734864"/>
+              <a:gd name="connsiteY148" fmla="*/ 5710958 h 6858000"/>
+              <a:gd name="connsiteX149" fmla="*/ 192367 w 5734864"/>
+              <a:gd name="connsiteY149" fmla="*/ 5719859 h 6858000"/>
+              <a:gd name="connsiteX150" fmla="*/ 188035 w 5734864"/>
+              <a:gd name="connsiteY150" fmla="*/ 5729935 h 6858000"/>
+              <a:gd name="connsiteX151" fmla="*/ 188428 w 5734864"/>
+              <a:gd name="connsiteY151" fmla="*/ 5731182 h 6858000"/>
+              <a:gd name="connsiteX152" fmla="*/ 181635 w 5734864"/>
+              <a:gd name="connsiteY152" fmla="*/ 5753538 h 6858000"/>
+              <a:gd name="connsiteX153" fmla="*/ 169744 w 5734864"/>
+              <a:gd name="connsiteY153" fmla="*/ 5796307 h 6858000"/>
+              <a:gd name="connsiteX154" fmla="*/ 170351 w 5734864"/>
+              <a:gd name="connsiteY154" fmla="*/ 5796644 h 6858000"/>
+              <a:gd name="connsiteX155" fmla="*/ 171559 w 5734864"/>
+              <a:gd name="connsiteY155" fmla="*/ 5803435 h 6858000"/>
+              <a:gd name="connsiteX156" fmla="*/ 172284 w 5734864"/>
+              <a:gd name="connsiteY156" fmla="*/ 5816391 h 6858000"/>
+              <a:gd name="connsiteX157" fmla="*/ 182542 w 5734864"/>
+              <a:gd name="connsiteY157" fmla="*/ 5846382 h 6858000"/>
+              <a:gd name="connsiteX158" fmla="*/ 175877 w 5734864"/>
+              <a:gd name="connsiteY158" fmla="*/ 5871336 h 6858000"/>
+              <a:gd name="connsiteX159" fmla="*/ 174910 w 5734864"/>
+              <a:gd name="connsiteY159" fmla="*/ 5876376 h 6858000"/>
+              <a:gd name="connsiteX160" fmla="*/ 175047 w 5734864"/>
+              <a:gd name="connsiteY160" fmla="*/ 5876483 h 6858000"/>
+              <a:gd name="connsiteX161" fmla="*/ 174335 w 5734864"/>
+              <a:gd name="connsiteY161" fmla="*/ 5881814 h 6858000"/>
+              <a:gd name="connsiteX162" fmla="*/ 171273 w 5734864"/>
+              <a:gd name="connsiteY162" fmla="*/ 5895339 h 6858000"/>
+              <a:gd name="connsiteX163" fmla="*/ 171658 w 5734864"/>
+              <a:gd name="connsiteY163" fmla="*/ 5898749 h 6858000"/>
+              <a:gd name="connsiteX164" fmla="*/ 174658 w 5734864"/>
+              <a:gd name="connsiteY164" fmla="*/ 5919558 h 6858000"/>
+              <a:gd name="connsiteX165" fmla="*/ 169099 w 5734864"/>
+              <a:gd name="connsiteY165" fmla="*/ 5984417 h 6858000"/>
+              <a:gd name="connsiteX166" fmla="*/ 162007 w 5734864"/>
+              <a:gd name="connsiteY166" fmla="*/ 6049043 h 6858000"/>
+              <a:gd name="connsiteX167" fmla="*/ 156875 w 5734864"/>
+              <a:gd name="connsiteY167" fmla="*/ 6114000 h 6858000"/>
+              <a:gd name="connsiteX168" fmla="*/ 165441 w 5734864"/>
+              <a:gd name="connsiteY168" fmla="*/ 6146938 h 6858000"/>
+              <a:gd name="connsiteX169" fmla="*/ 165177 w 5734864"/>
+              <a:gd name="connsiteY169" fmla="*/ 6150658 h 6858000"/>
+              <a:gd name="connsiteX170" fmla="*/ 161772 w 5734864"/>
+              <a:gd name="connsiteY170" fmla="*/ 6160011 h 6858000"/>
+              <a:gd name="connsiteX171" fmla="*/ 160051 w 5734864"/>
+              <a:gd name="connsiteY171" fmla="*/ 6163393 h 6858000"/>
+              <a:gd name="connsiteX172" fmla="*/ 158473 w 5734864"/>
+              <a:gd name="connsiteY172" fmla="*/ 6168628 h 6858000"/>
+              <a:gd name="connsiteX173" fmla="*/ 158573 w 5734864"/>
+              <a:gd name="connsiteY173" fmla="*/ 6168799 h 6858000"/>
+              <a:gd name="connsiteX174" fmla="*/ 146463 w 5734864"/>
+              <a:gd name="connsiteY174" fmla="*/ 6196671 h 6858000"/>
+              <a:gd name="connsiteX175" fmla="*/ 150209 w 5734864"/>
+              <a:gd name="connsiteY175" fmla="*/ 6232365 h 6858000"/>
+              <a:gd name="connsiteX176" fmla="*/ 148544 w 5734864"/>
+              <a:gd name="connsiteY176" fmla="*/ 6246162 h 6858000"/>
+              <a:gd name="connsiteX177" fmla="*/ 148403 w 5734864"/>
+              <a:gd name="connsiteY177" fmla="*/ 6253754 h 6858000"/>
+              <a:gd name="connsiteX178" fmla="*/ 138880 w 5734864"/>
+              <a:gd name="connsiteY178" fmla="*/ 6276449 h 6858000"/>
+              <a:gd name="connsiteX179" fmla="*/ 138683 w 5734864"/>
+              <a:gd name="connsiteY179" fmla="*/ 6279721 h 6858000"/>
+              <a:gd name="connsiteX180" fmla="*/ 130721 w 5734864"/>
+              <a:gd name="connsiteY180" fmla="*/ 6293675 h 6858000"/>
+              <a:gd name="connsiteX181" fmla="*/ 120717 w 5734864"/>
+              <a:gd name="connsiteY181" fmla="*/ 6313967 h 6858000"/>
+              <a:gd name="connsiteX182" fmla="*/ 120841 w 5734864"/>
+              <a:gd name="connsiteY182" fmla="*/ 6315437 h 6858000"/>
+              <a:gd name="connsiteX183" fmla="*/ 115208 w 5734864"/>
+              <a:gd name="connsiteY183" fmla="*/ 6324024 h 6858000"/>
+              <a:gd name="connsiteX184" fmla="*/ 101217 w 5734864"/>
+              <a:gd name="connsiteY184" fmla="*/ 6365923 h 6858000"/>
+              <a:gd name="connsiteX185" fmla="*/ 74946 w 5734864"/>
+              <a:gd name="connsiteY185" fmla="*/ 6556817 h 6858000"/>
+              <a:gd name="connsiteX186" fmla="*/ 16001 w 5734864"/>
+              <a:gd name="connsiteY186" fmla="*/ 6808678 h 6858000"/>
+              <a:gd name="connsiteX187" fmla="*/ 0 w 5734864"/>
+              <a:gd name="connsiteY187" fmla="*/ 6858000 h 6858000"/>
+              <a:gd name="connsiteX188" fmla="*/ 5734864 w 5734864"/>
+              <a:gd name="connsiteY188" fmla="*/ 6858000 h 6858000"/>
+              <a:gd name="connsiteX0" fmla="*/ 5734864 w 5734864"/>
+              <a:gd name="connsiteY0" fmla="*/ 0 h 6858000"/>
+              <a:gd name="connsiteX1" fmla="*/ 771611 w 5734864"/>
+              <a:gd name="connsiteY1" fmla="*/ 0 h 6858000"/>
+              <a:gd name="connsiteX2" fmla="*/ 771679 w 5734864"/>
+              <a:gd name="connsiteY2" fmla="*/ 49108 h 6858000"/>
+              <a:gd name="connsiteX3" fmla="*/ 794248 w 5734864"/>
+              <a:gd name="connsiteY3" fmla="*/ 200968 h 6858000"/>
+              <a:gd name="connsiteX4" fmla="*/ 801749 w 5734864"/>
+              <a:gd name="connsiteY4" fmla="*/ 414071 h 6858000"/>
+              <a:gd name="connsiteX5" fmla="*/ 818548 w 5734864"/>
+              <a:gd name="connsiteY5" fmla="*/ 585467 h 6858000"/>
+              <a:gd name="connsiteX6" fmla="*/ 857476 w 5734864"/>
+              <a:gd name="connsiteY6" fmla="*/ 800623 h 6858000"/>
+              <a:gd name="connsiteX7" fmla="*/ 851083 w 5734864"/>
+              <a:gd name="connsiteY7" fmla="*/ 878903 h 6858000"/>
+              <a:gd name="connsiteX8" fmla="*/ 873564 w 5734864"/>
+              <a:gd name="connsiteY8" fmla="*/ 943826 h 6858000"/>
+              <a:gd name="connsiteX9" fmla="*/ 864705 w 5734864"/>
+              <a:gd name="connsiteY9" fmla="*/ 973328 h 6858000"/>
+              <a:gd name="connsiteX10" fmla="*/ 862869 w 5734864"/>
+              <a:gd name="connsiteY10" fmla="*/ 978457 h 6858000"/>
+              <a:gd name="connsiteX11" fmla="*/ 862233 w 5734864"/>
+              <a:gd name="connsiteY11" fmla="*/ 998041 h 6858000"/>
+              <a:gd name="connsiteX12" fmla="*/ 853665 w 5734864"/>
+              <a:gd name="connsiteY12" fmla="*/ 1004750 h 6858000"/>
+              <a:gd name="connsiteX13" fmla="*/ 846695 w 5734864"/>
+              <a:gd name="connsiteY13" fmla="*/ 1035077 h 6858000"/>
+              <a:gd name="connsiteX14" fmla="*/ 847865 w 5734864"/>
+              <a:gd name="connsiteY14" fmla="*/ 1070795 h 6858000"/>
+              <a:gd name="connsiteX15" fmla="*/ 862786 w 5734864"/>
+              <a:gd name="connsiteY15" fmla="*/ 1238994 h 6858000"/>
+              <a:gd name="connsiteX16" fmla="*/ 859345 w 5734864"/>
+              <a:gd name="connsiteY16" fmla="*/ 1380427 h 6858000"/>
+              <a:gd name="connsiteX17" fmla="*/ 855172 w 5734864"/>
+              <a:gd name="connsiteY17" fmla="*/ 1435262 h 6858000"/>
+              <a:gd name="connsiteX18" fmla="*/ 860494 w 5734864"/>
+              <a:gd name="connsiteY18" fmla="*/ 1453861 h 6858000"/>
+              <a:gd name="connsiteX19" fmla="*/ 853731 w 5734864"/>
+              <a:gd name="connsiteY19" fmla="*/ 1467047 h 6858000"/>
+              <a:gd name="connsiteX20" fmla="*/ 845847 w 5734864"/>
+              <a:gd name="connsiteY20" fmla="*/ 1502307 h 6858000"/>
+              <a:gd name="connsiteX21" fmla="*/ 817613 w 5734864"/>
+              <a:gd name="connsiteY21" fmla="*/ 1565166 h 6858000"/>
+              <a:gd name="connsiteX22" fmla="*/ 804223 w 5734864"/>
+              <a:gd name="connsiteY22" fmla="*/ 1601941 h 6858000"/>
+              <a:gd name="connsiteX23" fmla="*/ 791773 w 5734864"/>
+              <a:gd name="connsiteY23" fmla="*/ 1627005 h 6858000"/>
+              <a:gd name="connsiteX24" fmla="*/ 774645 w 5734864"/>
+              <a:gd name="connsiteY24" fmla="*/ 1699922 h 6858000"/>
+              <a:gd name="connsiteX25" fmla="*/ 752343 w 5734864"/>
+              <a:gd name="connsiteY25" fmla="*/ 1824604 h 6858000"/>
+              <a:gd name="connsiteX26" fmla="*/ 746254 w 5734864"/>
+              <a:gd name="connsiteY26" fmla="*/ 1850222 h 6858000"/>
+              <a:gd name="connsiteX27" fmla="*/ 728600 w 5734864"/>
+              <a:gd name="connsiteY27" fmla="*/ 1869603 h 6858000"/>
+              <a:gd name="connsiteX28" fmla="*/ 724396 w 5734864"/>
+              <a:gd name="connsiteY28" fmla="*/ 1883104 h 6858000"/>
+              <a:gd name="connsiteX29" fmla="*/ 722165 w 5734864"/>
+              <a:gd name="connsiteY29" fmla="*/ 1885924 h 6858000"/>
+              <a:gd name="connsiteX30" fmla="*/ 721338 w 5734864"/>
+              <a:gd name="connsiteY30" fmla="*/ 1887123 h 6858000"/>
+              <a:gd name="connsiteX31" fmla="*/ 714840 w 5734864"/>
+              <a:gd name="connsiteY31" fmla="*/ 1902274 h 6858000"/>
+              <a:gd name="connsiteX32" fmla="*/ 722847 w 5734864"/>
+              <a:gd name="connsiteY32" fmla="*/ 1929891 h 6858000"/>
+              <a:gd name="connsiteX33" fmla="*/ 714660 w 5734864"/>
+              <a:gd name="connsiteY33" fmla="*/ 1982709 h 6858000"/>
+              <a:gd name="connsiteX34" fmla="*/ 710759 w 5734864"/>
+              <a:gd name="connsiteY34" fmla="*/ 2013010 h 6858000"/>
+              <a:gd name="connsiteX35" fmla="*/ 697927 w 5734864"/>
+              <a:gd name="connsiteY35" fmla="*/ 2069833 h 6858000"/>
+              <a:gd name="connsiteX36" fmla="*/ 693594 w 5734864"/>
+              <a:gd name="connsiteY36" fmla="*/ 2103731 h 6858000"/>
+              <a:gd name="connsiteX37" fmla="*/ 691109 w 5734864"/>
+              <a:gd name="connsiteY37" fmla="*/ 2124027 h 6858000"/>
+              <a:gd name="connsiteX38" fmla="*/ 676593 w 5734864"/>
+              <a:gd name="connsiteY38" fmla="*/ 2176182 h 6858000"/>
+              <a:gd name="connsiteX39" fmla="*/ 633227 w 5734864"/>
+              <a:gd name="connsiteY39" fmla="*/ 2258036 h 6858000"/>
+              <a:gd name="connsiteX40" fmla="*/ 625564 w 5734864"/>
+              <a:gd name="connsiteY40" fmla="*/ 2284567 h 6858000"/>
+              <a:gd name="connsiteX41" fmla="*/ 627074 w 5734864"/>
+              <a:gd name="connsiteY41" fmla="*/ 2289605 h 6858000"/>
+              <a:gd name="connsiteX42" fmla="*/ 614574 w 5734864"/>
+              <a:gd name="connsiteY42" fmla="*/ 2308717 h 6858000"/>
+              <a:gd name="connsiteX43" fmla="*/ 606890 w 5734864"/>
+              <a:gd name="connsiteY43" fmla="*/ 2320662 h 6858000"/>
+              <a:gd name="connsiteX44" fmla="*/ 605558 w 5734864"/>
+              <a:gd name="connsiteY44" fmla="*/ 2327897 h 6858000"/>
+              <a:gd name="connsiteX45" fmla="*/ 602202 w 5734864"/>
+              <a:gd name="connsiteY45" fmla="*/ 2357749 h 6858000"/>
+              <a:gd name="connsiteX46" fmla="*/ 600213 w 5734864"/>
+              <a:gd name="connsiteY46" fmla="*/ 2364905 h 6858000"/>
+              <a:gd name="connsiteX47" fmla="*/ 597160 w 5734864"/>
+              <a:gd name="connsiteY47" fmla="*/ 2388351 h 6858000"/>
+              <a:gd name="connsiteX48" fmla="*/ 597982 w 5734864"/>
+              <a:gd name="connsiteY48" fmla="*/ 2402296 h 6858000"/>
+              <a:gd name="connsiteX49" fmla="*/ 593150 w 5734864"/>
+              <a:gd name="connsiteY49" fmla="*/ 2420015 h 6858000"/>
+              <a:gd name="connsiteX50" fmla="*/ 592833 w 5734864"/>
+              <a:gd name="connsiteY50" fmla="*/ 2422749 h 6858000"/>
+              <a:gd name="connsiteX51" fmla="*/ 594479 w 5734864"/>
+              <a:gd name="connsiteY51" fmla="*/ 2426002 h 6858000"/>
+              <a:gd name="connsiteX52" fmla="*/ 591963 w 5734864"/>
+              <a:gd name="connsiteY52" fmla="*/ 2431950 h 6858000"/>
+              <a:gd name="connsiteX53" fmla="*/ 591544 w 5734864"/>
+              <a:gd name="connsiteY53" fmla="*/ 2433897 h 6858000"/>
+              <a:gd name="connsiteX54" fmla="*/ 589519 w 5734864"/>
+              <a:gd name="connsiteY54" fmla="*/ 2451398 h 6858000"/>
+              <a:gd name="connsiteX55" fmla="*/ 590037 w 5734864"/>
+              <a:gd name="connsiteY55" fmla="*/ 2455536 h 6858000"/>
+              <a:gd name="connsiteX56" fmla="*/ 588179 w 5734864"/>
+              <a:gd name="connsiteY56" fmla="*/ 2462981 h 6858000"/>
+              <a:gd name="connsiteX57" fmla="*/ 583434 w 5734864"/>
+              <a:gd name="connsiteY57" fmla="*/ 2503991 h 6858000"/>
+              <a:gd name="connsiteX58" fmla="*/ 567942 w 5734864"/>
+              <a:gd name="connsiteY58" fmla="*/ 2652936 h 6858000"/>
+              <a:gd name="connsiteX59" fmla="*/ 573869 w 5734864"/>
+              <a:gd name="connsiteY59" fmla="*/ 2670188 h 6858000"/>
+              <a:gd name="connsiteX60" fmla="*/ 575243 w 5734864"/>
+              <a:gd name="connsiteY60" fmla="*/ 2688114 h 6858000"/>
+              <a:gd name="connsiteX61" fmla="*/ 573824 w 5734864"/>
+              <a:gd name="connsiteY61" fmla="*/ 2689856 h 6858000"/>
+              <a:gd name="connsiteX62" fmla="*/ 570699 w 5734864"/>
+              <a:gd name="connsiteY62" fmla="*/ 2709353 h 6858000"/>
+              <a:gd name="connsiteX63" fmla="*/ 573192 w 5734864"/>
+              <a:gd name="connsiteY63" fmla="*/ 2714527 h 6858000"/>
+              <a:gd name="connsiteX64" fmla="*/ 572044 w 5734864"/>
+              <a:gd name="connsiteY64" fmla="*/ 2728187 h 6858000"/>
+              <a:gd name="connsiteX65" fmla="*/ 572465 w 5734864"/>
+              <a:gd name="connsiteY65" fmla="*/ 2755863 h 6858000"/>
+              <a:gd name="connsiteX66" fmla="*/ 570028 w 5734864"/>
+              <a:gd name="connsiteY66" fmla="*/ 2760324 h 6858000"/>
+              <a:gd name="connsiteX67" fmla="*/ 566748 w 5734864"/>
+              <a:gd name="connsiteY67" fmla="*/ 2800948 h 6858000"/>
+              <a:gd name="connsiteX68" fmla="*/ 565509 w 5734864"/>
+              <a:gd name="connsiteY68" fmla="*/ 2801167 h 6858000"/>
+              <a:gd name="connsiteX69" fmla="*/ 559367 w 5734864"/>
+              <a:gd name="connsiteY69" fmla="*/ 2811129 h 6858000"/>
+              <a:gd name="connsiteX70" fmla="*/ 550354 w 5734864"/>
+              <a:gd name="connsiteY70" fmla="*/ 2830949 h 6858000"/>
+              <a:gd name="connsiteX71" fmla="*/ 514795 w 5734864"/>
+              <a:gd name="connsiteY71" fmla="*/ 2872433 h 6858000"/>
+              <a:gd name="connsiteX72" fmla="*/ 509875 w 5734864"/>
+              <a:gd name="connsiteY72" fmla="*/ 2923099 h 6858000"/>
+              <a:gd name="connsiteX73" fmla="*/ 509577 w 5734864"/>
+              <a:gd name="connsiteY73" fmla="*/ 2923197 h 6858000"/>
+              <a:gd name="connsiteX74" fmla="*/ 507597 w 5734864"/>
+              <a:gd name="connsiteY74" fmla="*/ 2931868 h 6858000"/>
+              <a:gd name="connsiteX75" fmla="*/ 507379 w 5734864"/>
+              <a:gd name="connsiteY75" fmla="*/ 2938322 h 6858000"/>
+              <a:gd name="connsiteX76" fmla="*/ 504725 w 5734864"/>
+              <a:gd name="connsiteY76" fmla="*/ 2954519 h 6858000"/>
+              <a:gd name="connsiteX77" fmla="*/ 502018 w 5734864"/>
+              <a:gd name="connsiteY77" fmla="*/ 2959643 h 6858000"/>
+              <a:gd name="connsiteX78" fmla="*/ 498360 w 5734864"/>
+              <a:gd name="connsiteY78" fmla="*/ 2961019 h 6858000"/>
+              <a:gd name="connsiteX79" fmla="*/ 498483 w 5734864"/>
+              <a:gd name="connsiteY79" fmla="*/ 2962590 h 6858000"/>
+              <a:gd name="connsiteX80" fmla="*/ 484403 w 5734864"/>
+              <a:gd name="connsiteY80" fmla="*/ 2990538 h 6858000"/>
+              <a:gd name="connsiteX81" fmla="*/ 463075 w 5734864"/>
+              <a:gd name="connsiteY81" fmla="*/ 3055956 h 6858000"/>
+              <a:gd name="connsiteX82" fmla="*/ 455013 w 5734864"/>
+              <a:gd name="connsiteY82" fmla="*/ 3094482 h 6858000"/>
+              <a:gd name="connsiteX83" fmla="*/ 428391 w 5734864"/>
+              <a:gd name="connsiteY83" fmla="*/ 3198850 h 6858000"/>
+              <a:gd name="connsiteX84" fmla="*/ 401440 w 5734864"/>
+              <a:gd name="connsiteY84" fmla="*/ 3307560 h 6858000"/>
+              <a:gd name="connsiteX85" fmla="*/ 386076 w 5734864"/>
+              <a:gd name="connsiteY85" fmla="*/ 3373943 h 6858000"/>
+              <a:gd name="connsiteX86" fmla="*/ 374726 w 5734864"/>
+              <a:gd name="connsiteY86" fmla="*/ 3381364 h 6858000"/>
+              <a:gd name="connsiteX87" fmla="*/ 369145 w 5734864"/>
+              <a:gd name="connsiteY87" fmla="*/ 3383729 h 6858000"/>
+              <a:gd name="connsiteX88" fmla="*/ 364294 w 5734864"/>
+              <a:gd name="connsiteY88" fmla="*/ 3414159 h 6858000"/>
+              <a:gd name="connsiteX89" fmla="*/ 366450 w 5734864"/>
+              <a:gd name="connsiteY89" fmla="*/ 3436925 h 6858000"/>
+              <a:gd name="connsiteX90" fmla="*/ 351743 w 5734864"/>
+              <a:gd name="connsiteY90" fmla="*/ 3521619 h 6858000"/>
+              <a:gd name="connsiteX91" fmla="*/ 345784 w 5734864"/>
+              <a:gd name="connsiteY91" fmla="*/ 3603757 h 6858000"/>
+              <a:gd name="connsiteX92" fmla="*/ 344198 w 5734864"/>
+              <a:gd name="connsiteY92" fmla="*/ 3652424 h 6858000"/>
+              <a:gd name="connsiteX93" fmla="*/ 352450 w 5734864"/>
+              <a:gd name="connsiteY93" fmla="*/ 3665222 h 6858000"/>
+              <a:gd name="connsiteX94" fmla="*/ 342621 w 5734864"/>
+              <a:gd name="connsiteY94" fmla="*/ 3700804 h 6858000"/>
+              <a:gd name="connsiteX95" fmla="*/ 341514 w 5734864"/>
+              <a:gd name="connsiteY95" fmla="*/ 3734774 h 6858000"/>
+              <a:gd name="connsiteX96" fmla="*/ 340607 w 5734864"/>
+              <a:gd name="connsiteY96" fmla="*/ 3785153 h 6858000"/>
+              <a:gd name="connsiteX97" fmla="*/ 340707 w 5734864"/>
+              <a:gd name="connsiteY97" fmla="*/ 3788177 h 6858000"/>
+              <a:gd name="connsiteX98" fmla="*/ 340361 w 5734864"/>
+              <a:gd name="connsiteY98" fmla="*/ 3798803 h 6858000"/>
+              <a:gd name="connsiteX99" fmla="*/ 339642 w 5734864"/>
+              <a:gd name="connsiteY99" fmla="*/ 3838750 h 6858000"/>
+              <a:gd name="connsiteX100" fmla="*/ 360295 w 5734864"/>
+              <a:gd name="connsiteY100" fmla="*/ 4015196 h 6858000"/>
+              <a:gd name="connsiteX101" fmla="*/ 339043 w 5734864"/>
+              <a:gd name="connsiteY101" fmla="*/ 4052778 h 6858000"/>
+              <a:gd name="connsiteX102" fmla="*/ 339343 w 5734864"/>
+              <a:gd name="connsiteY102" fmla="*/ 4096257 h 6858000"/>
+              <a:gd name="connsiteX103" fmla="*/ 340786 w 5734864"/>
+              <a:gd name="connsiteY103" fmla="*/ 4321136 h 6858000"/>
+              <a:gd name="connsiteX104" fmla="*/ 343158 w 5734864"/>
+              <a:gd name="connsiteY104" fmla="*/ 4429174 h 6858000"/>
+              <a:gd name="connsiteX105" fmla="*/ 334599 w 5734864"/>
+              <a:gd name="connsiteY105" fmla="*/ 4449938 h 6858000"/>
+              <a:gd name="connsiteX106" fmla="*/ 332890 w 5734864"/>
+              <a:gd name="connsiteY106" fmla="*/ 4453515 h 6858000"/>
+              <a:gd name="connsiteX107" fmla="*/ 331105 w 5734864"/>
+              <a:gd name="connsiteY107" fmla="*/ 4467941 h 6858000"/>
+              <a:gd name="connsiteX108" fmla="*/ 324289 w 5734864"/>
+              <a:gd name="connsiteY108" fmla="*/ 4471861 h 6858000"/>
+              <a:gd name="connsiteX109" fmla="*/ 317079 w 5734864"/>
+              <a:gd name="connsiteY109" fmla="*/ 4493468 h 6858000"/>
+              <a:gd name="connsiteX110" fmla="*/ 315557 w 5734864"/>
+              <a:gd name="connsiteY110" fmla="*/ 4520067 h 6858000"/>
+              <a:gd name="connsiteX111" fmla="*/ 315240 w 5734864"/>
+              <a:gd name="connsiteY111" fmla="*/ 4536872 h 6858000"/>
+              <a:gd name="connsiteX112" fmla="*/ 316200 w 5734864"/>
+              <a:gd name="connsiteY112" fmla="*/ 4538297 h 6858000"/>
+              <a:gd name="connsiteX113" fmla="*/ 317507 w 5734864"/>
+              <a:gd name="connsiteY113" fmla="*/ 4547582 h 6858000"/>
+              <a:gd name="connsiteX114" fmla="*/ 323078 w 5734864"/>
+              <a:gd name="connsiteY114" fmla="*/ 4592102 h 6858000"/>
+              <a:gd name="connsiteX115" fmla="*/ 328722 w 5734864"/>
+              <a:gd name="connsiteY115" fmla="*/ 4667914 h 6858000"/>
+              <a:gd name="connsiteX116" fmla="*/ 335597 w 5734864"/>
+              <a:gd name="connsiteY116" fmla="*/ 4695035 h 6858000"/>
+              <a:gd name="connsiteX117" fmla="*/ 339485 w 5734864"/>
+              <a:gd name="connsiteY117" fmla="*/ 4695979 h 6858000"/>
+              <a:gd name="connsiteX118" fmla="*/ 341089 w 5734864"/>
+              <a:gd name="connsiteY118" fmla="*/ 4704268 h 6858000"/>
+              <a:gd name="connsiteX119" fmla="*/ 342177 w 5734864"/>
+              <a:gd name="connsiteY119" fmla="*/ 4706060 h 6858000"/>
+              <a:gd name="connsiteX120" fmla="*/ 347751 w 5734864"/>
+              <a:gd name="connsiteY120" fmla="*/ 4716754 h 6858000"/>
+              <a:gd name="connsiteX121" fmla="*/ 344125 w 5734864"/>
+              <a:gd name="connsiteY121" fmla="*/ 4764669 h 6858000"/>
+              <a:gd name="connsiteX122" fmla="*/ 340188 w 5734864"/>
+              <a:gd name="connsiteY122" fmla="*/ 4779386 h 6858000"/>
+              <a:gd name="connsiteX123" fmla="*/ 335146 w 5734864"/>
+              <a:gd name="connsiteY123" fmla="*/ 4787491 h 6858000"/>
+              <a:gd name="connsiteX124" fmla="*/ 319124 w 5734864"/>
+              <a:gd name="connsiteY124" fmla="*/ 4843514 h 6858000"/>
+              <a:gd name="connsiteX125" fmla="*/ 305956 w 5734864"/>
+              <a:gd name="connsiteY125" fmla="*/ 4881505 h 6858000"/>
+              <a:gd name="connsiteX126" fmla="*/ 301062 w 5734864"/>
+              <a:gd name="connsiteY126" fmla="*/ 4889332 h 6858000"/>
+              <a:gd name="connsiteX127" fmla="*/ 302141 w 5734864"/>
+              <a:gd name="connsiteY127" fmla="*/ 4899400 h 6858000"/>
+              <a:gd name="connsiteX128" fmla="*/ 304424 w 5734864"/>
+              <a:gd name="connsiteY128" fmla="*/ 4902664 h 6858000"/>
+              <a:gd name="connsiteX129" fmla="*/ 293123 w 5734864"/>
+              <a:gd name="connsiteY129" fmla="*/ 4932769 h 6858000"/>
+              <a:gd name="connsiteX130" fmla="*/ 292275 w 5734864"/>
+              <a:gd name="connsiteY130" fmla="*/ 4936482 h 6858000"/>
+              <a:gd name="connsiteX131" fmla="*/ 288304 w 5734864"/>
+              <a:gd name="connsiteY131" fmla="*/ 4962325 h 6858000"/>
+              <a:gd name="connsiteX132" fmla="*/ 287420 w 5734864"/>
+              <a:gd name="connsiteY132" fmla="*/ 5042193 h 6858000"/>
+              <a:gd name="connsiteX133" fmla="*/ 287020 w 5734864"/>
+              <a:gd name="connsiteY133" fmla="*/ 5065655 h 6858000"/>
+              <a:gd name="connsiteX134" fmla="*/ 288488 w 5734864"/>
+              <a:gd name="connsiteY134" fmla="*/ 5082216 h 6858000"/>
+              <a:gd name="connsiteX135" fmla="*/ 282763 w 5734864"/>
+              <a:gd name="connsiteY135" fmla="*/ 5127114 h 6858000"/>
+              <a:gd name="connsiteX136" fmla="*/ 269316 w 5734864"/>
+              <a:gd name="connsiteY136" fmla="*/ 5202682 h 6858000"/>
+              <a:gd name="connsiteX137" fmla="*/ 269174 w 5734864"/>
+              <a:gd name="connsiteY137" fmla="*/ 5230835 h 6858000"/>
+              <a:gd name="connsiteX138" fmla="*/ 272679 w 5734864"/>
+              <a:gd name="connsiteY138" fmla="*/ 5232660 h 6858000"/>
+              <a:gd name="connsiteX139" fmla="*/ 272160 w 5734864"/>
+              <a:gd name="connsiteY139" fmla="*/ 5241150 h 6858000"/>
+              <a:gd name="connsiteX140" fmla="*/ 272760 w 5734864"/>
+              <a:gd name="connsiteY140" fmla="*/ 5243156 h 6858000"/>
+              <a:gd name="connsiteX141" fmla="*/ 275462 w 5734864"/>
+              <a:gd name="connsiteY141" fmla="*/ 5254919 h 6858000"/>
+              <a:gd name="connsiteX142" fmla="*/ 262897 w 5734864"/>
+              <a:gd name="connsiteY142" fmla="*/ 5286259 h 6858000"/>
+              <a:gd name="connsiteX143" fmla="*/ 252761 w 5734864"/>
+              <a:gd name="connsiteY143" fmla="*/ 5357801 h 6858000"/>
+              <a:gd name="connsiteX144" fmla="*/ 242360 w 5734864"/>
+              <a:gd name="connsiteY144" fmla="*/ 5460080 h 6858000"/>
+              <a:gd name="connsiteX145" fmla="*/ 229880 w 5734864"/>
+              <a:gd name="connsiteY145" fmla="*/ 5539714 h 6858000"/>
+              <a:gd name="connsiteX146" fmla="*/ 204283 w 5734864"/>
+              <a:gd name="connsiteY146" fmla="*/ 5639080 h 6858000"/>
+              <a:gd name="connsiteX147" fmla="*/ 198948 w 5734864"/>
+              <a:gd name="connsiteY147" fmla="*/ 5710958 h 6858000"/>
+              <a:gd name="connsiteX148" fmla="*/ 192367 w 5734864"/>
+              <a:gd name="connsiteY148" fmla="*/ 5719859 h 6858000"/>
+              <a:gd name="connsiteX149" fmla="*/ 188035 w 5734864"/>
+              <a:gd name="connsiteY149" fmla="*/ 5729935 h 6858000"/>
+              <a:gd name="connsiteX150" fmla="*/ 188428 w 5734864"/>
+              <a:gd name="connsiteY150" fmla="*/ 5731182 h 6858000"/>
+              <a:gd name="connsiteX151" fmla="*/ 181635 w 5734864"/>
+              <a:gd name="connsiteY151" fmla="*/ 5753538 h 6858000"/>
+              <a:gd name="connsiteX152" fmla="*/ 169744 w 5734864"/>
+              <a:gd name="connsiteY152" fmla="*/ 5796307 h 6858000"/>
+              <a:gd name="connsiteX153" fmla="*/ 170351 w 5734864"/>
+              <a:gd name="connsiteY153" fmla="*/ 5796644 h 6858000"/>
+              <a:gd name="connsiteX154" fmla="*/ 171559 w 5734864"/>
+              <a:gd name="connsiteY154" fmla="*/ 5803435 h 6858000"/>
+              <a:gd name="connsiteX155" fmla="*/ 172284 w 5734864"/>
+              <a:gd name="connsiteY155" fmla="*/ 5816391 h 6858000"/>
+              <a:gd name="connsiteX156" fmla="*/ 182542 w 5734864"/>
+              <a:gd name="connsiteY156" fmla="*/ 5846382 h 6858000"/>
+              <a:gd name="connsiteX157" fmla="*/ 175877 w 5734864"/>
+              <a:gd name="connsiteY157" fmla="*/ 5871336 h 6858000"/>
+              <a:gd name="connsiteX158" fmla="*/ 174910 w 5734864"/>
+              <a:gd name="connsiteY158" fmla="*/ 5876376 h 6858000"/>
+              <a:gd name="connsiteX159" fmla="*/ 175047 w 5734864"/>
+              <a:gd name="connsiteY159" fmla="*/ 5876483 h 6858000"/>
+              <a:gd name="connsiteX160" fmla="*/ 174335 w 5734864"/>
+              <a:gd name="connsiteY160" fmla="*/ 5881814 h 6858000"/>
+              <a:gd name="connsiteX161" fmla="*/ 171273 w 5734864"/>
+              <a:gd name="connsiteY161" fmla="*/ 5895339 h 6858000"/>
+              <a:gd name="connsiteX162" fmla="*/ 171658 w 5734864"/>
+              <a:gd name="connsiteY162" fmla="*/ 5898749 h 6858000"/>
+              <a:gd name="connsiteX163" fmla="*/ 174658 w 5734864"/>
+              <a:gd name="connsiteY163" fmla="*/ 5919558 h 6858000"/>
+              <a:gd name="connsiteX164" fmla="*/ 169099 w 5734864"/>
+              <a:gd name="connsiteY164" fmla="*/ 5984417 h 6858000"/>
+              <a:gd name="connsiteX165" fmla="*/ 162007 w 5734864"/>
+              <a:gd name="connsiteY165" fmla="*/ 6049043 h 6858000"/>
+              <a:gd name="connsiteX166" fmla="*/ 156875 w 5734864"/>
+              <a:gd name="connsiteY166" fmla="*/ 6114000 h 6858000"/>
+              <a:gd name="connsiteX167" fmla="*/ 165441 w 5734864"/>
+              <a:gd name="connsiteY167" fmla="*/ 6146938 h 6858000"/>
+              <a:gd name="connsiteX168" fmla="*/ 165177 w 5734864"/>
+              <a:gd name="connsiteY168" fmla="*/ 6150658 h 6858000"/>
+              <a:gd name="connsiteX169" fmla="*/ 161772 w 5734864"/>
+              <a:gd name="connsiteY169" fmla="*/ 6160011 h 6858000"/>
+              <a:gd name="connsiteX170" fmla="*/ 160051 w 5734864"/>
+              <a:gd name="connsiteY170" fmla="*/ 6163393 h 6858000"/>
+              <a:gd name="connsiteX171" fmla="*/ 158473 w 5734864"/>
+              <a:gd name="connsiteY171" fmla="*/ 6168628 h 6858000"/>
+              <a:gd name="connsiteX172" fmla="*/ 158573 w 5734864"/>
+              <a:gd name="connsiteY172" fmla="*/ 6168799 h 6858000"/>
+              <a:gd name="connsiteX173" fmla="*/ 146463 w 5734864"/>
+              <a:gd name="connsiteY173" fmla="*/ 6196671 h 6858000"/>
+              <a:gd name="connsiteX174" fmla="*/ 150209 w 5734864"/>
+              <a:gd name="connsiteY174" fmla="*/ 6232365 h 6858000"/>
+              <a:gd name="connsiteX175" fmla="*/ 148544 w 5734864"/>
+              <a:gd name="connsiteY175" fmla="*/ 6246162 h 6858000"/>
+              <a:gd name="connsiteX176" fmla="*/ 148403 w 5734864"/>
+              <a:gd name="connsiteY176" fmla="*/ 6253754 h 6858000"/>
+              <a:gd name="connsiteX177" fmla="*/ 138880 w 5734864"/>
+              <a:gd name="connsiteY177" fmla="*/ 6276449 h 6858000"/>
+              <a:gd name="connsiteX178" fmla="*/ 138683 w 5734864"/>
+              <a:gd name="connsiteY178" fmla="*/ 6279721 h 6858000"/>
+              <a:gd name="connsiteX179" fmla="*/ 130721 w 5734864"/>
+              <a:gd name="connsiteY179" fmla="*/ 6293675 h 6858000"/>
+              <a:gd name="connsiteX180" fmla="*/ 120717 w 5734864"/>
+              <a:gd name="connsiteY180" fmla="*/ 6313967 h 6858000"/>
+              <a:gd name="connsiteX181" fmla="*/ 120841 w 5734864"/>
+              <a:gd name="connsiteY181" fmla="*/ 6315437 h 6858000"/>
+              <a:gd name="connsiteX182" fmla="*/ 115208 w 5734864"/>
+              <a:gd name="connsiteY182" fmla="*/ 6324024 h 6858000"/>
+              <a:gd name="connsiteX183" fmla="*/ 101217 w 5734864"/>
+              <a:gd name="connsiteY183" fmla="*/ 6365923 h 6858000"/>
+              <a:gd name="connsiteX184" fmla="*/ 74946 w 5734864"/>
+              <a:gd name="connsiteY184" fmla="*/ 6556817 h 6858000"/>
+              <a:gd name="connsiteX185" fmla="*/ 16001 w 5734864"/>
+              <a:gd name="connsiteY185" fmla="*/ 6808678 h 6858000"/>
+              <a:gd name="connsiteX186" fmla="*/ 0 w 5734864"/>
+              <a:gd name="connsiteY186" fmla="*/ 6858000 h 6858000"/>
+              <a:gd name="connsiteX187" fmla="*/ 5734864 w 5734864"/>
+              <a:gd name="connsiteY187" fmla="*/ 6858000 h 6858000"/>
+              <a:gd name="connsiteX188" fmla="*/ 5734864 w 5734864"/>
+              <a:gd name="connsiteY188" fmla="*/ 0 h 6858000"/>
+              <a:gd name="connsiteX0" fmla="*/ 5734864 w 5734864"/>
+              <a:gd name="connsiteY0" fmla="*/ 0 h 6858000"/>
+              <a:gd name="connsiteX1" fmla="*/ 771611 w 5734864"/>
+              <a:gd name="connsiteY1" fmla="*/ 0 h 6858000"/>
+              <a:gd name="connsiteX2" fmla="*/ 771679 w 5734864"/>
+              <a:gd name="connsiteY2" fmla="*/ 49108 h 6858000"/>
+              <a:gd name="connsiteX3" fmla="*/ 794248 w 5734864"/>
+              <a:gd name="connsiteY3" fmla="*/ 200968 h 6858000"/>
+              <a:gd name="connsiteX4" fmla="*/ 801749 w 5734864"/>
+              <a:gd name="connsiteY4" fmla="*/ 414071 h 6858000"/>
+              <a:gd name="connsiteX5" fmla="*/ 818548 w 5734864"/>
+              <a:gd name="connsiteY5" fmla="*/ 585467 h 6858000"/>
+              <a:gd name="connsiteX6" fmla="*/ 857476 w 5734864"/>
+              <a:gd name="connsiteY6" fmla="*/ 800623 h 6858000"/>
+              <a:gd name="connsiteX7" fmla="*/ 851083 w 5734864"/>
+              <a:gd name="connsiteY7" fmla="*/ 878903 h 6858000"/>
+              <a:gd name="connsiteX8" fmla="*/ 873564 w 5734864"/>
+              <a:gd name="connsiteY8" fmla="*/ 943826 h 6858000"/>
+              <a:gd name="connsiteX9" fmla="*/ 864705 w 5734864"/>
+              <a:gd name="connsiteY9" fmla="*/ 973328 h 6858000"/>
+              <a:gd name="connsiteX10" fmla="*/ 862869 w 5734864"/>
+              <a:gd name="connsiteY10" fmla="*/ 978457 h 6858000"/>
+              <a:gd name="connsiteX11" fmla="*/ 862233 w 5734864"/>
+              <a:gd name="connsiteY11" fmla="*/ 998041 h 6858000"/>
+              <a:gd name="connsiteX12" fmla="*/ 853665 w 5734864"/>
+              <a:gd name="connsiteY12" fmla="*/ 1004750 h 6858000"/>
+              <a:gd name="connsiteX13" fmla="*/ 847865 w 5734864"/>
+              <a:gd name="connsiteY13" fmla="*/ 1070795 h 6858000"/>
+              <a:gd name="connsiteX14" fmla="*/ 862786 w 5734864"/>
+              <a:gd name="connsiteY14" fmla="*/ 1238994 h 6858000"/>
+              <a:gd name="connsiteX15" fmla="*/ 859345 w 5734864"/>
+              <a:gd name="connsiteY15" fmla="*/ 1380427 h 6858000"/>
+              <a:gd name="connsiteX16" fmla="*/ 855172 w 5734864"/>
+              <a:gd name="connsiteY16" fmla="*/ 1435262 h 6858000"/>
+              <a:gd name="connsiteX17" fmla="*/ 860494 w 5734864"/>
+              <a:gd name="connsiteY17" fmla="*/ 1453861 h 6858000"/>
+              <a:gd name="connsiteX18" fmla="*/ 853731 w 5734864"/>
+              <a:gd name="connsiteY18" fmla="*/ 1467047 h 6858000"/>
+              <a:gd name="connsiteX19" fmla="*/ 845847 w 5734864"/>
+              <a:gd name="connsiteY19" fmla="*/ 1502307 h 6858000"/>
+              <a:gd name="connsiteX20" fmla="*/ 817613 w 5734864"/>
+              <a:gd name="connsiteY20" fmla="*/ 1565166 h 6858000"/>
+              <a:gd name="connsiteX21" fmla="*/ 804223 w 5734864"/>
+              <a:gd name="connsiteY21" fmla="*/ 1601941 h 6858000"/>
+              <a:gd name="connsiteX22" fmla="*/ 791773 w 5734864"/>
+              <a:gd name="connsiteY22" fmla="*/ 1627005 h 6858000"/>
+              <a:gd name="connsiteX23" fmla="*/ 774645 w 5734864"/>
+              <a:gd name="connsiteY23" fmla="*/ 1699922 h 6858000"/>
+              <a:gd name="connsiteX24" fmla="*/ 752343 w 5734864"/>
+              <a:gd name="connsiteY24" fmla="*/ 1824604 h 6858000"/>
+              <a:gd name="connsiteX25" fmla="*/ 746254 w 5734864"/>
+              <a:gd name="connsiteY25" fmla="*/ 1850222 h 6858000"/>
+              <a:gd name="connsiteX26" fmla="*/ 728600 w 5734864"/>
+              <a:gd name="connsiteY26" fmla="*/ 1869603 h 6858000"/>
+              <a:gd name="connsiteX27" fmla="*/ 724396 w 5734864"/>
+              <a:gd name="connsiteY27" fmla="*/ 1883104 h 6858000"/>
+              <a:gd name="connsiteX28" fmla="*/ 722165 w 5734864"/>
+              <a:gd name="connsiteY28" fmla="*/ 1885924 h 6858000"/>
+              <a:gd name="connsiteX29" fmla="*/ 721338 w 5734864"/>
+              <a:gd name="connsiteY29" fmla="*/ 1887123 h 6858000"/>
+              <a:gd name="connsiteX30" fmla="*/ 714840 w 5734864"/>
+              <a:gd name="connsiteY30" fmla="*/ 1902274 h 6858000"/>
+              <a:gd name="connsiteX31" fmla="*/ 722847 w 5734864"/>
+              <a:gd name="connsiteY31" fmla="*/ 1929891 h 6858000"/>
+              <a:gd name="connsiteX32" fmla="*/ 714660 w 5734864"/>
+              <a:gd name="connsiteY32" fmla="*/ 1982709 h 6858000"/>
+              <a:gd name="connsiteX33" fmla="*/ 710759 w 5734864"/>
+              <a:gd name="connsiteY33" fmla="*/ 2013010 h 6858000"/>
+              <a:gd name="connsiteX34" fmla="*/ 697927 w 5734864"/>
+              <a:gd name="connsiteY34" fmla="*/ 2069833 h 6858000"/>
+              <a:gd name="connsiteX35" fmla="*/ 693594 w 5734864"/>
+              <a:gd name="connsiteY35" fmla="*/ 2103731 h 6858000"/>
+              <a:gd name="connsiteX36" fmla="*/ 691109 w 5734864"/>
+              <a:gd name="connsiteY36" fmla="*/ 2124027 h 6858000"/>
+              <a:gd name="connsiteX37" fmla="*/ 676593 w 5734864"/>
+              <a:gd name="connsiteY37" fmla="*/ 2176182 h 6858000"/>
+              <a:gd name="connsiteX38" fmla="*/ 633227 w 5734864"/>
+              <a:gd name="connsiteY38" fmla="*/ 2258036 h 6858000"/>
+              <a:gd name="connsiteX39" fmla="*/ 625564 w 5734864"/>
+              <a:gd name="connsiteY39" fmla="*/ 2284567 h 6858000"/>
+              <a:gd name="connsiteX40" fmla="*/ 627074 w 5734864"/>
+              <a:gd name="connsiteY40" fmla="*/ 2289605 h 6858000"/>
+              <a:gd name="connsiteX41" fmla="*/ 614574 w 5734864"/>
+              <a:gd name="connsiteY41" fmla="*/ 2308717 h 6858000"/>
+              <a:gd name="connsiteX42" fmla="*/ 606890 w 5734864"/>
+              <a:gd name="connsiteY42" fmla="*/ 2320662 h 6858000"/>
+              <a:gd name="connsiteX43" fmla="*/ 605558 w 5734864"/>
+              <a:gd name="connsiteY43" fmla="*/ 2327897 h 6858000"/>
+              <a:gd name="connsiteX44" fmla="*/ 602202 w 5734864"/>
+              <a:gd name="connsiteY44" fmla="*/ 2357749 h 6858000"/>
+              <a:gd name="connsiteX45" fmla="*/ 600213 w 5734864"/>
+              <a:gd name="connsiteY45" fmla="*/ 2364905 h 6858000"/>
+              <a:gd name="connsiteX46" fmla="*/ 597160 w 5734864"/>
+              <a:gd name="connsiteY46" fmla="*/ 2388351 h 6858000"/>
+              <a:gd name="connsiteX47" fmla="*/ 597982 w 5734864"/>
+              <a:gd name="connsiteY47" fmla="*/ 2402296 h 6858000"/>
+              <a:gd name="connsiteX48" fmla="*/ 593150 w 5734864"/>
+              <a:gd name="connsiteY48" fmla="*/ 2420015 h 6858000"/>
+              <a:gd name="connsiteX49" fmla="*/ 592833 w 5734864"/>
+              <a:gd name="connsiteY49" fmla="*/ 2422749 h 6858000"/>
+              <a:gd name="connsiteX50" fmla="*/ 594479 w 5734864"/>
+              <a:gd name="connsiteY50" fmla="*/ 2426002 h 6858000"/>
+              <a:gd name="connsiteX51" fmla="*/ 591963 w 5734864"/>
+              <a:gd name="connsiteY51" fmla="*/ 2431950 h 6858000"/>
+              <a:gd name="connsiteX52" fmla="*/ 591544 w 5734864"/>
+              <a:gd name="connsiteY52" fmla="*/ 2433897 h 6858000"/>
+              <a:gd name="connsiteX53" fmla="*/ 589519 w 5734864"/>
+              <a:gd name="connsiteY53" fmla="*/ 2451398 h 6858000"/>
+              <a:gd name="connsiteX54" fmla="*/ 590037 w 5734864"/>
+              <a:gd name="connsiteY54" fmla="*/ 2455536 h 6858000"/>
+              <a:gd name="connsiteX55" fmla="*/ 588179 w 5734864"/>
+              <a:gd name="connsiteY55" fmla="*/ 2462981 h 6858000"/>
+              <a:gd name="connsiteX56" fmla="*/ 583434 w 5734864"/>
+              <a:gd name="connsiteY56" fmla="*/ 2503991 h 6858000"/>
+              <a:gd name="connsiteX57" fmla="*/ 567942 w 5734864"/>
+              <a:gd name="connsiteY57" fmla="*/ 2652936 h 6858000"/>
+              <a:gd name="connsiteX58" fmla="*/ 573869 w 5734864"/>
+              <a:gd name="connsiteY58" fmla="*/ 2670188 h 6858000"/>
+              <a:gd name="connsiteX59" fmla="*/ 575243 w 5734864"/>
+              <a:gd name="connsiteY59" fmla="*/ 2688114 h 6858000"/>
+              <a:gd name="connsiteX60" fmla="*/ 573824 w 5734864"/>
+              <a:gd name="connsiteY60" fmla="*/ 2689856 h 6858000"/>
+              <a:gd name="connsiteX61" fmla="*/ 570699 w 5734864"/>
+              <a:gd name="connsiteY61" fmla="*/ 2709353 h 6858000"/>
+              <a:gd name="connsiteX62" fmla="*/ 573192 w 5734864"/>
+              <a:gd name="connsiteY62" fmla="*/ 2714527 h 6858000"/>
+              <a:gd name="connsiteX63" fmla="*/ 572044 w 5734864"/>
+              <a:gd name="connsiteY63" fmla="*/ 2728187 h 6858000"/>
+              <a:gd name="connsiteX64" fmla="*/ 572465 w 5734864"/>
+              <a:gd name="connsiteY64" fmla="*/ 2755863 h 6858000"/>
+              <a:gd name="connsiteX65" fmla="*/ 570028 w 5734864"/>
+              <a:gd name="connsiteY65" fmla="*/ 2760324 h 6858000"/>
+              <a:gd name="connsiteX66" fmla="*/ 566748 w 5734864"/>
+              <a:gd name="connsiteY66" fmla="*/ 2800948 h 6858000"/>
+              <a:gd name="connsiteX67" fmla="*/ 565509 w 5734864"/>
+              <a:gd name="connsiteY67" fmla="*/ 2801167 h 6858000"/>
+              <a:gd name="connsiteX68" fmla="*/ 559367 w 5734864"/>
+              <a:gd name="connsiteY68" fmla="*/ 2811129 h 6858000"/>
+              <a:gd name="connsiteX69" fmla="*/ 550354 w 5734864"/>
+              <a:gd name="connsiteY69" fmla="*/ 2830949 h 6858000"/>
+              <a:gd name="connsiteX70" fmla="*/ 514795 w 5734864"/>
+              <a:gd name="connsiteY70" fmla="*/ 2872433 h 6858000"/>
+              <a:gd name="connsiteX71" fmla="*/ 509875 w 5734864"/>
+              <a:gd name="connsiteY71" fmla="*/ 2923099 h 6858000"/>
+              <a:gd name="connsiteX72" fmla="*/ 509577 w 5734864"/>
+              <a:gd name="connsiteY72" fmla="*/ 2923197 h 6858000"/>
+              <a:gd name="connsiteX73" fmla="*/ 507597 w 5734864"/>
+              <a:gd name="connsiteY73" fmla="*/ 2931868 h 6858000"/>
+              <a:gd name="connsiteX74" fmla="*/ 507379 w 5734864"/>
+              <a:gd name="connsiteY74" fmla="*/ 2938322 h 6858000"/>
+              <a:gd name="connsiteX75" fmla="*/ 504725 w 5734864"/>
+              <a:gd name="connsiteY75" fmla="*/ 2954519 h 6858000"/>
+              <a:gd name="connsiteX76" fmla="*/ 502018 w 5734864"/>
+              <a:gd name="connsiteY76" fmla="*/ 2959643 h 6858000"/>
+              <a:gd name="connsiteX77" fmla="*/ 498360 w 5734864"/>
+              <a:gd name="connsiteY77" fmla="*/ 2961019 h 6858000"/>
+              <a:gd name="connsiteX78" fmla="*/ 498483 w 5734864"/>
+              <a:gd name="connsiteY78" fmla="*/ 2962590 h 6858000"/>
+              <a:gd name="connsiteX79" fmla="*/ 484403 w 5734864"/>
+              <a:gd name="connsiteY79" fmla="*/ 2990538 h 6858000"/>
+              <a:gd name="connsiteX80" fmla="*/ 463075 w 5734864"/>
+              <a:gd name="connsiteY80" fmla="*/ 3055956 h 6858000"/>
+              <a:gd name="connsiteX81" fmla="*/ 455013 w 5734864"/>
+              <a:gd name="connsiteY81" fmla="*/ 3094482 h 6858000"/>
+              <a:gd name="connsiteX82" fmla="*/ 428391 w 5734864"/>
+              <a:gd name="connsiteY82" fmla="*/ 3198850 h 6858000"/>
+              <a:gd name="connsiteX83" fmla="*/ 401440 w 5734864"/>
+              <a:gd name="connsiteY83" fmla="*/ 3307560 h 6858000"/>
+              <a:gd name="connsiteX84" fmla="*/ 386076 w 5734864"/>
+              <a:gd name="connsiteY84" fmla="*/ 3373943 h 6858000"/>
+              <a:gd name="connsiteX85" fmla="*/ 374726 w 5734864"/>
+              <a:gd name="connsiteY85" fmla="*/ 3381364 h 6858000"/>
+              <a:gd name="connsiteX86" fmla="*/ 369145 w 5734864"/>
+              <a:gd name="connsiteY86" fmla="*/ 3383729 h 6858000"/>
+              <a:gd name="connsiteX87" fmla="*/ 364294 w 5734864"/>
+              <a:gd name="connsiteY87" fmla="*/ 3414159 h 6858000"/>
+              <a:gd name="connsiteX88" fmla="*/ 366450 w 5734864"/>
+              <a:gd name="connsiteY88" fmla="*/ 3436925 h 6858000"/>
+              <a:gd name="connsiteX89" fmla="*/ 351743 w 5734864"/>
+              <a:gd name="connsiteY89" fmla="*/ 3521619 h 6858000"/>
+              <a:gd name="connsiteX90" fmla="*/ 345784 w 5734864"/>
+              <a:gd name="connsiteY90" fmla="*/ 3603757 h 6858000"/>
+              <a:gd name="connsiteX91" fmla="*/ 344198 w 5734864"/>
+              <a:gd name="connsiteY91" fmla="*/ 3652424 h 6858000"/>
+              <a:gd name="connsiteX92" fmla="*/ 352450 w 5734864"/>
+              <a:gd name="connsiteY92" fmla="*/ 3665222 h 6858000"/>
+              <a:gd name="connsiteX93" fmla="*/ 342621 w 5734864"/>
+              <a:gd name="connsiteY93" fmla="*/ 3700804 h 6858000"/>
+              <a:gd name="connsiteX94" fmla="*/ 341514 w 5734864"/>
+              <a:gd name="connsiteY94" fmla="*/ 3734774 h 6858000"/>
+              <a:gd name="connsiteX95" fmla="*/ 340607 w 5734864"/>
+              <a:gd name="connsiteY95" fmla="*/ 3785153 h 6858000"/>
+              <a:gd name="connsiteX96" fmla="*/ 340707 w 5734864"/>
+              <a:gd name="connsiteY96" fmla="*/ 3788177 h 6858000"/>
+              <a:gd name="connsiteX97" fmla="*/ 340361 w 5734864"/>
+              <a:gd name="connsiteY97" fmla="*/ 3798803 h 6858000"/>
+              <a:gd name="connsiteX98" fmla="*/ 339642 w 5734864"/>
+              <a:gd name="connsiteY98" fmla="*/ 3838750 h 6858000"/>
+              <a:gd name="connsiteX99" fmla="*/ 360295 w 5734864"/>
+              <a:gd name="connsiteY99" fmla="*/ 4015196 h 6858000"/>
+              <a:gd name="connsiteX100" fmla="*/ 339043 w 5734864"/>
+              <a:gd name="connsiteY100" fmla="*/ 4052778 h 6858000"/>
+              <a:gd name="connsiteX101" fmla="*/ 339343 w 5734864"/>
+              <a:gd name="connsiteY101" fmla="*/ 4096257 h 6858000"/>
+              <a:gd name="connsiteX102" fmla="*/ 340786 w 5734864"/>
+              <a:gd name="connsiteY102" fmla="*/ 4321136 h 6858000"/>
+              <a:gd name="connsiteX103" fmla="*/ 343158 w 5734864"/>
+              <a:gd name="connsiteY103" fmla="*/ 4429174 h 6858000"/>
+              <a:gd name="connsiteX104" fmla="*/ 334599 w 5734864"/>
+              <a:gd name="connsiteY104" fmla="*/ 4449938 h 6858000"/>
+              <a:gd name="connsiteX105" fmla="*/ 332890 w 5734864"/>
+              <a:gd name="connsiteY105" fmla="*/ 4453515 h 6858000"/>
+              <a:gd name="connsiteX106" fmla="*/ 331105 w 5734864"/>
+              <a:gd name="connsiteY106" fmla="*/ 4467941 h 6858000"/>
+              <a:gd name="connsiteX107" fmla="*/ 324289 w 5734864"/>
+              <a:gd name="connsiteY107" fmla="*/ 4471861 h 6858000"/>
+              <a:gd name="connsiteX108" fmla="*/ 317079 w 5734864"/>
+              <a:gd name="connsiteY108" fmla="*/ 4493468 h 6858000"/>
+              <a:gd name="connsiteX109" fmla="*/ 315557 w 5734864"/>
+              <a:gd name="connsiteY109" fmla="*/ 4520067 h 6858000"/>
+              <a:gd name="connsiteX110" fmla="*/ 315240 w 5734864"/>
+              <a:gd name="connsiteY110" fmla="*/ 4536872 h 6858000"/>
+              <a:gd name="connsiteX111" fmla="*/ 316200 w 5734864"/>
+              <a:gd name="connsiteY111" fmla="*/ 4538297 h 6858000"/>
+              <a:gd name="connsiteX112" fmla="*/ 317507 w 5734864"/>
+              <a:gd name="connsiteY112" fmla="*/ 4547582 h 6858000"/>
+              <a:gd name="connsiteX113" fmla="*/ 323078 w 5734864"/>
+              <a:gd name="connsiteY113" fmla="*/ 4592102 h 6858000"/>
+              <a:gd name="connsiteX114" fmla="*/ 328722 w 5734864"/>
+              <a:gd name="connsiteY114" fmla="*/ 4667914 h 6858000"/>
+              <a:gd name="connsiteX115" fmla="*/ 335597 w 5734864"/>
+              <a:gd name="connsiteY115" fmla="*/ 4695035 h 6858000"/>
+              <a:gd name="connsiteX116" fmla="*/ 339485 w 5734864"/>
+              <a:gd name="connsiteY116" fmla="*/ 4695979 h 6858000"/>
+              <a:gd name="connsiteX117" fmla="*/ 341089 w 5734864"/>
+              <a:gd name="connsiteY117" fmla="*/ 4704268 h 6858000"/>
+              <a:gd name="connsiteX118" fmla="*/ 342177 w 5734864"/>
+              <a:gd name="connsiteY118" fmla="*/ 4706060 h 6858000"/>
+              <a:gd name="connsiteX119" fmla="*/ 347751 w 5734864"/>
+              <a:gd name="connsiteY119" fmla="*/ 4716754 h 6858000"/>
+              <a:gd name="connsiteX120" fmla="*/ 344125 w 5734864"/>
+              <a:gd name="connsiteY120" fmla="*/ 4764669 h 6858000"/>
+              <a:gd name="connsiteX121" fmla="*/ 340188 w 5734864"/>
+              <a:gd name="connsiteY121" fmla="*/ 4779386 h 6858000"/>
+              <a:gd name="connsiteX122" fmla="*/ 335146 w 5734864"/>
+              <a:gd name="connsiteY122" fmla="*/ 4787491 h 6858000"/>
+              <a:gd name="connsiteX123" fmla="*/ 319124 w 5734864"/>
+              <a:gd name="connsiteY123" fmla="*/ 4843514 h 6858000"/>
+              <a:gd name="connsiteX124" fmla="*/ 305956 w 5734864"/>
+              <a:gd name="connsiteY124" fmla="*/ 4881505 h 6858000"/>
+              <a:gd name="connsiteX125" fmla="*/ 301062 w 5734864"/>
+              <a:gd name="connsiteY125" fmla="*/ 4889332 h 6858000"/>
+              <a:gd name="connsiteX126" fmla="*/ 302141 w 5734864"/>
+              <a:gd name="connsiteY126" fmla="*/ 4899400 h 6858000"/>
+              <a:gd name="connsiteX127" fmla="*/ 304424 w 5734864"/>
+              <a:gd name="connsiteY127" fmla="*/ 4902664 h 6858000"/>
+              <a:gd name="connsiteX128" fmla="*/ 293123 w 5734864"/>
+              <a:gd name="connsiteY128" fmla="*/ 4932769 h 6858000"/>
+              <a:gd name="connsiteX129" fmla="*/ 292275 w 5734864"/>
+              <a:gd name="connsiteY129" fmla="*/ 4936482 h 6858000"/>
+              <a:gd name="connsiteX130" fmla="*/ 288304 w 5734864"/>
+              <a:gd name="connsiteY130" fmla="*/ 4962325 h 6858000"/>
+              <a:gd name="connsiteX131" fmla="*/ 287420 w 5734864"/>
+              <a:gd name="connsiteY131" fmla="*/ 5042193 h 6858000"/>
+              <a:gd name="connsiteX132" fmla="*/ 287020 w 5734864"/>
+              <a:gd name="connsiteY132" fmla="*/ 5065655 h 6858000"/>
+              <a:gd name="connsiteX133" fmla="*/ 288488 w 5734864"/>
+              <a:gd name="connsiteY133" fmla="*/ 5082216 h 6858000"/>
+              <a:gd name="connsiteX134" fmla="*/ 282763 w 5734864"/>
+              <a:gd name="connsiteY134" fmla="*/ 5127114 h 6858000"/>
+              <a:gd name="connsiteX135" fmla="*/ 269316 w 5734864"/>
+              <a:gd name="connsiteY135" fmla="*/ 5202682 h 6858000"/>
+              <a:gd name="connsiteX136" fmla="*/ 269174 w 5734864"/>
+              <a:gd name="connsiteY136" fmla="*/ 5230835 h 6858000"/>
+              <a:gd name="connsiteX137" fmla="*/ 272679 w 5734864"/>
+              <a:gd name="connsiteY137" fmla="*/ 5232660 h 6858000"/>
+              <a:gd name="connsiteX138" fmla="*/ 272160 w 5734864"/>
+              <a:gd name="connsiteY138" fmla="*/ 5241150 h 6858000"/>
+              <a:gd name="connsiteX139" fmla="*/ 272760 w 5734864"/>
+              <a:gd name="connsiteY139" fmla="*/ 5243156 h 6858000"/>
+              <a:gd name="connsiteX140" fmla="*/ 275462 w 5734864"/>
+              <a:gd name="connsiteY140" fmla="*/ 5254919 h 6858000"/>
+              <a:gd name="connsiteX141" fmla="*/ 262897 w 5734864"/>
+              <a:gd name="connsiteY141" fmla="*/ 5286259 h 6858000"/>
+              <a:gd name="connsiteX142" fmla="*/ 252761 w 5734864"/>
+              <a:gd name="connsiteY142" fmla="*/ 5357801 h 6858000"/>
+              <a:gd name="connsiteX143" fmla="*/ 242360 w 5734864"/>
+              <a:gd name="connsiteY143" fmla="*/ 5460080 h 6858000"/>
+              <a:gd name="connsiteX144" fmla="*/ 229880 w 5734864"/>
+              <a:gd name="connsiteY144" fmla="*/ 5539714 h 6858000"/>
+              <a:gd name="connsiteX145" fmla="*/ 204283 w 5734864"/>
+              <a:gd name="connsiteY145" fmla="*/ 5639080 h 6858000"/>
+              <a:gd name="connsiteX146" fmla="*/ 198948 w 5734864"/>
+              <a:gd name="connsiteY146" fmla="*/ 5710958 h 6858000"/>
+              <a:gd name="connsiteX147" fmla="*/ 192367 w 5734864"/>
+              <a:gd name="connsiteY147" fmla="*/ 5719859 h 6858000"/>
+              <a:gd name="connsiteX148" fmla="*/ 188035 w 5734864"/>
+              <a:gd name="connsiteY148" fmla="*/ 5729935 h 6858000"/>
+              <a:gd name="connsiteX149" fmla="*/ 188428 w 5734864"/>
+              <a:gd name="connsiteY149" fmla="*/ 5731182 h 6858000"/>
+              <a:gd name="connsiteX150" fmla="*/ 181635 w 5734864"/>
+              <a:gd name="connsiteY150" fmla="*/ 5753538 h 6858000"/>
+              <a:gd name="connsiteX151" fmla="*/ 169744 w 5734864"/>
+              <a:gd name="connsiteY151" fmla="*/ 5796307 h 6858000"/>
+              <a:gd name="connsiteX152" fmla="*/ 170351 w 5734864"/>
+              <a:gd name="connsiteY152" fmla="*/ 5796644 h 6858000"/>
+              <a:gd name="connsiteX153" fmla="*/ 171559 w 5734864"/>
+              <a:gd name="connsiteY153" fmla="*/ 5803435 h 6858000"/>
+              <a:gd name="connsiteX154" fmla="*/ 172284 w 5734864"/>
+              <a:gd name="connsiteY154" fmla="*/ 5816391 h 6858000"/>
+              <a:gd name="connsiteX155" fmla="*/ 182542 w 5734864"/>
+              <a:gd name="connsiteY155" fmla="*/ 5846382 h 6858000"/>
+              <a:gd name="connsiteX156" fmla="*/ 175877 w 5734864"/>
+              <a:gd name="connsiteY156" fmla="*/ 5871336 h 6858000"/>
+              <a:gd name="connsiteX157" fmla="*/ 174910 w 5734864"/>
+              <a:gd name="connsiteY157" fmla="*/ 5876376 h 6858000"/>
+              <a:gd name="connsiteX158" fmla="*/ 175047 w 5734864"/>
+              <a:gd name="connsiteY158" fmla="*/ 5876483 h 6858000"/>
+              <a:gd name="connsiteX159" fmla="*/ 174335 w 5734864"/>
+              <a:gd name="connsiteY159" fmla="*/ 5881814 h 6858000"/>
+              <a:gd name="connsiteX160" fmla="*/ 171273 w 5734864"/>
+              <a:gd name="connsiteY160" fmla="*/ 5895339 h 6858000"/>
+              <a:gd name="connsiteX161" fmla="*/ 171658 w 5734864"/>
+              <a:gd name="connsiteY161" fmla="*/ 5898749 h 6858000"/>
+              <a:gd name="connsiteX162" fmla="*/ 174658 w 5734864"/>
+              <a:gd name="connsiteY162" fmla="*/ 5919558 h 6858000"/>
+              <a:gd name="connsiteX163" fmla="*/ 169099 w 5734864"/>
+              <a:gd name="connsiteY163" fmla="*/ 5984417 h 6858000"/>
+              <a:gd name="connsiteX164" fmla="*/ 162007 w 5734864"/>
+              <a:gd name="connsiteY164" fmla="*/ 6049043 h 6858000"/>
+              <a:gd name="connsiteX165" fmla="*/ 156875 w 5734864"/>
+              <a:gd name="connsiteY165" fmla="*/ 6114000 h 6858000"/>
+              <a:gd name="connsiteX166" fmla="*/ 165441 w 5734864"/>
+              <a:gd name="connsiteY166" fmla="*/ 6146938 h 6858000"/>
+              <a:gd name="connsiteX167" fmla="*/ 165177 w 5734864"/>
+              <a:gd name="connsiteY167" fmla="*/ 6150658 h 6858000"/>
+              <a:gd name="connsiteX168" fmla="*/ 161772 w 5734864"/>
+              <a:gd name="connsiteY168" fmla="*/ 6160011 h 6858000"/>
+              <a:gd name="connsiteX169" fmla="*/ 160051 w 5734864"/>
+              <a:gd name="connsiteY169" fmla="*/ 6163393 h 6858000"/>
+              <a:gd name="connsiteX170" fmla="*/ 158473 w 5734864"/>
+              <a:gd name="connsiteY170" fmla="*/ 6168628 h 6858000"/>
+              <a:gd name="connsiteX171" fmla="*/ 158573 w 5734864"/>
+              <a:gd name="connsiteY171" fmla="*/ 6168799 h 6858000"/>
+              <a:gd name="connsiteX172" fmla="*/ 146463 w 5734864"/>
+              <a:gd name="connsiteY172" fmla="*/ 6196671 h 6858000"/>
+              <a:gd name="connsiteX173" fmla="*/ 150209 w 5734864"/>
+              <a:gd name="connsiteY173" fmla="*/ 6232365 h 6858000"/>
+              <a:gd name="connsiteX174" fmla="*/ 148544 w 5734864"/>
+              <a:gd name="connsiteY174" fmla="*/ 6246162 h 6858000"/>
+              <a:gd name="connsiteX175" fmla="*/ 148403 w 5734864"/>
+              <a:gd name="connsiteY175" fmla="*/ 6253754 h 6858000"/>
+              <a:gd name="connsiteX176" fmla="*/ 138880 w 5734864"/>
+              <a:gd name="connsiteY176" fmla="*/ 6276449 h 6858000"/>
+              <a:gd name="connsiteX177" fmla="*/ 138683 w 5734864"/>
+              <a:gd name="connsiteY177" fmla="*/ 6279721 h 6858000"/>
+              <a:gd name="connsiteX178" fmla="*/ 130721 w 5734864"/>
+              <a:gd name="connsiteY178" fmla="*/ 6293675 h 6858000"/>
+              <a:gd name="connsiteX179" fmla="*/ 120717 w 5734864"/>
+              <a:gd name="connsiteY179" fmla="*/ 6313967 h 6858000"/>
+              <a:gd name="connsiteX180" fmla="*/ 120841 w 5734864"/>
+              <a:gd name="connsiteY180" fmla="*/ 6315437 h 6858000"/>
+              <a:gd name="connsiteX181" fmla="*/ 115208 w 5734864"/>
+              <a:gd name="connsiteY181" fmla="*/ 6324024 h 6858000"/>
+              <a:gd name="connsiteX182" fmla="*/ 101217 w 5734864"/>
+              <a:gd name="connsiteY182" fmla="*/ 6365923 h 6858000"/>
+              <a:gd name="connsiteX183" fmla="*/ 74946 w 5734864"/>
+              <a:gd name="connsiteY183" fmla="*/ 6556817 h 6858000"/>
+              <a:gd name="connsiteX184" fmla="*/ 16001 w 5734864"/>
+              <a:gd name="connsiteY184" fmla="*/ 6808678 h 6858000"/>
+              <a:gd name="connsiteX185" fmla="*/ 0 w 5734864"/>
+              <a:gd name="connsiteY185" fmla="*/ 6858000 h 6858000"/>
+              <a:gd name="connsiteX186" fmla="*/ 5734864 w 5734864"/>
+              <a:gd name="connsiteY186" fmla="*/ 6858000 h 6858000"/>
+              <a:gd name="connsiteX187" fmla="*/ 5734864 w 5734864"/>
+              <a:gd name="connsiteY187" fmla="*/ 0 h 6858000"/>
+            </a:gdLst>
+            <a:ahLst/>
+            <a:cxnLst>
+              <a:cxn ang="0">
+                <a:pos x="connsiteX0" y="connsiteY0"/>
+              </a:cxn>
+              <a:cxn ang="0">
+                <a:pos x="connsiteX1" y="connsiteY1"/>
+              </a:cxn>
+              <a:cxn ang="0">
+                <a:pos x="connsiteX2" y="connsiteY2"/>
+              </a:cxn>
+              <a:cxn ang="0">
+                <a:pos x="connsiteX3" y="connsiteY3"/>
+              </a:cxn>
+              <a:cxn ang="0">
+                <a:pos x="connsiteX4" y="connsiteY4"/>
+              </a:cxn>
+              <a:cxn ang="0">
+                <a:pos x="connsiteX5" y="connsiteY5"/>
+              </a:cxn>
+              <a:cxn ang="0">
+                <a:pos x="connsiteX6" y="connsiteY6"/>
+              </a:cxn>
+              <a:cxn ang="0">
+                <a:pos x="connsiteX7" y="connsiteY7"/>
+              </a:cxn>
+              <a:cxn ang="0">
+                <a:pos x="connsiteX8" y="connsiteY8"/>
+              </a:cxn>
+              <a:cxn ang="0">
+                <a:pos x="connsiteX9" y="connsiteY9"/>
+              </a:cxn>
+              <a:cxn ang="0">
+                <a:pos x="connsiteX10" y="connsiteY10"/>
+              </a:cxn>
+              <a:cxn ang="0">
+                <a:pos x="connsiteX11" y="connsiteY11"/>
+              </a:cxn>
+              <a:cxn ang="0">
+                <a:pos x="connsiteX12" y="connsiteY12"/>
+              </a:cxn>
+              <a:cxn ang="0">
+                <a:pos x="connsiteX13" y="connsiteY13"/>
+              </a:cxn>
+              <a:cxn ang="0">
+                <a:pos x="connsiteX14" y="connsiteY14"/>
+              </a:cxn>
+              <a:cxn ang="0">
+                <a:pos x="connsiteX15" y="connsiteY15"/>
+              </a:cxn>
+              <a:cxn ang="0">
+                <a:pos x="connsiteX16" y="connsiteY16"/>
+              </a:cxn>
+              <a:cxn ang="0">
+                <a:pos x="connsiteX17" y="connsiteY17"/>
+              </a:cxn>
+              <a:cxn ang="0">
+                <a:pos x="connsiteX18" y="connsiteY18"/>
+              </a:cxn>
+              <a:cxn ang="0">
+                <a:pos x="connsiteX19" y="connsiteY19"/>
+              </a:cxn>
+              <a:cxn ang="0">
+                <a:pos x="connsiteX20" y="connsiteY20"/>
+              </a:cxn>
+              <a:cxn ang="0">
+                <a:pos x="connsiteX21" y="connsiteY21"/>
+              </a:cxn>
+              <a:cxn ang="0">
+                <a:pos x="connsiteX22" y="connsiteY22"/>
+              </a:cxn>
+              <a:cxn ang="0">
+                <a:pos x="connsiteX23" y="connsiteY23"/>
+              </a:cxn>
+              <a:cxn ang="0">
+                <a:pos x="connsiteX24" y="connsiteY24"/>
+              </a:cxn>
+              <a:cxn ang="0">
+                <a:pos x="connsiteX25" y="connsiteY25"/>
+              </a:cxn>
+              <a:cxn ang="0">
+                <a:pos x="connsiteX26" y="connsiteY26"/>
+              </a:cxn>
+              <a:cxn ang="0">
+                <a:pos x="connsiteX27" y="connsiteY27"/>
+              </a:cxn>
+              <a:cxn ang="0">
+                <a:pos x="connsiteX28" y="connsiteY28"/>
+              </a:cxn>
+              <a:cxn ang="0">
+                <a:pos x="connsiteX29" y="connsiteY29"/>
+              </a:cxn>
+              <a:cxn ang="0">
+                <a:pos x="connsiteX30" y="connsiteY30"/>
+              </a:cxn>
+              <a:cxn ang="0">
+                <a:pos x="connsiteX31" y="connsiteY31"/>
+              </a:cxn>
+              <a:cxn ang="0">
+                <a:pos x="connsiteX32" y="connsiteY32"/>
+              </a:cxn>
+              <a:cxn ang="0">
+                <a:pos x="connsiteX33" y="connsiteY33"/>
+              </a:cxn>
+              <a:cxn ang="0">
+                <a:pos x="connsiteX34" y="connsiteY34"/>
+              </a:cxn>
+              <a:cxn ang="0">
+                <a:pos x="connsiteX35" y="connsiteY35"/>
+              </a:cxn>
+              <a:cxn ang="0">
+                <a:pos x="connsiteX36" y="connsiteY36"/>
+              </a:cxn>
+              <a:cxn ang="0">
+                <a:pos x="connsiteX37" y="connsiteY37"/>
+              </a:cxn>
+              <a:cxn ang="0">
+                <a:pos x="connsiteX38" y="connsiteY38"/>
+              </a:cxn>
+              <a:cxn ang="0">
+                <a:pos x="connsiteX39" y="connsiteY39"/>
+              </a:cxn>
+              <a:cxn ang="0">
+                <a:pos x="connsiteX40" y="connsiteY40"/>
+              </a:cxn>
+              <a:cxn ang="0">
+                <a:pos x="connsiteX41" y="connsiteY41"/>
+              </a:cxn>
+              <a:cxn ang="0">
+                <a:pos x="connsiteX42" y="connsiteY42"/>
+              </a:cxn>
+              <a:cxn ang="0">
+                <a:pos x="connsiteX43" y="connsiteY43"/>
+              </a:cxn>
+              <a:cxn ang="0">
+                <a:pos x="connsiteX44" y="connsiteY44"/>
+              </a:cxn>
+              <a:cxn ang="0">
+                <a:pos x="connsiteX45" y="connsiteY45"/>
+              </a:cxn>
+              <a:cxn ang="0">
+                <a:pos x="connsiteX46" y="connsiteY46"/>
+              </a:cxn>
+              <a:cxn ang="0">
+                <a:pos x="connsiteX47" y="connsiteY47"/>
+              </a:cxn>
+              <a:cxn ang="0">
+                <a:pos x="connsiteX48" y="connsiteY48"/>
+              </a:cxn>
+              <a:cxn ang="0">
+                <a:pos x="connsiteX49" y="connsiteY49"/>
+              </a:cxn>
+              <a:cxn ang="0">
+                <a:pos x="connsiteX50" y="connsiteY50"/>
+              </a:cxn>
+              <a:cxn ang="0">
+                <a:pos x="connsiteX51" y="connsiteY51"/>
+              </a:cxn>
+              <a:cxn ang="0">
+                <a:pos x="connsiteX52" y="connsiteY52"/>
+              </a:cxn>
+              <a:cxn ang="0">
+                <a:pos x="connsiteX53" y="connsiteY53"/>
+              </a:cxn>
+              <a:cxn ang="0">
+                <a:pos x="connsiteX54" y="connsiteY54"/>
+              </a:cxn>
+              <a:cxn ang="0">
+                <a:pos x="connsiteX55" y="connsiteY55"/>
+              </a:cxn>
+              <a:cxn ang="0">
+                <a:pos x="connsiteX56" y="connsiteY56"/>
+              </a:cxn>
+              <a:cxn ang="0">
+                <a:pos x="connsiteX57" y="connsiteY57"/>
+              </a:cxn>
+              <a:cxn ang="0">
+                <a:pos x="connsiteX58" y="connsiteY58"/>
+              </a:cxn>
+              <a:cxn ang="0">
+                <a:pos x="connsiteX59" y="connsiteY59"/>
+              </a:cxn>
+              <a:cxn ang="0">
+                <a:pos x="connsiteX60" y="connsiteY60"/>
+              </a:cxn>
+              <a:cxn ang="0">
+                <a:pos x="connsiteX61" y="connsiteY61"/>
+              </a:cxn>
+              <a:cxn ang="0">
+                <a:pos x="connsiteX62" y="connsiteY62"/>
+              </a:cxn>
+              <a:cxn ang="0">
+                <a:pos x="connsiteX63" y="connsiteY63"/>
+              </a:cxn>
+              <a:cxn ang="0">
+                <a:pos x="connsiteX64" y="connsiteY64"/>
+              </a:cxn>
+              <a:cxn ang="0">
+                <a:pos x="connsiteX65" y="connsiteY65"/>
+              </a:cxn>
+              <a:cxn ang="0">
+                <a:pos x="connsiteX66" y="connsiteY66"/>
+              </a:cxn>
+              <a:cxn ang="0">
+                <a:pos x="connsiteX67" y="connsiteY67"/>
+              </a:cxn>
+              <a:cxn ang="0">
+                <a:pos x="connsiteX68" y="connsiteY68"/>
+              </a:cxn>
+              <a:cxn ang="0">
+                <a:pos x="connsiteX69" y="connsiteY69"/>
+              </a:cxn>
+              <a:cxn ang="0">
+                <a:pos x="connsiteX70" y="connsiteY70"/>
+              </a:cxn>
+              <a:cxn ang="0">
+                <a:pos x="connsiteX71" y="connsiteY71"/>
+              </a:cxn>
+              <a:cxn ang="0">
+                <a:pos x="connsiteX72" y="connsiteY72"/>
+              </a:cxn>
+              <a:cxn ang="0">
+                <a:pos x="connsiteX73" y="connsiteY73"/>
+              </a:cxn>
+              <a:cxn ang="0">
+                <a:pos x="connsiteX74" y="connsiteY74"/>
+              </a:cxn>
+              <a:cxn ang="0">
+                <a:pos x="connsiteX75" y="connsiteY75"/>
+              </a:cxn>
+              <a:cxn ang="0">
+                <a:pos x="connsiteX76" y="connsiteY76"/>
+              </a:cxn>
+              <a:cxn ang="0">
+                <a:pos x="connsiteX77" y="connsiteY77"/>
+              </a:cxn>
+              <a:cxn ang="0">
+                <a:pos x="connsiteX78" y="connsiteY78"/>
+              </a:cxn>
+              <a:cxn ang="0">
+                <a:pos x="connsiteX79" y="connsiteY79"/>
+              </a:cxn>
+              <a:cxn ang="0">
+                <a:pos x="connsiteX80" y="connsiteY80"/>
+              </a:cxn>
+              <a:cxn ang="0">
+                <a:pos x="connsiteX81" y="connsiteY81"/>
+              </a:cxn>
+              <a:cxn ang="0">
+                <a:pos x="connsiteX82" y="connsiteY82"/>
+              </a:cxn>
+              <a:cxn ang="0">
+                <a:pos x="connsiteX83" y="connsiteY83"/>
+              </a:cxn>
+              <a:cxn ang="0">
+                <a:pos x="connsiteX84" y="connsiteY84"/>
+              </a:cxn>
+              <a:cxn ang="0">
+                <a:pos x="connsiteX85" y="connsiteY85"/>
+              </a:cxn>
+              <a:cxn ang="0">
+                <a:pos x="connsiteX86" y="connsiteY86"/>
+              </a:cxn>
+              <a:cxn ang="0">
+                <a:pos x="connsiteX87" y="connsiteY87"/>
+              </a:cxn>
+              <a:cxn ang="0">
+                <a:pos x="connsiteX88" y="connsiteY88"/>
+              </a:cxn>
+              <a:cxn ang="0">
+                <a:pos x="connsiteX89" y="connsiteY89"/>
+              </a:cxn>
+              <a:cxn ang="0">
+                <a:pos x="connsiteX90" y="connsiteY90"/>
+              </a:cxn>
+              <a:cxn ang="0">
+                <a:pos x="connsiteX91" y="connsiteY91"/>
+              </a:cxn>
+              <a:cxn ang="0">
+                <a:pos x="connsiteX92" y="connsiteY92"/>
+              </a:cxn>
+              <a:cxn ang="0">
+                <a:pos x="connsiteX93" y="connsiteY93"/>
+              </a:cxn>
+              <a:cxn ang="0">
+                <a:pos x="connsiteX94" y="connsiteY94"/>
+              </a:cxn>
+              <a:cxn ang="0">
+                <a:pos x="connsiteX95" y="connsiteY95"/>
+              </a:cxn>
+              <a:cxn ang="0">
+                <a:pos x="connsiteX96" y="connsiteY96"/>
+              </a:cxn>
+              <a:cxn ang="0">
+                <a:pos x="connsiteX97" y="connsiteY97"/>
+              </a:cxn>
+              <a:cxn ang="0">
+                <a:pos x="connsiteX98" y="connsiteY98"/>
+              </a:cxn>
+              <a:cxn ang="0">
+                <a:pos x="connsiteX99" y="connsiteY99"/>
+              </a:cxn>
+              <a:cxn ang="0">
+                <a:pos x="connsiteX100" y="connsiteY100"/>
+              </a:cxn>
+              <a:cxn ang="0">
+                <a:pos x="connsiteX101" y="connsiteY101"/>
+              </a:cxn>
+              <a:cxn ang="0">
+                <a:pos x="connsiteX102" y="connsiteY102"/>
+              </a:cxn>
+              <a:cxn ang="0">
+                <a:pos x="connsiteX103" y="connsiteY103"/>
+              </a:cxn>
+              <a:cxn ang="0">
+                <a:pos x="connsiteX104" y="connsiteY104"/>
+              </a:cxn>
+              <a:cxn ang="0">
+                <a:pos x="connsiteX105" y="connsiteY105"/>
+              </a:cxn>
+              <a:cxn ang="0">
+                <a:pos x="connsiteX106" y="connsiteY106"/>
+              </a:cxn>
+              <a:cxn ang="0">
+                <a:pos x="connsiteX107" y="connsiteY107"/>
+              </a:cxn>
+              <a:cxn ang="0">
+                <a:pos x="connsiteX108" y="connsiteY108"/>
+              </a:cxn>
+              <a:cxn ang="0">
+                <a:pos x="connsiteX109" y="connsiteY109"/>
+              </a:cxn>
+              <a:cxn ang="0">
+                <a:pos x="connsiteX110" y="connsiteY110"/>
+              </a:cxn>
+              <a:cxn ang="0">
+                <a:pos x="connsiteX111" y="connsiteY111"/>
+              </a:cxn>
+              <a:cxn ang="0">
+                <a:pos x="connsiteX112" y="connsiteY112"/>
+              </a:cxn>
+              <a:cxn ang="0">
+                <a:pos x="connsiteX113" y="connsiteY113"/>
+              </a:cxn>
+              <a:cxn ang="0">
+                <a:pos x="connsiteX114" y="connsiteY114"/>
+              </a:cxn>
+              <a:cxn ang="0">
+                <a:pos x="connsiteX115" y="connsiteY115"/>
+              </a:cxn>
+              <a:cxn ang="0">
+                <a:pos x="connsiteX116" y="connsiteY116"/>
+              </a:cxn>
+              <a:cxn ang="0">
+                <a:pos x="connsiteX117" y="connsiteY117"/>
+              </a:cxn>
+              <a:cxn ang="0">
+                <a:pos x="connsiteX118" y="connsiteY118"/>
+              </a:cxn>
+              <a:cxn ang="0">
+                <a:pos x="connsiteX119" y="connsiteY119"/>
+              </a:cxn>
+              <a:cxn ang="0">
+                <a:pos x="connsiteX120" y="connsiteY120"/>
+              </a:cxn>
+              <a:cxn ang="0">
+                <a:pos x="connsiteX121" y="connsiteY121"/>
+              </a:cxn>
+              <a:cxn ang="0">
+                <a:pos x="connsiteX122" y="connsiteY122"/>
+              </a:cxn>
+              <a:cxn ang="0">
+                <a:pos x="connsiteX123" y="connsiteY123"/>
+              </a:cxn>
+              <a:cxn ang="0">
+                <a:pos x="connsiteX124" y="connsiteY124"/>
+              </a:cxn>
+              <a:cxn ang="0">
+                <a:pos x="connsiteX125" y="connsiteY125"/>
+              </a:cxn>
+              <a:cxn ang="0">
+                <a:pos x="connsiteX126" y="connsiteY126"/>
+              </a:cxn>
+              <a:cxn ang="0">
+                <a:pos x="connsiteX127" y="connsiteY127"/>
+              </a:cxn>
+              <a:cxn ang="0">
+                <a:pos x="connsiteX128" y="connsiteY128"/>
+              </a:cxn>
+              <a:cxn ang="0">
+                <a:pos x="connsiteX129" y="connsiteY129"/>
+              </a:cxn>
+              <a:cxn ang="0">
+                <a:pos x="connsiteX130" y="connsiteY130"/>
+              </a:cxn>
+              <a:cxn ang="0">
+                <a:pos x="connsiteX131" y="connsiteY131"/>
+              </a:cxn>
+              <a:cxn ang="0">
+                <a:pos x="connsiteX132" y="connsiteY132"/>
+              </a:cxn>
+              <a:cxn ang="0">
+                <a:pos x="connsiteX133" y="connsiteY133"/>
+              </a:cxn>
+              <a:cxn ang="0">
+                <a:pos x="connsiteX134" y="connsiteY134"/>
+              </a:cxn>
+              <a:cxn ang="0">
+                <a:pos x="connsiteX135" y="connsiteY135"/>
+              </a:cxn>
+              <a:cxn ang="0">
+                <a:pos x="connsiteX136" y="connsiteY136"/>
+              </a:cxn>
+              <a:cxn ang="0">
+                <a:pos x="connsiteX137" y="connsiteY137"/>
+              </a:cxn>
+              <a:cxn ang="0">
+                <a:pos x="connsiteX138" y="connsiteY138"/>
+              </a:cxn>
+              <a:cxn ang="0">
+                <a:pos x="connsiteX139" y="connsiteY139"/>
+              </a:cxn>
+              <a:cxn ang="0">
+                <a:pos x="connsiteX140" y="connsiteY140"/>
+              </a:cxn>
+              <a:cxn ang="0">
+                <a:pos x="connsiteX141" y="connsiteY141"/>
+              </a:cxn>
+              <a:cxn ang="0">
+                <a:pos x="connsiteX142" y="connsiteY142"/>
+              </a:cxn>
+              <a:cxn ang="0">
+                <a:pos x="connsiteX143" y="connsiteY143"/>
+              </a:cxn>
+              <a:cxn ang="0">
+                <a:pos x="connsiteX144" y="connsiteY144"/>
+              </a:cxn>
+              <a:cxn ang="0">
+                <a:pos x="connsiteX145" y="connsiteY145"/>
+              </a:cxn>
+              <a:cxn ang="0">
+                <a:pos x="connsiteX146" y="connsiteY146"/>
+              </a:cxn>
+              <a:cxn ang="0">
+                <a:pos x="connsiteX147" y="connsiteY147"/>
+              </a:cxn>
+              <a:cxn ang="0">
+                <a:pos x="connsiteX148" y="connsiteY148"/>
+              </a:cxn>
+              <a:cxn ang="0">
+                <a:pos x="connsiteX149" y="connsiteY149"/>
+              </a:cxn>
+              <a:cxn ang="0">
+                <a:pos x="connsiteX150" y="connsiteY150"/>
+              </a:cxn>
+              <a:cxn ang="0">
+                <a:pos x="connsiteX151" y="connsiteY151"/>
+              </a:cxn>
+              <a:cxn ang="0">
+                <a:pos x="connsiteX152" y="connsiteY152"/>
+              </a:cxn>
+              <a:cxn ang="0">
+                <a:pos x="connsiteX153" y="connsiteY153"/>
+              </a:cxn>
+              <a:cxn ang="0">
+                <a:pos x="connsiteX154" y="connsiteY154"/>
+              </a:cxn>
+              <a:cxn ang="0">
+                <a:pos x="connsiteX155" y="connsiteY155"/>
+              </a:cxn>
+              <a:cxn ang="0">
+                <a:pos x="connsiteX156" y="connsiteY156"/>
+              </a:cxn>
+              <a:cxn ang="0">
+                <a:pos x="connsiteX157" y="connsiteY157"/>
+              </a:cxn>
+              <a:cxn ang="0">
+                <a:pos x="connsiteX158" y="connsiteY158"/>
+              </a:cxn>
+              <a:cxn ang="0">
+                <a:pos x="connsiteX159" y="connsiteY159"/>
+              </a:cxn>
+              <a:cxn ang="0">
+                <a:pos x="connsiteX160" y="connsiteY160"/>
+              </a:cxn>
+              <a:cxn ang="0">
+                <a:pos x="connsiteX161" y="connsiteY161"/>
+              </a:cxn>
+              <a:cxn ang="0">
+                <a:pos x="connsiteX162" y="connsiteY162"/>
+              </a:cxn>
+              <a:cxn ang="0">
+                <a:pos x="connsiteX163" y="connsiteY163"/>
+              </a:cxn>
+              <a:cxn ang="0">
+                <a:pos x="connsiteX164" y="connsiteY164"/>
+              </a:cxn>
+              <a:cxn ang="0">
+                <a:pos x="connsiteX165" y="connsiteY165"/>
+              </a:cxn>
+              <a:cxn ang="0">
+                <a:pos x="connsiteX166" y="connsiteY166"/>
+              </a:cxn>
+              <a:cxn ang="0">
+                <a:pos x="connsiteX167" y="connsiteY167"/>
+              </a:cxn>
+              <a:cxn ang="0">
+                <a:pos x="connsiteX168" y="connsiteY168"/>
+              </a:cxn>
+              <a:cxn ang="0">
+                <a:pos x="connsiteX169" y="connsiteY169"/>
+              </a:cxn>
+              <a:cxn ang="0">
+                <a:pos x="connsiteX170" y="connsiteY170"/>
+              </a:cxn>
+              <a:cxn ang="0">
+                <a:pos x="connsiteX171" y="connsiteY171"/>
+              </a:cxn>
+              <a:cxn ang="0">
+                <a:pos x="connsiteX172" y="connsiteY172"/>
+              </a:cxn>
+              <a:cxn ang="0">
+                <a:pos x="connsiteX173" y="connsiteY173"/>
+              </a:cxn>
+              <a:cxn ang="0">
+                <a:pos x="connsiteX174" y="connsiteY174"/>
+              </a:cxn>
+              <a:cxn ang="0">
+                <a:pos x="connsiteX175" y="connsiteY175"/>
+              </a:cxn>
+              <a:cxn ang="0">
+                <a:pos x="connsiteX176" y="connsiteY176"/>
+              </a:cxn>
+              <a:cxn ang="0">
+                <a:pos x="connsiteX177" y="connsiteY177"/>
+              </a:cxn>
+              <a:cxn ang="0">
+                <a:pos x="connsiteX178" y="connsiteY178"/>
+              </a:cxn>
+              <a:cxn ang="0">
+                <a:pos x="connsiteX179" y="connsiteY179"/>
+              </a:cxn>
+              <a:cxn ang="0">
+                <a:pos x="connsiteX180" y="connsiteY180"/>
+              </a:cxn>
+              <a:cxn ang="0">
+                <a:pos x="connsiteX181" y="connsiteY181"/>
+              </a:cxn>
+              <a:cxn ang="0">
+                <a:pos x="connsiteX182" y="connsiteY182"/>
+              </a:cxn>
+              <a:cxn ang="0">
+                <a:pos x="connsiteX183" y="connsiteY183"/>
+              </a:cxn>
+              <a:cxn ang="0">
+                <a:pos x="connsiteX184" y="connsiteY184"/>
+              </a:cxn>
+              <a:cxn ang="0">
+                <a:pos x="connsiteX185" y="connsiteY185"/>
+              </a:cxn>
+              <a:cxn ang="0">
+                <a:pos x="connsiteX186" y="connsiteY186"/>
+              </a:cxn>
+              <a:cxn ang="0">
+                <a:pos x="connsiteX187" y="connsiteY187"/>
+              </a:cxn>
+            </a:cxnLst>
+            <a:rect l="l" t="t" r="r" b="b"/>
+            <a:pathLst>
+              <a:path w="5734864" h="6858000">
+                <a:moveTo>
+                  <a:pt x="5734864" y="0"/>
+                </a:moveTo>
+                <a:lnTo>
+                  <a:pt x="771611" y="0"/>
+                </a:lnTo>
+                <a:cubicBezTo>
+                  <a:pt x="771634" y="16369"/>
+                  <a:pt x="771656" y="32739"/>
+                  <a:pt x="771679" y="49108"/>
+                </a:cubicBezTo>
+                <a:cubicBezTo>
+                  <a:pt x="775201" y="55622"/>
+                  <a:pt x="788724" y="196721"/>
+                  <a:pt x="794248" y="200968"/>
+                </a:cubicBezTo>
+                <a:lnTo>
+                  <a:pt x="801749" y="414071"/>
+                </a:lnTo>
+                <a:cubicBezTo>
+                  <a:pt x="807329" y="440933"/>
+                  <a:pt x="835107" y="598697"/>
+                  <a:pt x="818548" y="585467"/>
+                </a:cubicBezTo>
+                <a:cubicBezTo>
+                  <a:pt x="856197" y="664140"/>
+                  <a:pt x="837895" y="708473"/>
+                  <a:pt x="857476" y="800623"/>
+                </a:cubicBezTo>
+                <a:cubicBezTo>
+                  <a:pt x="822401" y="857344"/>
+                  <a:pt x="855723" y="824571"/>
+                  <a:pt x="851083" y="878903"/>
+                </a:cubicBezTo>
+                <a:cubicBezTo>
+                  <a:pt x="884811" y="859448"/>
+                  <a:pt x="834648" y="946397"/>
+                  <a:pt x="873564" y="943826"/>
+                </a:cubicBezTo>
+                <a:cubicBezTo>
+                  <a:pt x="871487" y="953795"/>
+                  <a:pt x="868248" y="963533"/>
+                  <a:pt x="864705" y="973328"/>
+                </a:cubicBezTo>
+                <a:lnTo>
+                  <a:pt x="862869" y="978457"/>
+                </a:lnTo>
+                <a:lnTo>
+                  <a:pt x="862233" y="998041"/>
+                </a:lnTo>
+                <a:lnTo>
+                  <a:pt x="853665" y="1004750"/>
+                </a:lnTo>
+                <a:lnTo>
+                  <a:pt x="847865" y="1070795"/>
+                </a:lnTo>
+                <a:cubicBezTo>
+                  <a:pt x="870234" y="1110486"/>
+                  <a:pt x="833172" y="1190441"/>
+                  <a:pt x="862786" y="1238994"/>
+                </a:cubicBezTo>
+                <a:cubicBezTo>
+                  <a:pt x="864699" y="1290599"/>
+                  <a:pt x="860615" y="1347716"/>
+                  <a:pt x="859345" y="1380427"/>
+                </a:cubicBezTo>
+                <a:cubicBezTo>
+                  <a:pt x="845703" y="1396391"/>
+                  <a:pt x="873184" y="1435525"/>
+                  <a:pt x="855172" y="1435262"/>
+                </a:cubicBezTo>
+                <a:lnTo>
+                  <a:pt x="860494" y="1453861"/>
+                </a:lnTo>
+                <a:lnTo>
+                  <a:pt x="853731" y="1467047"/>
+                </a:lnTo>
+                <a:cubicBezTo>
+                  <a:pt x="846549" y="1480528"/>
+                  <a:pt x="841728" y="1491093"/>
+                  <a:pt x="845847" y="1502307"/>
+                </a:cubicBezTo>
+                <a:lnTo>
+                  <a:pt x="817613" y="1565166"/>
+                </a:lnTo>
+                <a:cubicBezTo>
+                  <a:pt x="805468" y="1557258"/>
+                  <a:pt x="816534" y="1596564"/>
+                  <a:pt x="804223" y="1601941"/>
+                </a:cubicBezTo>
+                <a:cubicBezTo>
+                  <a:pt x="794287" y="1604654"/>
+                  <a:pt x="795328" y="1617209"/>
+                  <a:pt x="791773" y="1627005"/>
+                </a:cubicBezTo>
+                <a:cubicBezTo>
+                  <a:pt x="781684" y="1634393"/>
+                  <a:pt x="772978" y="1683187"/>
+                  <a:pt x="774645" y="1699922"/>
+                </a:cubicBezTo>
+                <a:cubicBezTo>
+                  <a:pt x="785341" y="1746767"/>
+                  <a:pt x="744845" y="1787099"/>
+                  <a:pt x="752343" y="1824604"/>
+                </a:cubicBezTo>
+                <a:cubicBezTo>
+                  <a:pt x="751502" y="1834578"/>
+                  <a:pt x="749297" y="1842929"/>
+                  <a:pt x="746254" y="1850222"/>
+                </a:cubicBezTo>
+                <a:lnTo>
+                  <a:pt x="728600" y="1869603"/>
+                </a:lnTo>
+                <a:lnTo>
+                  <a:pt x="724396" y="1883104"/>
+                </a:lnTo>
+                <a:lnTo>
+                  <a:pt x="722165" y="1885924"/>
+                </a:lnTo>
+                <a:lnTo>
+                  <a:pt x="721338" y="1887123"/>
+                </a:lnTo>
+                <a:lnTo>
+                  <a:pt x="714840" y="1902274"/>
+                </a:lnTo>
+                <a:lnTo>
+                  <a:pt x="722847" y="1929891"/>
+                </a:lnTo>
+                <a:lnTo>
+                  <a:pt x="714660" y="1982709"/>
+                </a:lnTo>
+                <a:cubicBezTo>
+                  <a:pt x="727725" y="2006201"/>
+                  <a:pt x="714739" y="1997091"/>
+                  <a:pt x="710759" y="2013010"/>
+                </a:cubicBezTo>
+                <a:cubicBezTo>
+                  <a:pt x="707970" y="2027531"/>
+                  <a:pt x="700788" y="2054714"/>
+                  <a:pt x="697927" y="2069833"/>
+                </a:cubicBezTo>
+                <a:cubicBezTo>
+                  <a:pt x="685211" y="2080229"/>
+                  <a:pt x="698762" y="2088241"/>
+                  <a:pt x="693594" y="2103731"/>
+                </a:cubicBezTo>
+                <a:cubicBezTo>
+                  <a:pt x="688481" y="2110649"/>
+                  <a:pt x="687183" y="2115973"/>
+                  <a:pt x="691109" y="2124027"/>
+                </a:cubicBezTo>
+                <a:cubicBezTo>
+                  <a:pt x="666413" y="2155740"/>
+                  <a:pt x="688031" y="2144874"/>
+                  <a:pt x="676593" y="2176182"/>
+                </a:cubicBezTo>
+                <a:cubicBezTo>
+                  <a:pt x="665190" y="2202944"/>
+                  <a:pt x="656416" y="2233857"/>
+                  <a:pt x="633227" y="2258036"/>
+                </a:cubicBezTo>
+                <a:cubicBezTo>
+                  <a:pt x="626930" y="2262191"/>
+                  <a:pt x="623498" y="2274069"/>
+                  <a:pt x="625564" y="2284567"/>
+                </a:cubicBezTo>
+                <a:cubicBezTo>
+                  <a:pt x="625918" y="2286374"/>
+                  <a:pt x="626427" y="2288071"/>
+                  <a:pt x="627074" y="2289605"/>
+                </a:cubicBezTo>
+                <a:cubicBezTo>
+                  <a:pt x="619029" y="2296628"/>
+                  <a:pt x="616453" y="2303188"/>
+                  <a:pt x="614574" y="2308717"/>
+                </a:cubicBezTo>
+                <a:lnTo>
+                  <a:pt x="606890" y="2320662"/>
+                </a:lnTo>
+                <a:lnTo>
+                  <a:pt x="605558" y="2327897"/>
+                </a:lnTo>
+                <a:lnTo>
+                  <a:pt x="602202" y="2357749"/>
+                </a:lnTo>
+                <a:lnTo>
+                  <a:pt x="600213" y="2364905"/>
+                </a:lnTo>
+                <a:lnTo>
+                  <a:pt x="597160" y="2388351"/>
+                </a:lnTo>
+                <a:lnTo>
+                  <a:pt x="597982" y="2402296"/>
+                </a:lnTo>
+                <a:lnTo>
+                  <a:pt x="593150" y="2420015"/>
+                </a:lnTo>
+                <a:cubicBezTo>
+                  <a:pt x="593044" y="2420926"/>
+                  <a:pt x="592939" y="2421838"/>
+                  <a:pt x="592833" y="2422749"/>
+                </a:cubicBezTo>
+                <a:lnTo>
+                  <a:pt x="594479" y="2426002"/>
+                </a:lnTo>
+                <a:cubicBezTo>
+                  <a:pt x="594168" y="2427683"/>
+                  <a:pt x="593118" y="2429721"/>
+                  <a:pt x="591963" y="2431950"/>
+                </a:cubicBezTo>
+                <a:cubicBezTo>
+                  <a:pt x="591823" y="2432599"/>
+                  <a:pt x="591684" y="2433248"/>
+                  <a:pt x="591544" y="2433897"/>
+                </a:cubicBezTo>
+                <a:lnTo>
+                  <a:pt x="589519" y="2451398"/>
+                </a:lnTo>
+                <a:cubicBezTo>
+                  <a:pt x="589692" y="2452777"/>
+                  <a:pt x="589864" y="2454157"/>
+                  <a:pt x="590037" y="2455536"/>
+                </a:cubicBezTo>
+                <a:lnTo>
+                  <a:pt x="588179" y="2462981"/>
+                </a:lnTo>
+                <a:lnTo>
+                  <a:pt x="583434" y="2503991"/>
+                </a:lnTo>
+                <a:cubicBezTo>
+                  <a:pt x="576530" y="2566058"/>
+                  <a:pt x="570433" y="2625224"/>
+                  <a:pt x="567942" y="2652936"/>
+                </a:cubicBezTo>
+                <a:cubicBezTo>
+                  <a:pt x="570864" y="2658290"/>
+                  <a:pt x="572739" y="2664095"/>
+                  <a:pt x="573869" y="2670188"/>
+                </a:cubicBezTo>
+                <a:lnTo>
+                  <a:pt x="575243" y="2688114"/>
+                </a:lnTo>
+                <a:lnTo>
+                  <a:pt x="573824" y="2689856"/>
+                </a:lnTo>
+                <a:cubicBezTo>
+                  <a:pt x="569972" y="2698471"/>
+                  <a:pt x="569572" y="2704494"/>
+                  <a:pt x="570699" y="2709353"/>
+                </a:cubicBezTo>
+                <a:lnTo>
+                  <a:pt x="573192" y="2714527"/>
+                </a:lnTo>
+                <a:cubicBezTo>
+                  <a:pt x="572809" y="2719080"/>
+                  <a:pt x="572427" y="2723634"/>
+                  <a:pt x="572044" y="2728187"/>
+                </a:cubicBezTo>
+                <a:cubicBezTo>
+                  <a:pt x="572184" y="2737412"/>
+                  <a:pt x="572325" y="2746638"/>
+                  <a:pt x="572465" y="2755863"/>
+                </a:cubicBezTo>
+                <a:lnTo>
+                  <a:pt x="570028" y="2760324"/>
+                </a:lnTo>
+                <a:lnTo>
+                  <a:pt x="566748" y="2800948"/>
+                </a:lnTo>
+                <a:lnTo>
+                  <a:pt x="565509" y="2801167"/>
+                </a:lnTo>
+                <a:cubicBezTo>
+                  <a:pt x="562655" y="2802587"/>
+                  <a:pt x="560408" y="2805381"/>
+                  <a:pt x="559367" y="2811129"/>
+                </a:cubicBezTo>
+                <a:cubicBezTo>
+                  <a:pt x="543471" y="2797318"/>
+                  <a:pt x="552020" y="2812773"/>
+                  <a:pt x="550354" y="2830949"/>
+                </a:cubicBezTo>
+                <a:cubicBezTo>
+                  <a:pt x="525292" y="2813553"/>
+                  <a:pt x="531129" y="2868192"/>
+                  <a:pt x="514795" y="2872433"/>
+                </a:cubicBezTo>
+                <a:lnTo>
+                  <a:pt x="509875" y="2923099"/>
+                </a:lnTo>
+                <a:lnTo>
+                  <a:pt x="509577" y="2923197"/>
+                </a:lnTo>
+                <a:cubicBezTo>
+                  <a:pt x="508704" y="2924865"/>
+                  <a:pt x="508038" y="2927556"/>
+                  <a:pt x="507597" y="2931868"/>
+                </a:cubicBezTo>
+                <a:cubicBezTo>
+                  <a:pt x="507524" y="2934019"/>
+                  <a:pt x="507452" y="2936171"/>
+                  <a:pt x="507379" y="2938322"/>
+                </a:cubicBezTo>
+                <a:lnTo>
+                  <a:pt x="504725" y="2954519"/>
+                </a:lnTo>
+                <a:lnTo>
+                  <a:pt x="502018" y="2959643"/>
+                </a:lnTo>
+                <a:lnTo>
+                  <a:pt x="498360" y="2961019"/>
+                </a:lnTo>
+                <a:lnTo>
+                  <a:pt x="498483" y="2962590"/>
+                </a:lnTo>
+                <a:cubicBezTo>
+                  <a:pt x="502388" y="2975027"/>
+                  <a:pt x="510202" y="2980016"/>
+                  <a:pt x="484403" y="2990538"/>
+                </a:cubicBezTo>
+                <a:cubicBezTo>
+                  <a:pt x="489425" y="3018352"/>
+                  <a:pt x="474337" y="3021029"/>
+                  <a:pt x="463075" y="3055956"/>
+                </a:cubicBezTo>
+                <a:cubicBezTo>
+                  <a:pt x="469487" y="3072485"/>
+                  <a:pt x="464165" y="3083955"/>
+                  <a:pt x="455013" y="3094482"/>
+                </a:cubicBezTo>
+                <a:cubicBezTo>
+                  <a:pt x="453131" y="3130054"/>
+                  <a:pt x="437643" y="3160106"/>
+                  <a:pt x="428391" y="3198850"/>
+                </a:cubicBezTo>
+                <a:lnTo>
+                  <a:pt x="401440" y="3307560"/>
+                </a:lnTo>
+                <a:lnTo>
+                  <a:pt x="386076" y="3373943"/>
+                </a:lnTo>
+                <a:cubicBezTo>
+                  <a:pt x="386236" y="3376061"/>
+                  <a:pt x="380537" y="3378856"/>
+                  <a:pt x="374726" y="3381364"/>
+                </a:cubicBezTo>
+                <a:lnTo>
+                  <a:pt x="369145" y="3383729"/>
+                </a:lnTo>
+                <a:lnTo>
+                  <a:pt x="364294" y="3414159"/>
+                </a:lnTo>
+                <a:lnTo>
+                  <a:pt x="366450" y="3436925"/>
+                </a:lnTo>
+                <a:lnTo>
+                  <a:pt x="351743" y="3521619"/>
+                </a:lnTo>
+                <a:lnTo>
+                  <a:pt x="345784" y="3603757"/>
+                </a:lnTo>
+                <a:cubicBezTo>
+                  <a:pt x="345255" y="3619979"/>
+                  <a:pt x="344727" y="3636202"/>
+                  <a:pt x="344198" y="3652424"/>
+                </a:cubicBezTo>
+                <a:lnTo>
+                  <a:pt x="352450" y="3665222"/>
+                </a:lnTo>
+                <a:lnTo>
+                  <a:pt x="342621" y="3700804"/>
+                </a:lnTo>
+                <a:lnTo>
+                  <a:pt x="341514" y="3734774"/>
+                </a:lnTo>
+                <a:cubicBezTo>
+                  <a:pt x="341212" y="3751567"/>
+                  <a:pt x="340909" y="3768360"/>
+                  <a:pt x="340607" y="3785153"/>
+                </a:cubicBezTo>
+                <a:cubicBezTo>
+                  <a:pt x="340640" y="3786161"/>
+                  <a:pt x="340674" y="3787169"/>
+                  <a:pt x="340707" y="3788177"/>
+                </a:cubicBezTo>
+                <a:cubicBezTo>
+                  <a:pt x="340592" y="3791719"/>
+                  <a:pt x="340476" y="3795261"/>
+                  <a:pt x="340361" y="3798803"/>
+                </a:cubicBezTo>
+                <a:cubicBezTo>
+                  <a:pt x="340121" y="3812119"/>
+                  <a:pt x="339882" y="3825434"/>
+                  <a:pt x="339642" y="3838750"/>
+                </a:cubicBezTo>
+                <a:cubicBezTo>
+                  <a:pt x="337363" y="3949044"/>
+                  <a:pt x="361794" y="3960437"/>
+                  <a:pt x="360295" y="4015196"/>
+                </a:cubicBezTo>
+                <a:lnTo>
+                  <a:pt x="339043" y="4052778"/>
+                </a:lnTo>
+                <a:lnTo>
+                  <a:pt x="339343" y="4096257"/>
+                </a:lnTo>
+                <a:cubicBezTo>
+                  <a:pt x="362058" y="4159145"/>
+                  <a:pt x="332404" y="4250479"/>
+                  <a:pt x="340786" y="4321136"/>
+                </a:cubicBezTo>
+                <a:cubicBezTo>
+                  <a:pt x="341421" y="4376624"/>
+                  <a:pt x="344189" y="4407708"/>
+                  <a:pt x="343158" y="4429174"/>
+                </a:cubicBezTo>
+                <a:cubicBezTo>
+                  <a:pt x="340948" y="4436304"/>
+                  <a:pt x="337887" y="4443121"/>
+                  <a:pt x="334599" y="4449938"/>
+                </a:cubicBezTo>
+                <a:lnTo>
+                  <a:pt x="332890" y="4453515"/>
+                </a:lnTo>
+                <a:lnTo>
+                  <a:pt x="331105" y="4467941"/>
+                </a:lnTo>
+                <a:lnTo>
+                  <a:pt x="324289" y="4471861"/>
+                </a:lnTo>
+                <a:lnTo>
+                  <a:pt x="317079" y="4493468"/>
+                </a:lnTo>
+                <a:cubicBezTo>
+                  <a:pt x="315353" y="4501584"/>
+                  <a:pt x="314639" y="4510343"/>
+                  <a:pt x="315557" y="4520067"/>
+                </a:cubicBezTo>
+                <a:cubicBezTo>
+                  <a:pt x="315451" y="4525669"/>
+                  <a:pt x="315346" y="4531270"/>
+                  <a:pt x="315240" y="4536872"/>
+                </a:cubicBezTo>
+                <a:lnTo>
+                  <a:pt x="316200" y="4538297"/>
+                </a:lnTo>
+                <a:cubicBezTo>
+                  <a:pt x="316738" y="4541182"/>
+                  <a:pt x="316785" y="4544563"/>
+                  <a:pt x="317507" y="4547582"/>
+                </a:cubicBezTo>
+                <a:cubicBezTo>
+                  <a:pt x="322716" y="4552468"/>
+                  <a:pt x="324912" y="4582137"/>
+                  <a:pt x="323078" y="4592102"/>
+                </a:cubicBezTo>
+                <a:cubicBezTo>
+                  <a:pt x="314597" y="4619728"/>
+                  <a:pt x="334923" y="4645745"/>
+                  <a:pt x="328722" y="4667914"/>
+                </a:cubicBezTo>
+                <a:cubicBezTo>
+                  <a:pt x="330810" y="4685069"/>
+                  <a:pt x="333803" y="4690356"/>
+                  <a:pt x="335597" y="4695035"/>
+                </a:cubicBezTo>
+                <a:lnTo>
+                  <a:pt x="339485" y="4695979"/>
+                </a:lnTo>
+                <a:lnTo>
+                  <a:pt x="341089" y="4704268"/>
+                </a:lnTo>
+                <a:lnTo>
+                  <a:pt x="342177" y="4706060"/>
+                </a:lnTo>
+                <a:cubicBezTo>
+                  <a:pt x="344268" y="4709474"/>
+                  <a:pt x="346234" y="4712931"/>
+                  <a:pt x="347751" y="4716754"/>
+                </a:cubicBezTo>
+                <a:lnTo>
+                  <a:pt x="344125" y="4764669"/>
+                </a:lnTo>
+                <a:lnTo>
+                  <a:pt x="340188" y="4779386"/>
+                </a:lnTo>
+                <a:lnTo>
+                  <a:pt x="335146" y="4787491"/>
+                </a:lnTo>
+                <a:lnTo>
+                  <a:pt x="319124" y="4843514"/>
+                </a:lnTo>
+                <a:lnTo>
+                  <a:pt x="305956" y="4881505"/>
+                </a:lnTo>
+                <a:lnTo>
+                  <a:pt x="301062" y="4889332"/>
+                </a:lnTo>
+                <a:lnTo>
+                  <a:pt x="302141" y="4899400"/>
+                </a:lnTo>
+                <a:cubicBezTo>
+                  <a:pt x="302767" y="4900706"/>
+                  <a:pt x="303536" y="4901803"/>
+                  <a:pt x="304424" y="4902664"/>
+                </a:cubicBezTo>
+                <a:lnTo>
+                  <a:pt x="293123" y="4932769"/>
+                </a:lnTo>
+                <a:lnTo>
+                  <a:pt x="292275" y="4936482"/>
+                </a:lnTo>
+                <a:lnTo>
+                  <a:pt x="288304" y="4962325"/>
+                </a:lnTo>
+                <a:cubicBezTo>
+                  <a:pt x="288009" y="4988948"/>
+                  <a:pt x="287715" y="5015570"/>
+                  <a:pt x="287420" y="5042193"/>
+                </a:cubicBezTo>
+                <a:cubicBezTo>
+                  <a:pt x="295373" y="5039737"/>
+                  <a:pt x="281659" y="5060438"/>
+                  <a:pt x="287020" y="5065655"/>
+                </a:cubicBezTo>
+                <a:cubicBezTo>
+                  <a:pt x="291675" y="5068928"/>
+                  <a:pt x="288601" y="5075970"/>
+                  <a:pt x="288488" y="5082216"/>
+                </a:cubicBezTo>
+                <a:cubicBezTo>
+                  <a:pt x="292282" y="5088207"/>
+                  <a:pt x="287008" y="5117775"/>
+                  <a:pt x="282763" y="5127114"/>
+                </a:cubicBezTo>
+                <a:cubicBezTo>
+                  <a:pt x="267723" y="5152218"/>
+                  <a:pt x="280799" y="5182399"/>
+                  <a:pt x="269316" y="5202682"/>
+                </a:cubicBezTo>
+                <a:cubicBezTo>
+                  <a:pt x="267050" y="5219969"/>
+                  <a:pt x="268614" y="5225841"/>
+                  <a:pt x="269174" y="5230835"/>
+                </a:cubicBezTo>
+                <a:lnTo>
+                  <a:pt x="272679" y="5232660"/>
+                </a:lnTo>
+                <a:lnTo>
+                  <a:pt x="272160" y="5241150"/>
+                </a:lnTo>
+                <a:lnTo>
+                  <a:pt x="272760" y="5243156"/>
+                </a:lnTo>
+                <a:cubicBezTo>
+                  <a:pt x="273922" y="5246984"/>
+                  <a:pt x="274952" y="5250824"/>
+                  <a:pt x="275462" y="5254919"/>
+                </a:cubicBezTo>
+                <a:cubicBezTo>
+                  <a:pt x="258407" y="5258851"/>
+                  <a:pt x="276976" y="5290392"/>
+                  <a:pt x="262897" y="5286259"/>
+                </a:cubicBezTo>
+                <a:cubicBezTo>
+                  <a:pt x="262724" y="5309439"/>
+                  <a:pt x="239612" y="5337531"/>
+                  <a:pt x="252761" y="5357801"/>
+                </a:cubicBezTo>
+                <a:cubicBezTo>
+                  <a:pt x="248775" y="5392256"/>
+                  <a:pt x="247799" y="5423412"/>
+                  <a:pt x="242360" y="5460080"/>
+                </a:cubicBezTo>
+                <a:cubicBezTo>
+                  <a:pt x="232632" y="5488478"/>
+                  <a:pt x="242025" y="5519143"/>
+                  <a:pt x="229880" y="5539714"/>
+                </a:cubicBezTo>
+                <a:cubicBezTo>
+                  <a:pt x="230558" y="5572454"/>
+                  <a:pt x="222150" y="5613340"/>
+                  <a:pt x="204283" y="5639080"/>
+                </a:cubicBezTo>
+                <a:cubicBezTo>
+                  <a:pt x="201596" y="5674226"/>
+                  <a:pt x="191051" y="5680198"/>
+                  <a:pt x="198948" y="5710958"/>
+                </a:cubicBezTo>
+                <a:cubicBezTo>
+                  <a:pt x="196338" y="5713534"/>
+                  <a:pt x="194185" y="5716550"/>
+                  <a:pt x="192367" y="5719859"/>
+                </a:cubicBezTo>
+                <a:lnTo>
+                  <a:pt x="188035" y="5729935"/>
+                </a:lnTo>
+                <a:lnTo>
+                  <a:pt x="188428" y="5731182"/>
+                </a:lnTo>
+                <a:lnTo>
+                  <a:pt x="181635" y="5753538"/>
+                </a:lnTo>
+                <a:lnTo>
+                  <a:pt x="169744" y="5796307"/>
+                </a:lnTo>
+                <a:lnTo>
+                  <a:pt x="170351" y="5796644"/>
+                </a:lnTo>
+                <a:cubicBezTo>
+                  <a:pt x="171558" y="5797954"/>
+                  <a:pt x="172173" y="5799948"/>
+                  <a:pt x="171559" y="5803435"/>
+                </a:cubicBezTo>
+                <a:cubicBezTo>
+                  <a:pt x="182664" y="5798231"/>
+                  <a:pt x="175075" y="5805646"/>
+                  <a:pt x="172284" y="5816391"/>
+                </a:cubicBezTo>
+                <a:cubicBezTo>
+                  <a:pt x="188911" y="5810703"/>
+                  <a:pt x="174844" y="5841128"/>
+                  <a:pt x="182542" y="5846382"/>
+                </a:cubicBezTo>
+                <a:cubicBezTo>
+                  <a:pt x="180118" y="5854404"/>
+                  <a:pt x="177856" y="5862781"/>
+                  <a:pt x="175877" y="5871336"/>
+                </a:cubicBezTo>
+                <a:lnTo>
+                  <a:pt x="174910" y="5876376"/>
+                </a:lnTo>
+                <a:lnTo>
+                  <a:pt x="175047" y="5876483"/>
+                </a:lnTo>
+                <a:cubicBezTo>
+                  <a:pt x="175167" y="5877594"/>
+                  <a:pt x="174973" y="5879257"/>
+                  <a:pt x="174335" y="5881814"/>
+                </a:cubicBezTo>
+                <a:lnTo>
+                  <a:pt x="171273" y="5895339"/>
+                </a:lnTo>
+                <a:cubicBezTo>
+                  <a:pt x="171401" y="5896476"/>
+                  <a:pt x="171530" y="5897612"/>
+                  <a:pt x="171658" y="5898749"/>
+                </a:cubicBezTo>
+                <a:lnTo>
+                  <a:pt x="174658" y="5919558"/>
+                </a:lnTo>
+                <a:cubicBezTo>
+                  <a:pt x="173958" y="5933601"/>
+                  <a:pt x="171208" y="5962838"/>
+                  <a:pt x="169099" y="5984417"/>
+                </a:cubicBezTo>
+                <a:cubicBezTo>
+                  <a:pt x="162916" y="6005205"/>
+                  <a:pt x="164971" y="6025162"/>
+                  <a:pt x="162007" y="6049043"/>
+                </a:cubicBezTo>
+                <a:cubicBezTo>
+                  <a:pt x="150795" y="6073830"/>
+                  <a:pt x="160091" y="6088483"/>
+                  <a:pt x="156875" y="6114000"/>
+                </a:cubicBezTo>
+                <a:cubicBezTo>
+                  <a:pt x="141597" y="6134477"/>
+                  <a:pt x="163381" y="6133378"/>
+                  <a:pt x="165441" y="6146938"/>
+                </a:cubicBezTo>
+                <a:lnTo>
+                  <a:pt x="165177" y="6150658"/>
+                </a:lnTo>
+                <a:lnTo>
+                  <a:pt x="161772" y="6160011"/>
+                </a:lnTo>
+                <a:lnTo>
+                  <a:pt x="160051" y="6163393"/>
+                </a:lnTo>
+                <a:cubicBezTo>
+                  <a:pt x="159032" y="6165775"/>
+                  <a:pt x="158564" y="6167421"/>
+                  <a:pt x="158473" y="6168628"/>
+                </a:cubicBezTo>
+                <a:cubicBezTo>
+                  <a:pt x="158506" y="6168685"/>
+                  <a:pt x="158540" y="6168742"/>
+                  <a:pt x="158573" y="6168799"/>
+                </a:cubicBezTo>
+                <a:lnTo>
+                  <a:pt x="146463" y="6196671"/>
+                </a:lnTo>
+                <a:cubicBezTo>
+                  <a:pt x="152348" y="6205503"/>
+                  <a:pt x="134460" y="6231012"/>
+                  <a:pt x="150209" y="6232365"/>
+                </a:cubicBezTo>
+                <a:cubicBezTo>
+                  <a:pt x="145821" y="6242321"/>
+                  <a:pt x="137774" y="6246719"/>
+                  <a:pt x="148544" y="6246162"/>
+                </a:cubicBezTo>
+                <a:cubicBezTo>
+                  <a:pt x="147378" y="6249522"/>
+                  <a:pt x="147566" y="6251866"/>
+                  <a:pt x="148403" y="6253754"/>
+                </a:cubicBezTo>
+                <a:lnTo>
+                  <a:pt x="138880" y="6276449"/>
+                </a:lnTo>
+                <a:cubicBezTo>
+                  <a:pt x="138814" y="6277540"/>
+                  <a:pt x="138749" y="6278630"/>
+                  <a:pt x="138683" y="6279721"/>
+                </a:cubicBezTo>
+                <a:lnTo>
+                  <a:pt x="130721" y="6293675"/>
+                </a:lnTo>
+                <a:lnTo>
+                  <a:pt x="120717" y="6313967"/>
+                </a:lnTo>
+                <a:cubicBezTo>
+                  <a:pt x="120758" y="6314457"/>
+                  <a:pt x="120800" y="6314947"/>
+                  <a:pt x="120841" y="6315437"/>
+                </a:cubicBezTo>
+                <a:lnTo>
+                  <a:pt x="115208" y="6324024"/>
+                </a:lnTo>
+                <a:cubicBezTo>
+                  <a:pt x="113007" y="6326672"/>
+                  <a:pt x="103991" y="6364381"/>
+                  <a:pt x="101217" y="6365923"/>
+                </a:cubicBezTo>
+                <a:lnTo>
+                  <a:pt x="74946" y="6556817"/>
+                </a:lnTo>
+                <a:cubicBezTo>
+                  <a:pt x="55357" y="6665926"/>
+                  <a:pt x="35695" y="6744075"/>
+                  <a:pt x="16001" y="6808678"/>
+                </a:cubicBezTo>
+                <a:lnTo>
+                  <a:pt x="0" y="6858000"/>
+                </a:lnTo>
+                <a:lnTo>
+                  <a:pt x="5734864" y="6858000"/>
+                </a:lnTo>
+                <a:lnTo>
+                  <a:pt x="5734864" y="0"/>
+                </a:lnTo>
+                <a:close/>
+              </a:path>
+            </a:pathLst>
+          </a:custGeom>
           <a:solidFill>
-            <a:schemeClr val="accent4"/>
+            <a:srgbClr val="82766A">
+              <a:alpha val="15000"/>
+            </a:srgbClr>
           </a:solidFill>
-          <a:ln>
+          <a:ln w="12700" cap="flat" cmpd="sng" algn="ctr">
             <a:noFill/>
+            <a:prstDash val="solid"/>
+            <a:miter lim="800000"/>
           </a:ln>
+          <a:effectLst/>
         </p:spPr>
         <p:style>
           <a:lnRef idx="2">
@@ -10495,90 +12688,328 @@
           </a:fontRef>
         </p:style>
         <p:txBody>
-          <a:bodyPr rtlCol="0" anchor="ctr"/>
+          <a:bodyPr wrap="square" rtlCol="0" anchor="ctr">
+            <a:noAutofit/>
+          </a:bodyPr>
           <a:lstStyle/>
           <a:p>
             <a:pPr algn="ctr"/>
-            <a:endParaRPr lang="en-US" dirty="0"/>
-          </a:p>
-        </p:txBody>
-      </p:sp>
-      <p:sp>
-        <p:nvSpPr>
-          <p:cNvPr id="73" name="Rectangle 52">
-            <a:extLst>
-              <a:ext uri="{FF2B5EF4-FFF2-40B4-BE49-F238E27FC236}">
-                <a16:creationId xmlns:a16="http://schemas.microsoft.com/office/drawing/2014/main" id="{04357C93-F0CB-4A1C-8F77-4E9063789819}"/>
-              </a:ext>
-              <a:ext uri="{C183D7F6-B498-43B3-948B-1728B52AA6E4}">
-                <adec:decorative xmlns:adec="http://schemas.microsoft.com/office/drawing/2017/decorative" val="1"/>
-              </a:ext>
-            </a:extLst>
-          </p:cNvPr>
-          <p:cNvSpPr>
-            <a:spLocks noGrp="1" noRot="1" noChangeAspect="1" noMove="1" noResize="1" noEditPoints="1" noAdjustHandles="1" noChangeArrowheads="1" noChangeShapeType="1" noTextEdit="1"/>
-          </p:cNvSpPr>
-          <p:nvPr>
-            <p:extLst>
-              <p:ext uri="{386F3935-93C4-4BCD-93E2-E3B085C9AB24}">
-                <p16:designElem xmlns:p16="http://schemas.microsoft.com/office/powerpoint/2015/main" val="1"/>
-              </p:ext>
-            </p:extLst>
+            <a:endParaRPr lang="en-US"/>
+          </a:p>
+        </p:txBody>
+      </p:sp>
+      <p:sp>
+        <p:nvSpPr>
+          <p:cNvPr id="2" name="Title 1">
+            <a:extLst>
+              <a:ext uri="{FF2B5EF4-FFF2-40B4-BE49-F238E27FC236}">
+                <a16:creationId xmlns:a16="http://schemas.microsoft.com/office/drawing/2014/main" id="{4518FC28-E0BD-4387-B8BE-9965D1A57FF1}"/>
+              </a:ext>
+            </a:extLst>
+          </p:cNvPr>
+          <p:cNvSpPr>
+            <a:spLocks noGrp="1"/>
+          </p:cNvSpPr>
+          <p:nvPr>
+            <p:ph type="title"/>
           </p:nvPr>
         </p:nvSpPr>
         <p:spPr>
           <a:xfrm>
-            <a:off x="302085" y="664308"/>
-            <a:ext cx="8082632" cy="5600340"/>
+            <a:off x="670517" y="-174232"/>
+            <a:ext cx="3616913" cy="2795160"/>
           </a:xfrm>
-          <a:prstGeom prst="rect">
-            <a:avLst/>
-          </a:prstGeom>
-          <a:solidFill>
-            <a:schemeClr val="bg1"/>
-          </a:solidFill>
-          <a:ln>
-            <a:noFill/>
-          </a:ln>
-          <a:effectLst>
-            <a:outerShdw blurRad="139700" dist="127000" dir="5400000" algn="t" rotWithShape="0">
-              <a:prstClr val="black">
-                <a:alpha val="15000"/>
-              </a:prstClr>
-            </a:outerShdw>
-          </a:effectLst>
         </p:spPr>
-        <p:style>
-          <a:lnRef idx="2">
-            <a:schemeClr val="accent1">
-              <a:shade val="50000"/>
-            </a:schemeClr>
-          </a:lnRef>
-          <a:fillRef idx="1">
-            <a:schemeClr val="accent1"/>
-          </a:fillRef>
-          <a:effectRef idx="0">
-            <a:schemeClr val="accent1"/>
-          </a:effectRef>
-          <a:fontRef idx="minor">
-            <a:schemeClr val="lt1"/>
-          </a:fontRef>
-        </p:style>
-        <p:txBody>
-          <a:bodyPr rtlCol="0" anchor="ctr"/>
+        <p:txBody>
+          <a:bodyPr vert="horz" lIns="91440" tIns="45720" rIns="91440" bIns="45720" rtlCol="0" anchor="b">
+            <a:normAutofit/>
+          </a:bodyPr>
           <a:lstStyle/>
           <a:p>
             <a:pPr algn="ctr"/>
-            <a:endParaRPr lang="en-US"/>
+            <a:r>
+              <a:rPr lang="en-US" sz="4400" kern="1200" dirty="0">
+                <a:solidFill>
+                  <a:schemeClr val="tx1"/>
+                </a:solidFill>
+                <a:latin typeface="+mj-lt"/>
+                <a:ea typeface="+mj-ea"/>
+                <a:cs typeface="+mj-cs"/>
+              </a:rPr>
+              <a:t>UML Class Diagram</a:t>
+            </a:r>
+          </a:p>
+        </p:txBody>
+      </p:sp>
+      <p:sp>
+        <p:nvSpPr>
+          <p:cNvPr id="3" name="Text Placeholder 2">
+            <a:extLst>
+              <a:ext uri="{FF2B5EF4-FFF2-40B4-BE49-F238E27FC236}">
+                <a16:creationId xmlns:a16="http://schemas.microsoft.com/office/drawing/2014/main" id="{FED19BCA-B61F-4EA6-A1FB-CCA3BD8506FB}"/>
+              </a:ext>
+            </a:extLst>
+          </p:cNvPr>
+          <p:cNvSpPr>
+            <a:spLocks noGrp="1"/>
+          </p:cNvSpPr>
+          <p:nvPr>
+            <p:ph type="body" idx="1"/>
+          </p:nvPr>
+        </p:nvSpPr>
+        <p:spPr>
+          <a:xfrm>
+            <a:off x="996287" y="2795161"/>
+            <a:ext cx="3125337" cy="3475010"/>
+          </a:xfrm>
+        </p:spPr>
+        <p:txBody>
+          <a:bodyPr vert="horz" lIns="91440" tIns="45720" rIns="91440" bIns="45720" rtlCol="0">
+            <a:normAutofit fontScale="92500" lnSpcReduction="20000"/>
+          </a:bodyPr>
+          <a:lstStyle/>
+          <a:p>
+            <a:pPr algn="ctr">
+              <a:lnSpc>
+                <a:spcPct val="90000"/>
+              </a:lnSpc>
+            </a:pPr>
+            <a:r>
+              <a:rPr lang="en-US" sz="1200" b="1" kern="1200" dirty="0">
+                <a:solidFill>
+                  <a:schemeClr val="tx1"/>
+                </a:solidFill>
+                <a:latin typeface="+mn-lt"/>
+                <a:ea typeface="+mn-ea"/>
+                <a:cs typeface="+mn-cs"/>
+              </a:rPr>
+              <a:t>Login class</a:t>
+            </a:r>
+            <a:r>
+              <a:rPr lang="en-US" sz="1200" kern="1200" dirty="0">
+                <a:solidFill>
+                  <a:schemeClr val="tx1"/>
+                </a:solidFill>
+                <a:latin typeface="+mn-lt"/>
+                <a:ea typeface="+mn-ea"/>
+                <a:cs typeface="+mn-cs"/>
+              </a:rPr>
+              <a:t>: Handles user authentication. Extends </a:t>
+            </a:r>
+            <a:r>
+              <a:rPr lang="en-US" sz="1200" kern="1200" dirty="0" err="1">
+                <a:solidFill>
+                  <a:schemeClr val="tx1"/>
+                </a:solidFill>
+                <a:latin typeface="+mn-lt"/>
+                <a:ea typeface="+mn-ea"/>
+                <a:cs typeface="+mn-cs"/>
+              </a:rPr>
+              <a:t>Jframe</a:t>
+            </a:r>
+            <a:r>
+              <a:rPr lang="en-US" sz="1200" kern="1200" dirty="0">
+                <a:solidFill>
+                  <a:schemeClr val="tx1"/>
+                </a:solidFill>
+                <a:latin typeface="+mn-lt"/>
+                <a:ea typeface="+mn-ea"/>
+                <a:cs typeface="+mn-cs"/>
+              </a:rPr>
+              <a:t> class which allows it to create the application window.  Also instantiating the Rules class.</a:t>
+            </a:r>
+          </a:p>
+          <a:p>
+            <a:pPr algn="ctr">
+              <a:lnSpc>
+                <a:spcPct val="90000"/>
+              </a:lnSpc>
+            </a:pPr>
+            <a:r>
+              <a:rPr lang="en-US" sz="1200" b="1" kern="1200" dirty="0">
+                <a:solidFill>
+                  <a:schemeClr val="tx1"/>
+                </a:solidFill>
+                <a:latin typeface="+mn-lt"/>
+                <a:ea typeface="+mn-ea"/>
+                <a:cs typeface="+mn-cs"/>
+              </a:rPr>
+              <a:t>Rules class</a:t>
+            </a:r>
+            <a:r>
+              <a:rPr lang="en-US" sz="1200" kern="1200" dirty="0">
+                <a:solidFill>
+                  <a:schemeClr val="tx1"/>
+                </a:solidFill>
+                <a:latin typeface="+mn-lt"/>
+                <a:ea typeface="+mn-ea"/>
+                <a:cs typeface="+mn-cs"/>
+              </a:rPr>
+              <a:t>: Presents quiz rules and guidelines. Receives users name from the login class and creates an instance of the quiz class when the start button is pressed</a:t>
+            </a:r>
+          </a:p>
+          <a:p>
+            <a:pPr algn="ctr">
+              <a:lnSpc>
+                <a:spcPct val="90000"/>
+              </a:lnSpc>
+            </a:pPr>
+            <a:r>
+              <a:rPr lang="en-US" sz="1200" b="1" kern="1200" dirty="0">
+                <a:solidFill>
+                  <a:schemeClr val="tx1"/>
+                </a:solidFill>
+                <a:latin typeface="+mn-lt"/>
+                <a:ea typeface="+mn-ea"/>
+                <a:cs typeface="+mn-cs"/>
+              </a:rPr>
+              <a:t>Quiz class: Displays</a:t>
+            </a:r>
+            <a:r>
+              <a:rPr lang="en-US" sz="1200" kern="1200" dirty="0">
+                <a:solidFill>
+                  <a:schemeClr val="tx1"/>
+                </a:solidFill>
+                <a:latin typeface="+mn-lt"/>
+                <a:ea typeface="+mn-ea"/>
+                <a:cs typeface="+mn-cs"/>
+              </a:rPr>
+              <a:t> quiz question manages quiz process, questions, user answers, and score calculation. Also has a timer and lifeline object.</a:t>
+            </a:r>
+          </a:p>
+          <a:p>
+            <a:pPr algn="ctr">
+              <a:lnSpc>
+                <a:spcPct val="90000"/>
+              </a:lnSpc>
+            </a:pPr>
+            <a:r>
+              <a:rPr lang="en-US" sz="1200" b="1" kern="1200" dirty="0">
+                <a:solidFill>
+                  <a:schemeClr val="tx1"/>
+                </a:solidFill>
+                <a:latin typeface="+mn-lt"/>
+                <a:ea typeface="+mn-ea"/>
+                <a:cs typeface="+mn-cs"/>
+              </a:rPr>
+              <a:t>Score class</a:t>
+            </a:r>
+            <a:r>
+              <a:rPr lang="en-US" sz="1200" kern="1200" dirty="0">
+                <a:solidFill>
+                  <a:schemeClr val="tx1"/>
+                </a:solidFill>
+                <a:latin typeface="+mn-lt"/>
+                <a:ea typeface="+mn-ea"/>
+                <a:cs typeface="+mn-cs"/>
+              </a:rPr>
+              <a:t>: Displays user's performance and correct answers.</a:t>
+            </a:r>
+          </a:p>
+          <a:p>
+            <a:pPr algn="ctr">
+              <a:lnSpc>
+                <a:spcPct val="90000"/>
+              </a:lnSpc>
+            </a:pPr>
+            <a:r>
+              <a:rPr lang="en-US" sz="1200" kern="1200" dirty="0">
+                <a:solidFill>
+                  <a:schemeClr val="tx1"/>
+                </a:solidFill>
+                <a:latin typeface="+mn-lt"/>
+                <a:ea typeface="+mn-ea"/>
+                <a:cs typeface="+mn-cs"/>
+              </a:rPr>
+              <a:t>The UML Class Diagram highlights their relationship and ensures a well-structured, modular design.</a:t>
+            </a:r>
+          </a:p>
+          <a:p>
+            <a:pPr algn="ctr">
+              <a:lnSpc>
+                <a:spcPct val="90000"/>
+              </a:lnSpc>
+            </a:pPr>
+            <a:r>
+              <a:rPr lang="en-US" sz="1200" kern="1200" dirty="0">
+                <a:solidFill>
+                  <a:schemeClr val="tx1"/>
+                </a:solidFill>
+                <a:latin typeface="+mn-lt"/>
+                <a:ea typeface="+mn-ea"/>
+                <a:cs typeface="+mn-cs"/>
+              </a:rPr>
+              <a:t>The Login class leads to the Rules class, which then moves to the Quiz class, and finally ends at the Score class. and the classes are connected by passing data between them, such as the user's name, score, and question-related information.</a:t>
+            </a:r>
+          </a:p>
+          <a:p>
+            <a:pPr algn="ctr">
+              <a:lnSpc>
+                <a:spcPct val="90000"/>
+              </a:lnSpc>
+            </a:pPr>
+            <a:endParaRPr lang="en-US" sz="500" kern="1200" dirty="0">
+              <a:solidFill>
+                <a:schemeClr val="tx1"/>
+              </a:solidFill>
+              <a:latin typeface="+mn-lt"/>
+              <a:ea typeface="+mn-ea"/>
+              <a:cs typeface="+mn-cs"/>
+            </a:endParaRPr>
+          </a:p>
+          <a:p>
+            <a:pPr algn="ctr">
+              <a:lnSpc>
+                <a:spcPct val="90000"/>
+              </a:lnSpc>
+            </a:pPr>
+            <a:endParaRPr lang="en-US" sz="500" kern="1200" dirty="0">
+              <a:solidFill>
+                <a:schemeClr val="tx1"/>
+              </a:solidFill>
+              <a:latin typeface="+mn-lt"/>
+              <a:ea typeface="+mn-ea"/>
+              <a:cs typeface="+mn-cs"/>
+            </a:endParaRPr>
+          </a:p>
+          <a:p>
+            <a:pPr algn="ctr">
+              <a:lnSpc>
+                <a:spcPct val="90000"/>
+              </a:lnSpc>
+            </a:pPr>
+            <a:endParaRPr lang="en-US" sz="500" kern="1200" dirty="0">
+              <a:solidFill>
+                <a:schemeClr val="tx1"/>
+              </a:solidFill>
+              <a:latin typeface="+mn-lt"/>
+              <a:ea typeface="+mn-ea"/>
+              <a:cs typeface="+mn-cs"/>
+            </a:endParaRPr>
+          </a:p>
+          <a:p>
+            <a:pPr algn="ctr">
+              <a:lnSpc>
+                <a:spcPct val="90000"/>
+              </a:lnSpc>
+            </a:pPr>
+            <a:endParaRPr lang="en-US" sz="500" kern="1200" dirty="0">
+              <a:solidFill>
+                <a:schemeClr val="tx1"/>
+              </a:solidFill>
+              <a:latin typeface="+mn-lt"/>
+              <a:ea typeface="+mn-ea"/>
+              <a:cs typeface="+mn-cs"/>
+            </a:endParaRPr>
           </a:p>
         </p:txBody>
       </p:sp>
       <p:pic>
         <p:nvPicPr>
-          <p:cNvPr id="10" name="Picture 11" descr="A picture containing graphical user interface&#10;&#10;Description automatically generated">
-            <a:extLst>
-              <a:ext uri="{FF2B5EF4-FFF2-40B4-BE49-F238E27FC236}">
-                <a16:creationId xmlns:a16="http://schemas.microsoft.com/office/drawing/2014/main" id="{5236E55B-BEC6-3D9D-8FA1-1DA0ADE1A552}"/>
+          <p:cNvPr id="9" name="Picture 8" descr="A screenshot of a computer&#10;&#10;Description automatically generated">
+            <a:extLst>
+              <a:ext uri="{FF2B5EF4-FFF2-40B4-BE49-F238E27FC236}">
+                <a16:creationId xmlns:a16="http://schemas.microsoft.com/office/drawing/2014/main" id="{2BC6F56B-915E-0866-11F0-C56CA713E392}"/>
               </a:ext>
             </a:extLst>
           </p:cNvPr>
@@ -10587,183 +13018,21 @@
           </p:cNvPicPr>
           <p:nvPr/>
         </p:nvPicPr>
-        <p:blipFill>
+        <p:blipFill rotWithShape="1">
           <a:blip r:embed="rId2"/>
-          <a:stretch>
-            <a:fillRect/>
-          </a:stretch>
+          <a:srcRect l="16985" t="27255" r="39339" b="13137"/>
+          <a:stretch/>
         </p:blipFill>
         <p:spPr>
           <a:xfrm>
-            <a:off x="545238" y="896675"/>
-            <a:ext cx="7608304" cy="5135605"/>
+            <a:off x="5870677" y="1075765"/>
+            <a:ext cx="5325036" cy="4087906"/>
           </a:xfrm>
           <a:prstGeom prst="rect">
             <a:avLst/>
           </a:prstGeom>
         </p:spPr>
       </p:pic>
-      <p:sp>
-        <p:nvSpPr>
-          <p:cNvPr id="74" name="Rectangle 54">
-            <a:extLst>
-              <a:ext uri="{FF2B5EF4-FFF2-40B4-BE49-F238E27FC236}">
-                <a16:creationId xmlns:a16="http://schemas.microsoft.com/office/drawing/2014/main" id="{90F533E9-6690-41A8-A372-4C6C622D028D}"/>
-              </a:ext>
-              <a:ext uri="{C183D7F6-B498-43B3-948B-1728B52AA6E4}">
-                <adec:decorative xmlns:adec="http://schemas.microsoft.com/office/drawing/2017/decorative" val="1"/>
-              </a:ext>
-            </a:extLst>
-          </p:cNvPr>
-          <p:cNvSpPr>
-            <a:spLocks noGrp="1" noRot="1" noChangeAspect="1" noMove="1" noResize="1" noEditPoints="1" noAdjustHandles="1" noChangeArrowheads="1" noChangeShapeType="1" noTextEdit="1"/>
-          </p:cNvSpPr>
-          <p:nvPr>
-            <p:extLst>
-              <p:ext uri="{386F3935-93C4-4BCD-93E2-E3B085C9AB24}">
-                <p16:designElem xmlns:p16="http://schemas.microsoft.com/office/powerpoint/2015/main" val="1"/>
-              </p:ext>
-            </p:extLst>
-          </p:nvPr>
-        </p:nvSpPr>
-        <p:spPr>
-          <a:xfrm rot="5400000">
-            <a:off x="7950447" y="3392097"/>
-            <a:ext cx="1719072" cy="152382"/>
-          </a:xfrm>
-          <a:prstGeom prst="rect">
-            <a:avLst/>
-          </a:prstGeom>
-          <a:solidFill>
-            <a:schemeClr val="accent4"/>
-          </a:solidFill>
-          <a:ln>
-            <a:noFill/>
-          </a:ln>
-        </p:spPr>
-        <p:style>
-          <a:lnRef idx="2">
-            <a:schemeClr val="accent1">
-              <a:shade val="50000"/>
-            </a:schemeClr>
-          </a:lnRef>
-          <a:fillRef idx="1">
-            <a:schemeClr val="accent1"/>
-          </a:fillRef>
-          <a:effectRef idx="0">
-            <a:schemeClr val="accent1"/>
-          </a:effectRef>
-          <a:fontRef idx="minor">
-            <a:schemeClr val="lt1"/>
-          </a:fontRef>
-        </p:style>
-        <p:txBody>
-          <a:bodyPr rtlCol="0" anchor="ctr"/>
-          <a:lstStyle/>
-          <a:p>
-            <a:pPr algn="ctr"/>
-            <a:endParaRPr lang="en-US"/>
-          </a:p>
-        </p:txBody>
-      </p:sp>
-      <p:sp>
-        <p:nvSpPr>
-          <p:cNvPr id="5" name="Footer Placeholder 4">
-            <a:extLst>
-              <a:ext uri="{FF2B5EF4-FFF2-40B4-BE49-F238E27FC236}">
-                <a16:creationId xmlns:a16="http://schemas.microsoft.com/office/drawing/2014/main" id="{4135E32A-1A8C-43D2-9C6E-12887B4DEDFB}"/>
-              </a:ext>
-            </a:extLst>
-          </p:cNvPr>
-          <p:cNvSpPr>
-            <a:spLocks noGrp="1"/>
-          </p:cNvSpPr>
-          <p:nvPr>
-            <p:ph type="ftr" sz="quarter" idx="11"/>
-          </p:nvPr>
-        </p:nvSpPr>
-        <p:spPr>
-          <a:xfrm>
-            <a:off x="4038600" y="6492240"/>
-            <a:ext cx="4114800" cy="365125"/>
-          </a:xfrm>
-        </p:spPr>
-        <p:txBody>
-          <a:bodyPr vert="horz" lIns="91440" tIns="45720" rIns="91440" bIns="45720" rtlCol="0" anchor="ctr">
-            <a:normAutofit/>
-          </a:bodyPr>
-          <a:lstStyle/>
-          <a:p>
-            <a:pPr>
-              <a:spcAft>
-                <a:spcPts val="600"/>
-              </a:spcAft>
-              <a:defRPr/>
-            </a:pPr>
-            <a:r>
-              <a:rPr lang="en-US" sz="1200" kern="1200">
-                <a:solidFill>
-                  <a:schemeClr val="tx1">
-                    <a:tint val="75000"/>
-                  </a:schemeClr>
-                </a:solidFill>
-                <a:latin typeface="+mn-lt"/>
-                <a:ea typeface="+mn-ea"/>
-                <a:cs typeface="+mn-cs"/>
-              </a:rPr>
-              <a:t>PRESENTATION TITLE</a:t>
-            </a:r>
-          </a:p>
-        </p:txBody>
-      </p:sp>
-      <p:sp>
-        <p:nvSpPr>
-          <p:cNvPr id="6" name="Slide Number Placeholder 5">
-            <a:extLst>
-              <a:ext uri="{FF2B5EF4-FFF2-40B4-BE49-F238E27FC236}">
-                <a16:creationId xmlns:a16="http://schemas.microsoft.com/office/drawing/2014/main" id="{7C4B8313-9270-4128-8674-3A3E42B806BC}"/>
-              </a:ext>
-            </a:extLst>
-          </p:cNvPr>
-          <p:cNvSpPr>
-            <a:spLocks noGrp="1"/>
-          </p:cNvSpPr>
-          <p:nvPr>
-            <p:ph type="sldNum" sz="quarter" idx="12"/>
-          </p:nvPr>
-        </p:nvSpPr>
-        <p:spPr>
-          <a:xfrm>
-            <a:off x="8610599" y="6492240"/>
-            <a:ext cx="3126933" cy="365125"/>
-          </a:xfrm>
-        </p:spPr>
-        <p:txBody>
-          <a:bodyPr vert="horz" lIns="91440" tIns="45720" rIns="91440" bIns="45720" rtlCol="0" anchor="ctr">
-            <a:normAutofit/>
-          </a:bodyPr>
-          <a:lstStyle/>
-          <a:p>
-            <a:pPr>
-              <a:spcAft>
-                <a:spcPts val="600"/>
-              </a:spcAft>
-              <a:defRPr/>
-            </a:pPr>
-            <a:fld id="{A49DFD55-3C28-40EF-9E31-A92D2E4017FF}" type="slidenum">
-              <a:rPr lang="en-US" sz="1200"/>
-              <a:pPr>
-                <a:spcAft>
-                  <a:spcPts val="600"/>
-                </a:spcAft>
-                <a:defRPr/>
-              </a:pPr>
-              <a:t>5</a:t>
-            </a:fld>
-            <a:endParaRPr lang="en-US" sz="1200"/>
-          </a:p>
-        </p:txBody>
-      </p:sp>
     </p:spTree>
     <p:extLst>
       <p:ext uri="{BB962C8B-B14F-4D97-AF65-F5344CB8AC3E}">
@@ -10841,7 +13110,7 @@
         <p:spPr/>
         <p:txBody>
           <a:bodyPr vert="horz" lIns="91440" tIns="45720" rIns="91440" bIns="45720" rtlCol="0" anchor="t">
-            <a:normAutofit fontScale="85000" lnSpcReduction="10000"/>
+            <a:normAutofit fontScale="47500" lnSpcReduction="20000"/>
           </a:bodyPr>
           <a:lstStyle/>
           <a:p>
@@ -10851,7 +13120,7 @@
             </a:pPr>
             <a:r>
               <a:rPr lang="en-US" dirty="0"/>
-              <a:t>I learned how to use java swings more efficiently and able to understand them more</a:t>
+              <a:t>I learned how to use java swing library more efficiently and able to understand them more and apply these principles in real world scenarios.</a:t>
             </a:r>
           </a:p>
           <a:p>
@@ -10861,7 +13130,7 @@
             </a:pPr>
             <a:r>
               <a:rPr lang="en-US" dirty="0"/>
-              <a:t>Apply these principles in real world scenarios </a:t>
+              <a:t> how to handle various user events, such as button clicks and text field input, to create interactive and responsive applications.</a:t>
             </a:r>
           </a:p>
           <a:p>
@@ -10871,66 +13140,28 @@
             </a:pPr>
             <a:r>
               <a:rPr lang="en-US" dirty="0"/>
-              <a:t>Got a better understanding of OOP concepts such as inheritance, encapsulation and polymorphism.</a:t>
-            </a:r>
-          </a:p>
-        </p:txBody>
-      </p:sp>
-      <p:sp>
-        <p:nvSpPr>
-          <p:cNvPr id="4" name="Footer Placeholder 3">
-            <a:extLst>
-              <a:ext uri="{FF2B5EF4-FFF2-40B4-BE49-F238E27FC236}">
-                <a16:creationId xmlns:a16="http://schemas.microsoft.com/office/drawing/2014/main" id="{464D1F2C-40E5-EAA5-2F92-19BDD833BEF2}"/>
-              </a:ext>
-            </a:extLst>
-          </p:cNvPr>
-          <p:cNvSpPr>
-            <a:spLocks noGrp="1"/>
-          </p:cNvSpPr>
-          <p:nvPr>
-            <p:ph type="ftr" sz="quarter" idx="11"/>
-          </p:nvPr>
-        </p:nvSpPr>
-        <p:spPr/>
-        <p:txBody>
-          <a:bodyPr/>
-          <a:lstStyle/>
-          <a:p>
-            <a:r>
-              <a:rPr lang="en-US"/>
-              <a:t>PRESENTATION TITLE</a:t>
-            </a:r>
-          </a:p>
-        </p:txBody>
-      </p:sp>
-      <p:sp>
-        <p:nvSpPr>
-          <p:cNvPr id="5" name="Slide Number Placeholder 4">
-            <a:extLst>
-              <a:ext uri="{FF2B5EF4-FFF2-40B4-BE49-F238E27FC236}">
-                <a16:creationId xmlns:a16="http://schemas.microsoft.com/office/drawing/2014/main" id="{07811F88-188D-E1F4-ECE4-A1CE01C75233}"/>
-              </a:ext>
-            </a:extLst>
-          </p:cNvPr>
-          <p:cNvSpPr>
-            <a:spLocks noGrp="1"/>
-          </p:cNvSpPr>
-          <p:nvPr>
-            <p:ph type="sldNum" sz="quarter" idx="12"/>
-          </p:nvPr>
-        </p:nvSpPr>
-        <p:spPr/>
-        <p:txBody>
-          <a:bodyPr/>
-          <a:lstStyle/>
-          <a:p>
-            <a:fld id="{A49DFD55-3C28-40EF-9E31-A92D2E4017FF}" type="slidenum">
-              <a:rPr lang="en-US" smtClean="0"/>
-              <a:pPr/>
-              <a:t>6</a:t>
-            </a:fld>
-            <a:endParaRPr lang="en-US"/>
+              <a:t>Got a better understanding of OOP concepts such as inheritance, encapsulation and link classes </a:t>
+            </a:r>
+          </a:p>
+          <a:p>
+            <a:pPr marL="285750" indent="-285750">
+              <a:buFont typeface="Calibri" panose="020B0604020202020204" pitchFamily="34" charset="0"/>
+              <a:buChar char="-"/>
+            </a:pPr>
+            <a:r>
+              <a:rPr lang="en-US" dirty="0"/>
+              <a:t>Learned how to use different IDES such as NetBeans and eclipse incorporate GUIs with them</a:t>
+            </a:r>
+          </a:p>
+          <a:p>
+            <a:pPr marL="285750" indent="-285750">
+              <a:buFont typeface="Calibri" panose="020B0604020202020204" pitchFamily="34" charset="0"/>
+              <a:buChar char="-"/>
+            </a:pPr>
+            <a:r>
+              <a:rPr lang="en-US" dirty="0"/>
+              <a:t>Timer implementation: Learned to  includes a timer that counts down during the quiz helped which learn about Java's timer functionality and its application in real-world scenarios.</a:t>
+            </a:r>
           </a:p>
         </p:txBody>
       </p:sp>
@@ -11011,7 +13242,7 @@
         <p:spPr/>
         <p:txBody>
           <a:bodyPr vert="horz" lIns="91440" tIns="45720" rIns="91440" bIns="45720" rtlCol="0" anchor="t">
-            <a:normAutofit/>
+            <a:normAutofit fontScale="92500"/>
           </a:bodyPr>
           <a:lstStyle/>
           <a:p>
@@ -11021,7 +13252,7 @@
             </a:pPr>
             <a:r>
               <a:rPr lang="en-US" dirty="0"/>
-              <a:t>In the future I would like to create a mobile version on an app so it can be more portable and convenient</a:t>
+              <a:t>In the future I would like to create a mobile version  app so it can be more portable and convenient for the user.</a:t>
             </a:r>
           </a:p>
           <a:p>
@@ -11033,64 +13264,6 @@
               <a:rPr lang="en-US" dirty="0"/>
               <a:t>In addition, my original idea was to create a database, but I had trouble establishing a connection, in the future I would like to learn more about databases and how to establish a connection to store data.</a:t>
             </a:r>
-          </a:p>
-        </p:txBody>
-      </p:sp>
-      <p:sp>
-        <p:nvSpPr>
-          <p:cNvPr id="4" name="Footer Placeholder 3">
-            <a:extLst>
-              <a:ext uri="{FF2B5EF4-FFF2-40B4-BE49-F238E27FC236}">
-                <a16:creationId xmlns:a16="http://schemas.microsoft.com/office/drawing/2014/main" id="{11400DE9-92EB-4D32-DD95-2E484F2B76B0}"/>
-              </a:ext>
-            </a:extLst>
-          </p:cNvPr>
-          <p:cNvSpPr>
-            <a:spLocks noGrp="1"/>
-          </p:cNvSpPr>
-          <p:nvPr>
-            <p:ph type="ftr" sz="quarter" idx="11"/>
-          </p:nvPr>
-        </p:nvSpPr>
-        <p:spPr/>
-        <p:txBody>
-          <a:bodyPr/>
-          <a:lstStyle/>
-          <a:p>
-            <a:r>
-              <a:rPr lang="en-US"/>
-              <a:t>PRESENTATION TITLE</a:t>
-            </a:r>
-          </a:p>
-        </p:txBody>
-      </p:sp>
-      <p:sp>
-        <p:nvSpPr>
-          <p:cNvPr id="5" name="Slide Number Placeholder 4">
-            <a:extLst>
-              <a:ext uri="{FF2B5EF4-FFF2-40B4-BE49-F238E27FC236}">
-                <a16:creationId xmlns:a16="http://schemas.microsoft.com/office/drawing/2014/main" id="{AB24F070-1896-097E-CAAB-671F9D99C961}"/>
-              </a:ext>
-            </a:extLst>
-          </p:cNvPr>
-          <p:cNvSpPr>
-            <a:spLocks noGrp="1"/>
-          </p:cNvSpPr>
-          <p:nvPr>
-            <p:ph type="sldNum" sz="quarter" idx="12"/>
-          </p:nvPr>
-        </p:nvSpPr>
-        <p:spPr/>
-        <p:txBody>
-          <a:bodyPr/>
-          <a:lstStyle/>
-          <a:p>
-            <a:fld id="{A49DFD55-3C28-40EF-9E31-A92D2E4017FF}" type="slidenum">
-              <a:rPr lang="en-US" smtClean="0"/>
-              <a:pPr/>
-              <a:t>7</a:t>
-            </a:fld>
-            <a:endParaRPr lang="en-US"/>
           </a:p>
         </p:txBody>
       </p:sp>
@@ -11154,74 +13327,6 @@
               <a:rPr lang="en-US"/>
               <a:t>THANK YOU</a:t>
             </a:r>
-          </a:p>
-        </p:txBody>
-      </p:sp>
-      <p:sp>
-        <p:nvSpPr>
-          <p:cNvPr id="5" name="Footer Placeholder 4">
-            <a:extLst>
-              <a:ext uri="{FF2B5EF4-FFF2-40B4-BE49-F238E27FC236}">
-                <a16:creationId xmlns:a16="http://schemas.microsoft.com/office/drawing/2014/main" id="{3990FA1B-5022-47AB-A0AE-8F5C5797997C}"/>
-              </a:ext>
-            </a:extLst>
-          </p:cNvPr>
-          <p:cNvSpPr>
-            <a:spLocks noGrp="1"/>
-          </p:cNvSpPr>
-          <p:nvPr>
-            <p:ph type="ftr" sz="quarter" idx="11"/>
-          </p:nvPr>
-        </p:nvSpPr>
-        <p:spPr>
-          <a:xfrm>
-            <a:off x="6479721" y="6356350"/>
-            <a:ext cx="2661557" cy="365125"/>
-          </a:xfrm>
-        </p:spPr>
-        <p:txBody>
-          <a:bodyPr/>
-          <a:lstStyle/>
-          <a:p>
-            <a:r>
-              <a:rPr lang="en-US"/>
-              <a:t>PRESENTATION TITLE</a:t>
-            </a:r>
-          </a:p>
-        </p:txBody>
-      </p:sp>
-      <p:sp>
-        <p:nvSpPr>
-          <p:cNvPr id="6" name="Slide Number Placeholder 5">
-            <a:extLst>
-              <a:ext uri="{FF2B5EF4-FFF2-40B4-BE49-F238E27FC236}">
-                <a16:creationId xmlns:a16="http://schemas.microsoft.com/office/drawing/2014/main" id="{4C127D99-645F-4FCF-9573-FDFE2A344FA9}"/>
-              </a:ext>
-            </a:extLst>
-          </p:cNvPr>
-          <p:cNvSpPr>
-            <a:spLocks noGrp="1"/>
-          </p:cNvSpPr>
-          <p:nvPr>
-            <p:ph type="sldNum" sz="quarter" idx="12"/>
-          </p:nvPr>
-        </p:nvSpPr>
-        <p:spPr>
-          <a:xfrm>
-            <a:off x="9579428" y="6356350"/>
-            <a:ext cx="1774371" cy="365125"/>
-          </a:xfrm>
-        </p:spPr>
-        <p:txBody>
-          <a:bodyPr/>
-          <a:lstStyle/>
-          <a:p>
-            <a:fld id="{A49DFD55-3C28-40EF-9E31-A92D2E4017FF}" type="slidenum">
-              <a:rPr lang="en-US" smtClean="0"/>
-              <a:pPr/>
-              <a:t>8</a:t>
-            </a:fld>
-            <a:endParaRPr lang="en-US"/>
           </a:p>
         </p:txBody>
       </p:sp>
@@ -12030,22 +14135,12 @@
 </file>
 
 <file path=customXml/item1.xml><?xml version="1.0" encoding="utf-8"?>
-<p:properties xmlns:p="http://schemas.microsoft.com/office/2006/metadata/properties" xmlns:xsi="http://www.w3.org/2001/XMLSchema-instance" xmlns:pc="http://schemas.microsoft.com/office/infopath/2007/PartnerControls">
-  <documentManagement>
-    <_ip_UnifiedCompliancePolicyUIAction xmlns="http://schemas.microsoft.com/sharepoint/v3" xsi:nil="true"/>
-    <Image xmlns="71af3243-3dd4-4a8d-8c0d-dd76da1f02a5">
-      <Url xsi:nil="true"/>
-      <Description xsi:nil="true"/>
-    </Image>
-    <Status xmlns="71af3243-3dd4-4a8d-8c0d-dd76da1f02a5">Not started</Status>
-    <_ip_UnifiedCompliancePolicyProperties xmlns="http://schemas.microsoft.com/sharepoint/v3" xsi:nil="true"/>
-    <ImageTagsTaxHTField xmlns="71af3243-3dd4-4a8d-8c0d-dd76da1f02a5">
-      <Terms xmlns="http://schemas.microsoft.com/office/infopath/2007/PartnerControls"/>
-    </ImageTagsTaxHTField>
-    <TaxCatchAll xmlns="230e9df3-be65-4c73-a93b-d1236ebd677e"/>
-    <MediaServiceKeyPoints xmlns="71af3243-3dd4-4a8d-8c0d-dd76da1f02a5" xsi:nil="true"/>
-  </documentManagement>
-</p:properties>
+<?mso-contentType ?>
+<FormTemplates xmlns="http://schemas.microsoft.com/sharepoint/v3/contenttype/forms">
+  <Display>DocumentLibraryForm</Display>
+  <Edit>DocumentLibraryForm</Edit>
+  <New>DocumentLibraryForm</New>
+</FormTemplates>
 </file>
 
 <file path=customXml/item2.xml><?xml version="1.0" encoding="utf-8"?>
@@ -12325,22 +14420,28 @@
 </file>
 
 <file path=customXml/item3.xml><?xml version="1.0" encoding="utf-8"?>
-<?mso-contentType ?>
-<FormTemplates xmlns="http://schemas.microsoft.com/sharepoint/v3/contenttype/forms">
-  <Display>DocumentLibraryForm</Display>
-  <Edit>DocumentLibraryForm</Edit>
-  <New>DocumentLibraryForm</New>
-</FormTemplates>
+<p:properties xmlns:p="http://schemas.microsoft.com/office/2006/metadata/properties" xmlns:xsi="http://www.w3.org/2001/XMLSchema-instance" xmlns:pc="http://schemas.microsoft.com/office/infopath/2007/PartnerControls">
+  <documentManagement>
+    <_ip_UnifiedCompliancePolicyUIAction xmlns="http://schemas.microsoft.com/sharepoint/v3" xsi:nil="true"/>
+    <Image xmlns="71af3243-3dd4-4a8d-8c0d-dd76da1f02a5">
+      <Url xsi:nil="true"/>
+      <Description xsi:nil="true"/>
+    </Image>
+    <Status xmlns="71af3243-3dd4-4a8d-8c0d-dd76da1f02a5">Not started</Status>
+    <_ip_UnifiedCompliancePolicyProperties xmlns="http://schemas.microsoft.com/sharepoint/v3" xsi:nil="true"/>
+    <ImageTagsTaxHTField xmlns="71af3243-3dd4-4a8d-8c0d-dd76da1f02a5">
+      <Terms xmlns="http://schemas.microsoft.com/office/infopath/2007/PartnerControls"/>
+    </ImageTagsTaxHTField>
+    <TaxCatchAll xmlns="230e9df3-be65-4c73-a93b-d1236ebd677e"/>
+    <MediaServiceKeyPoints xmlns="71af3243-3dd4-4a8d-8c0d-dd76da1f02a5" xsi:nil="true"/>
+  </documentManagement>
+</p:properties>
 </file>
 
 <file path=customXml/itemProps1.xml><?xml version="1.0" encoding="utf-8"?>
-<ds:datastoreItem xmlns:ds="http://schemas.openxmlformats.org/officeDocument/2006/customXml" ds:itemID="{4CC7F809-A434-4A8D-A127-1C50C2DB3890}">
+<ds:datastoreItem xmlns:ds="http://schemas.openxmlformats.org/officeDocument/2006/customXml" ds:itemID="{BD5826B4-4DD2-4A9B-8D6D-E91CF9C2316C}">
   <ds:schemaRefs>
-    <ds:schemaRef ds:uri="230e9df3-be65-4c73-a93b-d1236ebd677e"/>
-    <ds:schemaRef ds:uri="71af3243-3dd4-4a8d-8c0d-dd76da1f02a5"/>
-    <ds:schemaRef ds:uri="http://schemas.microsoft.com/office/2006/metadata/properties"/>
-    <ds:schemaRef ds:uri="http://schemas.microsoft.com/office/infopath/2007/PartnerControls"/>
-    <ds:schemaRef ds:uri="http://schemas.microsoft.com/sharepoint/v3"/>
+    <ds:schemaRef ds:uri="http://schemas.microsoft.com/sharepoint/v3/contenttype/forms"/>
   </ds:schemaRefs>
 </ds:datastoreItem>
 </file>
@@ -12367,9 +14468,13 @@
 </file>
 
 <file path=customXml/itemProps3.xml><?xml version="1.0" encoding="utf-8"?>
-<ds:datastoreItem xmlns:ds="http://schemas.openxmlformats.org/officeDocument/2006/customXml" ds:itemID="{BD5826B4-4DD2-4A9B-8D6D-E91CF9C2316C}">
+<ds:datastoreItem xmlns:ds="http://schemas.openxmlformats.org/officeDocument/2006/customXml" ds:itemID="{4CC7F809-A434-4A8D-A127-1C50C2DB3890}">
   <ds:schemaRefs>
-    <ds:schemaRef ds:uri="http://schemas.microsoft.com/sharepoint/v3/contenttype/forms"/>
+    <ds:schemaRef ds:uri="230e9df3-be65-4c73-a93b-d1236ebd677e"/>
+    <ds:schemaRef ds:uri="71af3243-3dd4-4a8d-8c0d-dd76da1f02a5"/>
+    <ds:schemaRef ds:uri="http://schemas.microsoft.com/office/2006/metadata/properties"/>
+    <ds:schemaRef ds:uri="http://schemas.microsoft.com/office/infopath/2007/PartnerControls"/>
+    <ds:schemaRef ds:uri="http://schemas.microsoft.com/sharepoint/v3"/>
   </ds:schemaRefs>
 </ds:datastoreItem>
 </file>
